--- a/CalendarioAgo2022/presentaciones/11_FuncionesOrdenSuperior.pptx
+++ b/CalendarioAgo2022/presentaciones/11_FuncionesOrdenSuperior.pptx
@@ -5,7 +5,7 @@
     <p:sldMasterId id="2147483648" r:id="rId1"/>
   </p:sldMasterIdLst>
   <p:notesMasterIdLst>
-    <p:notesMasterId r:id="rId13"/>
+    <p:notesMasterId r:id="rId17"/>
   </p:notesMasterIdLst>
   <p:sldIdLst>
     <p:sldId id="293" r:id="rId2"/>
@@ -16,9 +16,13 @@
     <p:sldId id="612" r:id="rId7"/>
     <p:sldId id="613" r:id="rId8"/>
     <p:sldId id="614" r:id="rId9"/>
-    <p:sldId id="615" r:id="rId10"/>
-    <p:sldId id="617" r:id="rId11"/>
-    <p:sldId id="282" r:id="rId12"/>
+    <p:sldId id="619" r:id="rId10"/>
+    <p:sldId id="620" r:id="rId11"/>
+    <p:sldId id="621" r:id="rId12"/>
+    <p:sldId id="618" r:id="rId13"/>
+    <p:sldId id="615" r:id="rId14"/>
+    <p:sldId id="617" r:id="rId15"/>
+    <p:sldId id="282" r:id="rId16"/>
   </p:sldIdLst>
   <p:sldSz cx="9144000" cy="6858000" type="screen4x3"/>
   <p:notesSz cx="6858000" cy="9144000"/>
@@ -218,7 +222,7 @@
           <a:p>
             <a:fld id="{DDE721D5-655F-45D2-B717-3C4CD78C8568}" type="datetimeFigureOut">
               <a:rPr lang="es-MX" smtClean="0"/>
-              <a:t>20/08/2022</a:t>
+              <a:t>21/08/2022</a:t>
             </a:fld>
             <a:endParaRPr lang="es-MX" dirty="0"/>
           </a:p>
@@ -570,6 +574,342 @@
 </p:notes>
 </file>
 
+<file path=ppt/notesSlides/notesSlide10.xml><?xml version="1.0" encoding="utf-8"?>
+<p:notes xmlns:a="http://schemas.openxmlformats.org/drawingml/2006/main" xmlns:r="http://schemas.openxmlformats.org/officeDocument/2006/relationships" xmlns:p="http://schemas.openxmlformats.org/presentationml/2006/main">
+  <p:cSld>
+    <p:spTree>
+      <p:nvGrpSpPr>
+        <p:cNvPr id="1" name=""/>
+        <p:cNvGrpSpPr/>
+        <p:nvPr/>
+      </p:nvGrpSpPr>
+      <p:grpSpPr>
+        <a:xfrm>
+          <a:off x="0" y="0"/>
+          <a:ext cx="0" cy="0"/>
+          <a:chOff x="0" y="0"/>
+          <a:chExt cx="0" cy="0"/>
+        </a:xfrm>
+      </p:grpSpPr>
+      <p:sp>
+        <p:nvSpPr>
+          <p:cNvPr id="2" name="Marcador de imagen de diapositiva 1"/>
+          <p:cNvSpPr>
+            <a:spLocks noGrp="1" noRot="1" noChangeAspect="1"/>
+          </p:cNvSpPr>
+          <p:nvPr>
+            <p:ph type="sldImg"/>
+          </p:nvPr>
+        </p:nvSpPr>
+        <p:spPr/>
+      </p:sp>
+      <p:sp>
+        <p:nvSpPr>
+          <p:cNvPr id="3" name="Marcador de notas 2"/>
+          <p:cNvSpPr>
+            <a:spLocks noGrp="1"/>
+          </p:cNvSpPr>
+          <p:nvPr>
+            <p:ph type="body" idx="1"/>
+          </p:nvPr>
+        </p:nvSpPr>
+        <p:spPr/>
+        <p:txBody>
+          <a:bodyPr/>
+          <a:lstStyle/>
+          <a:p>
+            <a:endParaRPr lang="es-MX" dirty="0"/>
+          </a:p>
+        </p:txBody>
+      </p:sp>
+      <p:sp>
+        <p:nvSpPr>
+          <p:cNvPr id="4" name="Marcador de número de diapositiva 3"/>
+          <p:cNvSpPr>
+            <a:spLocks noGrp="1"/>
+          </p:cNvSpPr>
+          <p:nvPr>
+            <p:ph type="sldNum" sz="quarter" idx="5"/>
+          </p:nvPr>
+        </p:nvSpPr>
+        <p:spPr/>
+        <p:txBody>
+          <a:bodyPr/>
+          <a:lstStyle/>
+          <a:p>
+            <a:fld id="{6BAB4312-99A1-4CE9-ACE7-4C62E9FD90EE}" type="slidenum">
+              <a:rPr lang="es-MX" smtClean="0"/>
+              <a:t>11</a:t>
+            </a:fld>
+            <a:endParaRPr lang="es-MX" dirty="0"/>
+          </a:p>
+        </p:txBody>
+      </p:sp>
+    </p:spTree>
+    <p:extLst>
+      <p:ext uri="{BB962C8B-B14F-4D97-AF65-F5344CB8AC3E}">
+        <p14:creationId xmlns:p14="http://schemas.microsoft.com/office/powerpoint/2010/main" val="2601782670"/>
+      </p:ext>
+    </p:extLst>
+  </p:cSld>
+  <p:clrMapOvr>
+    <a:masterClrMapping/>
+  </p:clrMapOvr>
+</p:notes>
+</file>
+
+<file path=ppt/notesSlides/notesSlide11.xml><?xml version="1.0" encoding="utf-8"?>
+<p:notes xmlns:a="http://schemas.openxmlformats.org/drawingml/2006/main" xmlns:r="http://schemas.openxmlformats.org/officeDocument/2006/relationships" xmlns:p="http://schemas.openxmlformats.org/presentationml/2006/main">
+  <p:cSld>
+    <p:spTree>
+      <p:nvGrpSpPr>
+        <p:cNvPr id="1" name=""/>
+        <p:cNvGrpSpPr/>
+        <p:nvPr/>
+      </p:nvGrpSpPr>
+      <p:grpSpPr>
+        <a:xfrm>
+          <a:off x="0" y="0"/>
+          <a:ext cx="0" cy="0"/>
+          <a:chOff x="0" y="0"/>
+          <a:chExt cx="0" cy="0"/>
+        </a:xfrm>
+      </p:grpSpPr>
+      <p:sp>
+        <p:nvSpPr>
+          <p:cNvPr id="2" name="Marcador de imagen de diapositiva 1"/>
+          <p:cNvSpPr>
+            <a:spLocks noGrp="1" noRot="1" noChangeAspect="1"/>
+          </p:cNvSpPr>
+          <p:nvPr>
+            <p:ph type="sldImg"/>
+          </p:nvPr>
+        </p:nvSpPr>
+        <p:spPr/>
+      </p:sp>
+      <p:sp>
+        <p:nvSpPr>
+          <p:cNvPr id="3" name="Marcador de notas 2"/>
+          <p:cNvSpPr>
+            <a:spLocks noGrp="1"/>
+          </p:cNvSpPr>
+          <p:nvPr>
+            <p:ph type="body" idx="1"/>
+          </p:nvPr>
+        </p:nvSpPr>
+        <p:spPr/>
+        <p:txBody>
+          <a:bodyPr/>
+          <a:lstStyle/>
+          <a:p>
+            <a:endParaRPr lang="es-MX" dirty="0"/>
+          </a:p>
+        </p:txBody>
+      </p:sp>
+      <p:sp>
+        <p:nvSpPr>
+          <p:cNvPr id="4" name="Marcador de número de diapositiva 3"/>
+          <p:cNvSpPr>
+            <a:spLocks noGrp="1"/>
+          </p:cNvSpPr>
+          <p:nvPr>
+            <p:ph type="sldNum" sz="quarter" idx="5"/>
+          </p:nvPr>
+        </p:nvSpPr>
+        <p:spPr/>
+        <p:txBody>
+          <a:bodyPr/>
+          <a:lstStyle/>
+          <a:p>
+            <a:fld id="{6BAB4312-99A1-4CE9-ACE7-4C62E9FD90EE}" type="slidenum">
+              <a:rPr lang="es-MX" smtClean="0"/>
+              <a:t>12</a:t>
+            </a:fld>
+            <a:endParaRPr lang="es-MX" dirty="0"/>
+          </a:p>
+        </p:txBody>
+      </p:sp>
+    </p:spTree>
+    <p:extLst>
+      <p:ext uri="{BB962C8B-B14F-4D97-AF65-F5344CB8AC3E}">
+        <p14:creationId xmlns:p14="http://schemas.microsoft.com/office/powerpoint/2010/main" val="2900159476"/>
+      </p:ext>
+    </p:extLst>
+  </p:cSld>
+  <p:clrMapOvr>
+    <a:masterClrMapping/>
+  </p:clrMapOvr>
+</p:notes>
+</file>
+
+<file path=ppt/notesSlides/notesSlide12.xml><?xml version="1.0" encoding="utf-8"?>
+<p:notes xmlns:a="http://schemas.openxmlformats.org/drawingml/2006/main" xmlns:r="http://schemas.openxmlformats.org/officeDocument/2006/relationships" xmlns:p="http://schemas.openxmlformats.org/presentationml/2006/main">
+  <p:cSld>
+    <p:spTree>
+      <p:nvGrpSpPr>
+        <p:cNvPr id="1" name=""/>
+        <p:cNvGrpSpPr/>
+        <p:nvPr/>
+      </p:nvGrpSpPr>
+      <p:grpSpPr>
+        <a:xfrm>
+          <a:off x="0" y="0"/>
+          <a:ext cx="0" cy="0"/>
+          <a:chOff x="0" y="0"/>
+          <a:chExt cx="0" cy="0"/>
+        </a:xfrm>
+      </p:grpSpPr>
+      <p:sp>
+        <p:nvSpPr>
+          <p:cNvPr id="2" name="Marcador de imagen de diapositiva 1"/>
+          <p:cNvSpPr>
+            <a:spLocks noGrp="1" noRot="1" noChangeAspect="1"/>
+          </p:cNvSpPr>
+          <p:nvPr>
+            <p:ph type="sldImg"/>
+          </p:nvPr>
+        </p:nvSpPr>
+        <p:spPr/>
+      </p:sp>
+      <p:sp>
+        <p:nvSpPr>
+          <p:cNvPr id="3" name="Marcador de notas 2"/>
+          <p:cNvSpPr>
+            <a:spLocks noGrp="1"/>
+          </p:cNvSpPr>
+          <p:nvPr>
+            <p:ph type="body" idx="1"/>
+          </p:nvPr>
+        </p:nvSpPr>
+        <p:spPr/>
+        <p:txBody>
+          <a:bodyPr/>
+          <a:lstStyle/>
+          <a:p>
+            <a:endParaRPr lang="es-MX" dirty="0"/>
+          </a:p>
+        </p:txBody>
+      </p:sp>
+      <p:sp>
+        <p:nvSpPr>
+          <p:cNvPr id="4" name="Marcador de número de diapositiva 3"/>
+          <p:cNvSpPr>
+            <a:spLocks noGrp="1"/>
+          </p:cNvSpPr>
+          <p:nvPr>
+            <p:ph type="sldNum" sz="quarter" idx="5"/>
+          </p:nvPr>
+        </p:nvSpPr>
+        <p:spPr/>
+        <p:txBody>
+          <a:bodyPr/>
+          <a:lstStyle/>
+          <a:p>
+            <a:fld id="{6BAB4312-99A1-4CE9-ACE7-4C62E9FD90EE}" type="slidenum">
+              <a:rPr lang="es-MX" smtClean="0"/>
+              <a:t>13</a:t>
+            </a:fld>
+            <a:endParaRPr lang="es-MX" dirty="0"/>
+          </a:p>
+        </p:txBody>
+      </p:sp>
+    </p:spTree>
+    <p:extLst>
+      <p:ext uri="{BB962C8B-B14F-4D97-AF65-F5344CB8AC3E}">
+        <p14:creationId xmlns:p14="http://schemas.microsoft.com/office/powerpoint/2010/main" val="2471361780"/>
+      </p:ext>
+    </p:extLst>
+  </p:cSld>
+  <p:clrMapOvr>
+    <a:masterClrMapping/>
+  </p:clrMapOvr>
+</p:notes>
+</file>
+
+<file path=ppt/notesSlides/notesSlide13.xml><?xml version="1.0" encoding="utf-8"?>
+<p:notes xmlns:a="http://schemas.openxmlformats.org/drawingml/2006/main" xmlns:r="http://schemas.openxmlformats.org/officeDocument/2006/relationships" xmlns:p="http://schemas.openxmlformats.org/presentationml/2006/main">
+  <p:cSld>
+    <p:spTree>
+      <p:nvGrpSpPr>
+        <p:cNvPr id="1" name=""/>
+        <p:cNvGrpSpPr/>
+        <p:nvPr/>
+      </p:nvGrpSpPr>
+      <p:grpSpPr>
+        <a:xfrm>
+          <a:off x="0" y="0"/>
+          <a:ext cx="0" cy="0"/>
+          <a:chOff x="0" y="0"/>
+          <a:chExt cx="0" cy="0"/>
+        </a:xfrm>
+      </p:grpSpPr>
+      <p:sp>
+        <p:nvSpPr>
+          <p:cNvPr id="2" name="Marcador de imagen de diapositiva 1"/>
+          <p:cNvSpPr>
+            <a:spLocks noGrp="1" noRot="1" noChangeAspect="1"/>
+          </p:cNvSpPr>
+          <p:nvPr>
+            <p:ph type="sldImg"/>
+          </p:nvPr>
+        </p:nvSpPr>
+        <p:spPr/>
+      </p:sp>
+      <p:sp>
+        <p:nvSpPr>
+          <p:cNvPr id="3" name="Marcador de notas 2"/>
+          <p:cNvSpPr>
+            <a:spLocks noGrp="1"/>
+          </p:cNvSpPr>
+          <p:nvPr>
+            <p:ph type="body" idx="1"/>
+          </p:nvPr>
+        </p:nvSpPr>
+        <p:spPr/>
+        <p:txBody>
+          <a:bodyPr/>
+          <a:lstStyle/>
+          <a:p>
+            <a:endParaRPr lang="es-MX" dirty="0"/>
+          </a:p>
+        </p:txBody>
+      </p:sp>
+      <p:sp>
+        <p:nvSpPr>
+          <p:cNvPr id="4" name="Marcador de número de diapositiva 3"/>
+          <p:cNvSpPr>
+            <a:spLocks noGrp="1"/>
+          </p:cNvSpPr>
+          <p:nvPr>
+            <p:ph type="sldNum" sz="quarter" idx="5"/>
+          </p:nvPr>
+        </p:nvSpPr>
+        <p:spPr/>
+        <p:txBody>
+          <a:bodyPr/>
+          <a:lstStyle/>
+          <a:p>
+            <a:fld id="{6BAB4312-99A1-4CE9-ACE7-4C62E9FD90EE}" type="slidenum">
+              <a:rPr lang="es-MX" smtClean="0"/>
+              <a:t>14</a:t>
+            </a:fld>
+            <a:endParaRPr lang="es-MX" dirty="0"/>
+          </a:p>
+        </p:txBody>
+      </p:sp>
+    </p:spTree>
+    <p:extLst>
+      <p:ext uri="{BB962C8B-B14F-4D97-AF65-F5344CB8AC3E}">
+        <p14:creationId xmlns:p14="http://schemas.microsoft.com/office/powerpoint/2010/main" val="3530218476"/>
+      </p:ext>
+    </p:extLst>
+  </p:cSld>
+  <p:clrMapOvr>
+    <a:masterClrMapping/>
+  </p:clrMapOvr>
+</p:notes>
+</file>
+
 <file path=ppt/notesSlides/notesSlide2.xml><?xml version="1.0" encoding="utf-8"?>
 <p:notes xmlns:a="http://schemas.openxmlformats.org/drawingml/2006/main" xmlns:r="http://schemas.openxmlformats.org/officeDocument/2006/relationships" xmlns:p="http://schemas.openxmlformats.org/presentationml/2006/main">
   <p:cSld>
@@ -1148,7 +1488,7 @@
     </p:spTree>
     <p:extLst>
       <p:ext uri="{BB962C8B-B14F-4D97-AF65-F5344CB8AC3E}">
-        <p14:creationId xmlns:p14="http://schemas.microsoft.com/office/powerpoint/2010/main" val="2471361780"/>
+        <p14:creationId xmlns:p14="http://schemas.microsoft.com/office/powerpoint/2010/main" val="3247641084"/>
       </p:ext>
     </p:extLst>
   </p:cSld>
@@ -1232,7 +1572,7 @@
     </p:spTree>
     <p:extLst>
       <p:ext uri="{BB962C8B-B14F-4D97-AF65-F5344CB8AC3E}">
-        <p14:creationId xmlns:p14="http://schemas.microsoft.com/office/powerpoint/2010/main" val="3530218476"/>
+        <p14:creationId xmlns:p14="http://schemas.microsoft.com/office/powerpoint/2010/main" val="2929668301"/>
       </p:ext>
     </p:extLst>
   </p:cSld>
@@ -1423,7 +1763,7 @@
           <a:p>
             <a:fld id="{B3F3E716-CACC-4490-AD07-F24B6A68DE47}" type="datetimeFigureOut">
               <a:rPr lang="es-MX" smtClean="0"/>
-              <a:t>20/08/2022</a:t>
+              <a:t>21/08/2022</a:t>
             </a:fld>
             <a:endParaRPr lang="es-MX" dirty="0"/>
           </a:p>
@@ -1593,7 +1933,7 @@
           <a:p>
             <a:fld id="{B3F3E716-CACC-4490-AD07-F24B6A68DE47}" type="datetimeFigureOut">
               <a:rPr lang="es-MX" smtClean="0"/>
-              <a:t>20/08/2022</a:t>
+              <a:t>21/08/2022</a:t>
             </a:fld>
             <a:endParaRPr lang="es-MX" dirty="0"/>
           </a:p>
@@ -1773,7 +2113,7 @@
           <a:p>
             <a:fld id="{B3F3E716-CACC-4490-AD07-F24B6A68DE47}" type="datetimeFigureOut">
               <a:rPr lang="es-MX" smtClean="0"/>
-              <a:t>20/08/2022</a:t>
+              <a:t>21/08/2022</a:t>
             </a:fld>
             <a:endParaRPr lang="es-MX" dirty="0"/>
           </a:p>
@@ -1926,7 +2266,7 @@
           <a:p>
             <a:fld id="{1D8BD707-D9CF-40AE-B4C6-C98DA3205C09}" type="datetimeFigureOut">
               <a:rPr lang="en-US" smtClean="0"/>
-              <a:t>8/20/2022</a:t>
+              <a:t>8/21/2022</a:t>
             </a:fld>
             <a:endParaRPr lang="en-US" dirty="0"/>
           </a:p>
@@ -2086,7 +2426,7 @@
           <a:p>
             <a:fld id="{B3F3E716-CACC-4490-AD07-F24B6A68DE47}" type="datetimeFigureOut">
               <a:rPr lang="es-MX" smtClean="0"/>
-              <a:t>20/08/2022</a:t>
+              <a:t>21/08/2022</a:t>
             </a:fld>
             <a:endParaRPr lang="es-MX" dirty="0"/>
           </a:p>
@@ -2332,7 +2672,7 @@
           <a:p>
             <a:fld id="{B3F3E716-CACC-4490-AD07-F24B6A68DE47}" type="datetimeFigureOut">
               <a:rPr lang="es-MX" smtClean="0"/>
-              <a:t>20/08/2022</a:t>
+              <a:t>21/08/2022</a:t>
             </a:fld>
             <a:endParaRPr lang="es-MX" dirty="0"/>
           </a:p>
@@ -2620,7 +2960,7 @@
           <a:p>
             <a:fld id="{B3F3E716-CACC-4490-AD07-F24B6A68DE47}" type="datetimeFigureOut">
               <a:rPr lang="es-MX" smtClean="0"/>
-              <a:t>20/08/2022</a:t>
+              <a:t>21/08/2022</a:t>
             </a:fld>
             <a:endParaRPr lang="es-MX" dirty="0"/>
           </a:p>
@@ -3042,7 +3382,7 @@
           <a:p>
             <a:fld id="{B3F3E716-CACC-4490-AD07-F24B6A68DE47}" type="datetimeFigureOut">
               <a:rPr lang="es-MX" smtClean="0"/>
-              <a:t>20/08/2022</a:t>
+              <a:t>21/08/2022</a:t>
             </a:fld>
             <a:endParaRPr lang="es-MX" dirty="0"/>
           </a:p>
@@ -3160,7 +3500,7 @@
           <a:p>
             <a:fld id="{B3F3E716-CACC-4490-AD07-F24B6A68DE47}" type="datetimeFigureOut">
               <a:rPr lang="es-MX" smtClean="0"/>
-              <a:t>20/08/2022</a:t>
+              <a:t>21/08/2022</a:t>
             </a:fld>
             <a:endParaRPr lang="es-MX" dirty="0"/>
           </a:p>
@@ -3255,7 +3595,7 @@
           <a:p>
             <a:fld id="{B3F3E716-CACC-4490-AD07-F24B6A68DE47}" type="datetimeFigureOut">
               <a:rPr lang="es-MX" smtClean="0"/>
-              <a:t>20/08/2022</a:t>
+              <a:t>21/08/2022</a:t>
             </a:fld>
             <a:endParaRPr lang="es-MX" dirty="0"/>
           </a:p>
@@ -3532,7 +3872,7 @@
           <a:p>
             <a:fld id="{B3F3E716-CACC-4490-AD07-F24B6A68DE47}" type="datetimeFigureOut">
               <a:rPr lang="es-MX" smtClean="0"/>
-              <a:t>20/08/2022</a:t>
+              <a:t>21/08/2022</a:t>
             </a:fld>
             <a:endParaRPr lang="es-MX" dirty="0"/>
           </a:p>
@@ -3785,7 +4125,7 @@
           <a:p>
             <a:fld id="{B3F3E716-CACC-4490-AD07-F24B6A68DE47}" type="datetimeFigureOut">
               <a:rPr lang="es-MX" smtClean="0"/>
-              <a:t>20/08/2022</a:t>
+              <a:t>21/08/2022</a:t>
             </a:fld>
             <a:endParaRPr lang="es-MX" dirty="0"/>
           </a:p>
@@ -3998,7 +4338,7 @@
           <a:p>
             <a:fld id="{B3F3E716-CACC-4490-AD07-F24B6A68DE47}" type="datetimeFigureOut">
               <a:rPr lang="es-MX" smtClean="0"/>
-              <a:t>20/08/2022</a:t>
+              <a:t>21/08/2022</a:t>
             </a:fld>
             <a:endParaRPr lang="es-MX" dirty="0"/>
           </a:p>
@@ -4622,6 +4962,3768 @@
                 </a:effectLst>
                 <a:latin typeface="Dom Casual" charset="0"/>
               </a:rPr>
+              <a:t>Función </a:t>
+            </a:r>
+            <a:r>
+              <a:rPr lang="es-MX" sz="3600" b="1" dirty="0" err="1">
+                <a:solidFill>
+                  <a:schemeClr val="accent4">
+                    <a:lumMod val="50000"/>
+                  </a:schemeClr>
+                </a:solidFill>
+                <a:effectLst>
+                  <a:outerShdw blurRad="38100" dist="38100" dir="2700000" algn="tl">
+                    <a:srgbClr val="C0C0C0"/>
+                  </a:outerShdw>
+                </a:effectLst>
+                <a:latin typeface="Dom Casual" charset="0"/>
+              </a:rPr>
+              <a:t>map</a:t>
+            </a:r>
+            <a:endParaRPr lang="es-MX" sz="3600" b="1" dirty="0">
+              <a:solidFill>
+                <a:schemeClr val="accent4">
+                  <a:lumMod val="50000"/>
+                </a:schemeClr>
+              </a:solidFill>
+              <a:effectLst>
+                <a:outerShdw blurRad="38100" dist="38100" dir="2700000" algn="tl">
+                  <a:srgbClr val="C0C0C0"/>
+                </a:outerShdw>
+              </a:effectLst>
+              <a:latin typeface="Dom Casual" charset="0"/>
+            </a:endParaRPr>
+          </a:p>
+        </p:txBody>
+      </p:sp>
+      <p:sp>
+        <p:nvSpPr>
+          <p:cNvPr id="8" name="CuadroTexto 7">
+            <a:extLst>
+              <a:ext uri="{FF2B5EF4-FFF2-40B4-BE49-F238E27FC236}">
+                <a16:creationId xmlns:a16="http://schemas.microsoft.com/office/drawing/2014/main" id="{44BAF2EA-92D2-4C06-913F-695F25D25C19}"/>
+              </a:ext>
+            </a:extLst>
+          </p:cNvPr>
+          <p:cNvSpPr txBox="1"/>
+          <p:nvPr/>
+        </p:nvSpPr>
+        <p:spPr>
+          <a:xfrm>
+            <a:off x="3253496" y="692696"/>
+            <a:ext cx="2664297" cy="369332"/>
+          </a:xfrm>
+          <a:prstGeom prst="rect">
+            <a:avLst/>
+          </a:prstGeom>
+          <a:noFill/>
+        </p:spPr>
+        <p:txBody>
+          <a:bodyPr wrap="square">
+            <a:spAutoFit/>
+          </a:bodyPr>
+          <a:lstStyle/>
+          <a:p>
+            <a:pPr algn="ctr"/>
+            <a:r>
+              <a:rPr lang="es-ES" b="1" dirty="0" err="1">
+                <a:solidFill>
+                  <a:schemeClr val="accent6">
+                    <a:lumMod val="75000"/>
+                  </a:schemeClr>
+                </a:solidFill>
+                <a:latin typeface="-apple-system"/>
+              </a:rPr>
+              <a:t>m</a:t>
+            </a:r>
+            <a:r>
+              <a:rPr lang="es-ES" b="1" i="0" dirty="0" err="1">
+                <a:solidFill>
+                  <a:schemeClr val="accent6">
+                    <a:lumMod val="75000"/>
+                  </a:schemeClr>
+                </a:solidFill>
+                <a:effectLst/>
+                <a:latin typeface="-apple-system"/>
+              </a:rPr>
+              <a:t>ap</a:t>
+            </a:r>
+            <a:r>
+              <a:rPr lang="es-ES" b="1" i="0" dirty="0">
+                <a:solidFill>
+                  <a:schemeClr val="accent6">
+                    <a:lumMod val="75000"/>
+                  </a:schemeClr>
+                </a:solidFill>
+                <a:effectLst/>
+                <a:latin typeface="-apple-system"/>
+              </a:rPr>
+              <a:t> (</a:t>
+            </a:r>
+            <a:r>
+              <a:rPr lang="es-ES" b="1" i="0" dirty="0" err="1">
+                <a:solidFill>
+                  <a:schemeClr val="accent6">
+                    <a:lumMod val="75000"/>
+                  </a:schemeClr>
+                </a:solidFill>
+                <a:effectLst/>
+                <a:latin typeface="-apple-system"/>
+              </a:rPr>
+              <a:t>function</a:t>
+            </a:r>
+            <a:r>
+              <a:rPr lang="es-ES" b="1" i="0" dirty="0">
+                <a:solidFill>
+                  <a:schemeClr val="accent6">
+                    <a:lumMod val="75000"/>
+                  </a:schemeClr>
+                </a:solidFill>
+                <a:effectLst/>
+                <a:latin typeface="-apple-system"/>
+              </a:rPr>
+              <a:t>, iterables)</a:t>
+            </a:r>
+            <a:endParaRPr lang="es-ES" sz="1600" b="0" i="0" dirty="0">
+              <a:solidFill>
+                <a:schemeClr val="accent6">
+                  <a:lumMod val="75000"/>
+                </a:schemeClr>
+              </a:solidFill>
+              <a:effectLst/>
+            </a:endParaRPr>
+          </a:p>
+        </p:txBody>
+      </p:sp>
+      <p:sp>
+        <p:nvSpPr>
+          <p:cNvPr id="7" name="CuadroTexto 6">
+            <a:extLst>
+              <a:ext uri="{FF2B5EF4-FFF2-40B4-BE49-F238E27FC236}">
+                <a16:creationId xmlns:a16="http://schemas.microsoft.com/office/drawing/2014/main" id="{CD329BAA-6040-42E8-A28F-4731E85EABD0}"/>
+              </a:ext>
+            </a:extLst>
+          </p:cNvPr>
+          <p:cNvSpPr txBox="1"/>
+          <p:nvPr/>
+        </p:nvSpPr>
+        <p:spPr>
+          <a:xfrm>
+            <a:off x="114141" y="5630170"/>
+            <a:ext cx="4385852" cy="584775"/>
+          </a:xfrm>
+          <a:prstGeom prst="rect">
+            <a:avLst/>
+          </a:prstGeom>
+          <a:noFill/>
+        </p:spPr>
+        <p:txBody>
+          <a:bodyPr wrap="square">
+            <a:spAutoFit/>
+          </a:bodyPr>
+          <a:lstStyle/>
+          <a:p>
+            <a:pPr algn="l" rtl="0"/>
+            <a:r>
+              <a:rPr lang="es-ES" sz="1600" b="0" i="0" dirty="0">
+                <a:solidFill>
+                  <a:srgbClr val="000000"/>
+                </a:solidFill>
+                <a:effectLst/>
+              </a:rPr>
+              <a:t>lista2 = </a:t>
+            </a:r>
+            <a:r>
+              <a:rPr lang="es-ES" sz="1600" b="0" i="0" dirty="0" err="1">
+                <a:solidFill>
+                  <a:srgbClr val="404247"/>
+                </a:solidFill>
+                <a:effectLst/>
+              </a:rPr>
+              <a:t>list</a:t>
+            </a:r>
+            <a:r>
+              <a:rPr lang="es-ES" sz="1600" b="0" i="0" dirty="0">
+                <a:solidFill>
+                  <a:srgbClr val="444444"/>
+                </a:solidFill>
+                <a:effectLst/>
+              </a:rPr>
+              <a:t>( </a:t>
+            </a:r>
+            <a:r>
+              <a:rPr lang="es-ES" sz="1600" b="0" i="0" dirty="0" err="1">
+                <a:solidFill>
+                  <a:srgbClr val="404247"/>
+                </a:solidFill>
+                <a:effectLst/>
+              </a:rPr>
+              <a:t>map</a:t>
+            </a:r>
+            <a:r>
+              <a:rPr lang="es-ES" sz="1600" b="0" i="0" dirty="0">
+                <a:solidFill>
+                  <a:srgbClr val="444444"/>
+                </a:solidFill>
+                <a:effectLst/>
+              </a:rPr>
+              <a:t>(</a:t>
+            </a:r>
+            <a:r>
+              <a:rPr lang="es-ES" sz="1600" b="1" i="0" dirty="0">
+                <a:solidFill>
+                  <a:srgbClr val="066DA1"/>
+                </a:solidFill>
+                <a:effectLst/>
+              </a:rPr>
+              <a:t>lambda</a:t>
+            </a:r>
+            <a:r>
+              <a:rPr lang="es-ES" sz="1600" b="0" i="0" dirty="0">
+                <a:solidFill>
+                  <a:srgbClr val="000000"/>
+                </a:solidFill>
+                <a:effectLst/>
+              </a:rPr>
+              <a:t> x, y: x*y/2, </a:t>
+            </a:r>
+            <a:r>
+              <a:rPr lang="es-ES" sz="1600" b="1" i="0" dirty="0">
+                <a:solidFill>
+                  <a:srgbClr val="000000"/>
+                </a:solidFill>
+                <a:effectLst/>
+              </a:rPr>
+              <a:t>base, altura</a:t>
+            </a:r>
+            <a:r>
+              <a:rPr lang="es-ES" sz="1600" b="0" i="0" dirty="0">
+                <a:solidFill>
+                  <a:srgbClr val="444444"/>
+                </a:solidFill>
+                <a:effectLst/>
+              </a:rPr>
+              <a:t>))</a:t>
+            </a:r>
+            <a:endParaRPr lang="es-ES" sz="1600" b="0" i="0" dirty="0">
+              <a:solidFill>
+                <a:srgbClr val="AAAAAA"/>
+              </a:solidFill>
+              <a:effectLst/>
+            </a:endParaRPr>
+          </a:p>
+          <a:p>
+            <a:pPr algn="l" rtl="0"/>
+            <a:r>
+              <a:rPr lang="es-ES" sz="1600" b="0" i="0" dirty="0" err="1">
+                <a:solidFill>
+                  <a:srgbClr val="404247"/>
+                </a:solidFill>
+                <a:effectLst/>
+              </a:rPr>
+              <a:t>print</a:t>
+            </a:r>
+            <a:r>
+              <a:rPr lang="es-ES" sz="1600" b="0" i="0" dirty="0">
+                <a:solidFill>
+                  <a:srgbClr val="444444"/>
+                </a:solidFill>
+                <a:effectLst/>
+              </a:rPr>
+              <a:t>(lista2)</a:t>
+            </a:r>
+            <a:endParaRPr lang="es-ES" sz="1600" b="0" i="0" dirty="0">
+              <a:solidFill>
+                <a:srgbClr val="AAAAAA"/>
+              </a:solidFill>
+              <a:effectLst/>
+            </a:endParaRPr>
+          </a:p>
+        </p:txBody>
+      </p:sp>
+      <p:sp>
+        <p:nvSpPr>
+          <p:cNvPr id="11" name="CuadroTexto 10">
+            <a:extLst>
+              <a:ext uri="{FF2B5EF4-FFF2-40B4-BE49-F238E27FC236}">
+                <a16:creationId xmlns:a16="http://schemas.microsoft.com/office/drawing/2014/main" id="{F14534C0-A07A-4900-AC94-DB6BF3DF9C1D}"/>
+              </a:ext>
+            </a:extLst>
+          </p:cNvPr>
+          <p:cNvSpPr txBox="1"/>
+          <p:nvPr/>
+        </p:nvSpPr>
+        <p:spPr>
+          <a:xfrm>
+            <a:off x="231306" y="4158922"/>
+            <a:ext cx="3703716" cy="369332"/>
+          </a:xfrm>
+          <a:prstGeom prst="rect">
+            <a:avLst/>
+          </a:prstGeom>
+          <a:noFill/>
+        </p:spPr>
+        <p:txBody>
+          <a:bodyPr wrap="square">
+            <a:spAutoFit/>
+          </a:bodyPr>
+          <a:lstStyle/>
+          <a:p>
+            <a:pPr algn="l" rtl="0"/>
+            <a:r>
+              <a:rPr lang="es-ES" b="1" i="0" dirty="0" err="1">
+                <a:solidFill>
+                  <a:schemeClr val="accent6">
+                    <a:lumMod val="75000"/>
+                  </a:schemeClr>
+                </a:solidFill>
+                <a:effectLst/>
+                <a:latin typeface="inherit"/>
+              </a:rPr>
+              <a:t>map</a:t>
+            </a:r>
+            <a:r>
+              <a:rPr lang="es-ES" b="0" i="0" dirty="0">
+                <a:solidFill>
+                  <a:srgbClr val="444444"/>
+                </a:solidFill>
+                <a:effectLst/>
+                <a:latin typeface="inherit"/>
+              </a:rPr>
+              <a:t>(</a:t>
+            </a:r>
+            <a:r>
+              <a:rPr lang="es-ES" b="1" i="0" dirty="0">
+                <a:solidFill>
+                  <a:srgbClr val="066DA1"/>
+                </a:solidFill>
+                <a:effectLst/>
+                <a:latin typeface="inherit"/>
+              </a:rPr>
+              <a:t>lambda</a:t>
+            </a:r>
+            <a:r>
+              <a:rPr lang="es-ES" b="0" i="0" dirty="0">
+                <a:solidFill>
+                  <a:srgbClr val="000000"/>
+                </a:solidFill>
+                <a:effectLst/>
+                <a:latin typeface="inherit"/>
+              </a:rPr>
+              <a:t> x, y: x*y/2, </a:t>
+            </a:r>
+            <a:r>
+              <a:rPr lang="es-ES" b="1" i="0" dirty="0">
+                <a:solidFill>
+                  <a:srgbClr val="00B050"/>
+                </a:solidFill>
+                <a:effectLst/>
+                <a:latin typeface="inherit"/>
+              </a:rPr>
+              <a:t>base, altura</a:t>
+            </a:r>
+            <a:r>
+              <a:rPr lang="es-ES" b="0" i="0" dirty="0">
+                <a:solidFill>
+                  <a:srgbClr val="444444"/>
+                </a:solidFill>
+                <a:effectLst/>
+                <a:latin typeface="inherit"/>
+              </a:rPr>
+              <a:t>)</a:t>
+            </a:r>
+          </a:p>
+        </p:txBody>
+      </p:sp>
+      <p:sp>
+        <p:nvSpPr>
+          <p:cNvPr id="12" name="Abrir llave 11">
+            <a:extLst>
+              <a:ext uri="{FF2B5EF4-FFF2-40B4-BE49-F238E27FC236}">
+                <a16:creationId xmlns:a16="http://schemas.microsoft.com/office/drawing/2014/main" id="{3AE2AEE9-CCE8-4E26-8B51-BDAC52A7F842}"/>
+              </a:ext>
+            </a:extLst>
+          </p:cNvPr>
+          <p:cNvSpPr/>
+          <p:nvPr/>
+        </p:nvSpPr>
+        <p:spPr>
+          <a:xfrm rot="16200000">
+            <a:off x="1491696" y="3813835"/>
+            <a:ext cx="265175" cy="1633824"/>
+          </a:xfrm>
+          <a:prstGeom prst="leftBrace">
+            <a:avLst/>
+          </a:prstGeom>
+        </p:spPr>
+        <p:style>
+          <a:lnRef idx="1">
+            <a:schemeClr val="accent1"/>
+          </a:lnRef>
+          <a:fillRef idx="0">
+            <a:schemeClr val="accent1"/>
+          </a:fillRef>
+          <a:effectRef idx="0">
+            <a:schemeClr val="accent1"/>
+          </a:effectRef>
+          <a:fontRef idx="minor">
+            <a:schemeClr val="tx1"/>
+          </a:fontRef>
+        </p:style>
+        <p:txBody>
+          <a:bodyPr rtlCol="0" anchor="ctr"/>
+          <a:lstStyle/>
+          <a:p>
+            <a:pPr algn="ctr"/>
+            <a:endParaRPr lang="es-MX"/>
+          </a:p>
+        </p:txBody>
+      </p:sp>
+      <p:sp>
+        <p:nvSpPr>
+          <p:cNvPr id="13" name="Abrir llave 12">
+            <a:extLst>
+              <a:ext uri="{FF2B5EF4-FFF2-40B4-BE49-F238E27FC236}">
+                <a16:creationId xmlns:a16="http://schemas.microsoft.com/office/drawing/2014/main" id="{054DF6E8-83D2-4A51-BF12-835C25C2E8EB}"/>
+              </a:ext>
+            </a:extLst>
+          </p:cNvPr>
+          <p:cNvSpPr/>
+          <p:nvPr/>
+        </p:nvSpPr>
+        <p:spPr>
+          <a:xfrm rot="16200000">
+            <a:off x="3112077" y="4050723"/>
+            <a:ext cx="223358" cy="1080121"/>
+          </a:xfrm>
+          <a:prstGeom prst="leftBrace">
+            <a:avLst/>
+          </a:prstGeom>
+        </p:spPr>
+        <p:style>
+          <a:lnRef idx="1">
+            <a:schemeClr val="accent1"/>
+          </a:lnRef>
+          <a:fillRef idx="0">
+            <a:schemeClr val="accent1"/>
+          </a:fillRef>
+          <a:effectRef idx="0">
+            <a:schemeClr val="accent1"/>
+          </a:effectRef>
+          <a:fontRef idx="minor">
+            <a:schemeClr val="tx1"/>
+          </a:fontRef>
+        </p:style>
+        <p:txBody>
+          <a:bodyPr rtlCol="0" anchor="ctr"/>
+          <a:lstStyle/>
+          <a:p>
+            <a:pPr algn="ctr"/>
+            <a:endParaRPr lang="es-MX"/>
+          </a:p>
+        </p:txBody>
+      </p:sp>
+      <p:sp>
+        <p:nvSpPr>
+          <p:cNvPr id="14" name="CuadroTexto 13">
+            <a:extLst>
+              <a:ext uri="{FF2B5EF4-FFF2-40B4-BE49-F238E27FC236}">
+                <a16:creationId xmlns:a16="http://schemas.microsoft.com/office/drawing/2014/main" id="{7D138997-C337-460F-B57F-91195C7377E4}"/>
+              </a:ext>
+            </a:extLst>
+          </p:cNvPr>
+          <p:cNvSpPr txBox="1"/>
+          <p:nvPr/>
+        </p:nvSpPr>
+        <p:spPr>
+          <a:xfrm>
+            <a:off x="929026" y="4777277"/>
+            <a:ext cx="1454888" cy="646331"/>
+          </a:xfrm>
+          <a:prstGeom prst="rect">
+            <a:avLst/>
+          </a:prstGeom>
+          <a:noFill/>
+        </p:spPr>
+        <p:txBody>
+          <a:bodyPr wrap="square">
+            <a:spAutoFit/>
+          </a:bodyPr>
+          <a:lstStyle/>
+          <a:p>
+            <a:pPr algn="ctr"/>
+            <a:r>
+              <a:rPr lang="es-ES" dirty="0">
+                <a:solidFill>
+                  <a:schemeClr val="accent5">
+                    <a:lumMod val="75000"/>
+                  </a:schemeClr>
+                </a:solidFill>
+                <a:latin typeface="-apple-system"/>
+              </a:rPr>
+              <a:t>Función lambda</a:t>
+            </a:r>
+          </a:p>
+        </p:txBody>
+      </p:sp>
+      <p:sp>
+        <p:nvSpPr>
+          <p:cNvPr id="15" name="CuadroTexto 14">
+            <a:extLst>
+              <a:ext uri="{FF2B5EF4-FFF2-40B4-BE49-F238E27FC236}">
+                <a16:creationId xmlns:a16="http://schemas.microsoft.com/office/drawing/2014/main" id="{0989A738-D75C-4714-B596-955068D7660A}"/>
+              </a:ext>
+            </a:extLst>
+          </p:cNvPr>
+          <p:cNvSpPr txBox="1"/>
+          <p:nvPr/>
+        </p:nvSpPr>
+        <p:spPr>
+          <a:xfrm>
+            <a:off x="2539681" y="4777277"/>
+            <a:ext cx="1341674" cy="646331"/>
+          </a:xfrm>
+          <a:prstGeom prst="rect">
+            <a:avLst/>
+          </a:prstGeom>
+          <a:noFill/>
+        </p:spPr>
+        <p:txBody>
+          <a:bodyPr wrap="square">
+            <a:spAutoFit/>
+          </a:bodyPr>
+          <a:lstStyle/>
+          <a:p>
+            <a:pPr algn="ctr"/>
+            <a:r>
+              <a:rPr lang="es-ES" dirty="0">
+                <a:solidFill>
+                  <a:schemeClr val="accent5">
+                    <a:lumMod val="75000"/>
+                  </a:schemeClr>
+                </a:solidFill>
+                <a:latin typeface="-apple-system"/>
+              </a:rPr>
+              <a:t>Objetos iterables</a:t>
+            </a:r>
+          </a:p>
+        </p:txBody>
+      </p:sp>
+      <p:sp>
+        <p:nvSpPr>
+          <p:cNvPr id="16" name="CuadroTexto 15">
+            <a:extLst>
+              <a:ext uri="{FF2B5EF4-FFF2-40B4-BE49-F238E27FC236}">
+                <a16:creationId xmlns:a16="http://schemas.microsoft.com/office/drawing/2014/main" id="{01F96716-3262-40EC-A5A0-36CC3258E544}"/>
+              </a:ext>
+            </a:extLst>
+          </p:cNvPr>
+          <p:cNvSpPr txBox="1"/>
+          <p:nvPr/>
+        </p:nvSpPr>
+        <p:spPr>
+          <a:xfrm>
+            <a:off x="251520" y="1157743"/>
+            <a:ext cx="8098061" cy="1077218"/>
+          </a:xfrm>
+          <a:prstGeom prst="rect">
+            <a:avLst/>
+          </a:prstGeom>
+          <a:noFill/>
+        </p:spPr>
+        <p:txBody>
+          <a:bodyPr wrap="square">
+            <a:spAutoFit/>
+          </a:bodyPr>
+          <a:lstStyle/>
+          <a:p>
+            <a:pPr algn="just">
+              <a:spcAft>
+                <a:spcPts val="1200"/>
+              </a:spcAft>
+            </a:pPr>
+            <a:r>
+              <a:rPr lang="es-ES" sz="1600" b="0" i="0" dirty="0">
+                <a:solidFill>
+                  <a:srgbClr val="3E4349"/>
+                </a:solidFill>
+                <a:effectLst/>
+              </a:rPr>
+              <a:t>Si la longitud de los objetos iterables no coincide, la función </a:t>
+            </a:r>
+            <a:r>
+              <a:rPr lang="es-ES" sz="1600" b="1" i="0" dirty="0" err="1">
+                <a:solidFill>
+                  <a:srgbClr val="FF0000"/>
+                </a:solidFill>
+                <a:effectLst/>
+              </a:rPr>
+              <a:t>map</a:t>
+            </a:r>
+            <a:r>
+              <a:rPr lang="es-ES" sz="1600" b="1" i="0" dirty="0">
+                <a:solidFill>
+                  <a:srgbClr val="FF0000"/>
+                </a:solidFill>
+                <a:effectLst/>
+              </a:rPr>
+              <a:t>() </a:t>
+            </a:r>
+            <a:r>
+              <a:rPr lang="es-ES" sz="1600" b="0" i="0" dirty="0">
+                <a:solidFill>
+                  <a:srgbClr val="3E4349"/>
+                </a:solidFill>
+                <a:effectLst/>
+              </a:rPr>
+              <a:t>iterará tantas veces como encuentre en el iterable de menor tamaño. Python ejecutará el código mientras coincidan los índices de cada uno y de izquierda a derecha. Los que falten o sobren, simplemente se ignorarán.</a:t>
+            </a:r>
+            <a:endParaRPr lang="es-ES" sz="1600" b="0" i="0" dirty="0">
+              <a:solidFill>
+                <a:srgbClr val="AAAAAA"/>
+              </a:solidFill>
+              <a:effectLst/>
+              <a:latin typeface="Source Code Pro" panose="020B0509030403020204" pitchFamily="49" charset="0"/>
+            </a:endParaRPr>
+          </a:p>
+        </p:txBody>
+      </p:sp>
+      <p:sp>
+        <p:nvSpPr>
+          <p:cNvPr id="17" name="CuadroTexto 16">
+            <a:extLst>
+              <a:ext uri="{FF2B5EF4-FFF2-40B4-BE49-F238E27FC236}">
+                <a16:creationId xmlns:a16="http://schemas.microsoft.com/office/drawing/2014/main" id="{C6A87DC9-F3DB-49FC-901C-F97A5E960A3A}"/>
+              </a:ext>
+            </a:extLst>
+          </p:cNvPr>
+          <p:cNvSpPr txBox="1"/>
+          <p:nvPr/>
+        </p:nvSpPr>
+        <p:spPr>
+          <a:xfrm>
+            <a:off x="238464" y="2316704"/>
+            <a:ext cx="6644061" cy="1631216"/>
+          </a:xfrm>
+          <a:prstGeom prst="rect">
+            <a:avLst/>
+          </a:prstGeom>
+          <a:noFill/>
+        </p:spPr>
+        <p:txBody>
+          <a:bodyPr wrap="square">
+            <a:spAutoFit/>
+          </a:bodyPr>
+          <a:lstStyle/>
+          <a:p>
+            <a:pPr algn="l">
+              <a:spcAft>
+                <a:spcPts val="1200"/>
+              </a:spcAft>
+            </a:pPr>
+            <a:r>
+              <a:rPr lang="es-ES" sz="1600" b="1" i="0" u="none" strike="noStrike" dirty="0">
+                <a:solidFill>
+                  <a:srgbClr val="111111"/>
+                </a:solidFill>
+                <a:effectLst/>
+              </a:rPr>
+              <a:t>Ejemplo</a:t>
+            </a:r>
+          </a:p>
+          <a:p>
+            <a:pPr algn="l">
+              <a:spcAft>
+                <a:spcPts val="1200"/>
+              </a:spcAft>
+            </a:pPr>
+            <a:r>
+              <a:rPr lang="es-ES" sz="1600" b="0" i="0" dirty="0">
+                <a:solidFill>
+                  <a:srgbClr val="333333"/>
+                </a:solidFill>
+                <a:effectLst/>
+              </a:rPr>
+              <a:t>Se nos pide</a:t>
+            </a:r>
+            <a:r>
+              <a:rPr lang="es-ES" sz="1600" b="0" i="0" dirty="0">
+                <a:solidFill>
+                  <a:srgbClr val="3E4349"/>
+                </a:solidFill>
+                <a:effectLst/>
+              </a:rPr>
+              <a:t> calcular el </a:t>
+            </a:r>
+            <a:r>
+              <a:rPr lang="es-ES" sz="1600" b="1" i="0" dirty="0">
+                <a:solidFill>
+                  <a:srgbClr val="3E4349"/>
+                </a:solidFill>
+                <a:effectLst/>
+              </a:rPr>
+              <a:t>área del </a:t>
+            </a:r>
+            <a:r>
+              <a:rPr lang="es-ES" sz="1600" b="1" dirty="0">
+                <a:solidFill>
+                  <a:srgbClr val="3E4349"/>
+                </a:solidFill>
+              </a:rPr>
+              <a:t>triángulo</a:t>
+            </a:r>
+            <a:r>
+              <a:rPr lang="es-ES" sz="1600" dirty="0">
+                <a:solidFill>
+                  <a:srgbClr val="3E4349"/>
+                </a:solidFill>
+              </a:rPr>
+              <a:t>, tomando los valores de la </a:t>
+            </a:r>
+            <a:r>
+              <a:rPr lang="es-ES" sz="1600" b="1" dirty="0">
+                <a:solidFill>
+                  <a:srgbClr val="3E4349"/>
+                </a:solidFill>
+              </a:rPr>
+              <a:t>base</a:t>
+            </a:r>
+            <a:r>
+              <a:rPr lang="es-ES" sz="1600" dirty="0">
+                <a:solidFill>
+                  <a:srgbClr val="3E4349"/>
+                </a:solidFill>
+              </a:rPr>
+              <a:t> de una lista y los valores de la </a:t>
+            </a:r>
+            <a:r>
+              <a:rPr lang="es-ES" sz="1600" b="1" dirty="0">
+                <a:solidFill>
+                  <a:srgbClr val="3E4349"/>
+                </a:solidFill>
+              </a:rPr>
+              <a:t>altura</a:t>
+            </a:r>
+            <a:r>
+              <a:rPr lang="es-ES" sz="1600" dirty="0">
+                <a:solidFill>
+                  <a:srgbClr val="3E4349"/>
+                </a:solidFill>
+              </a:rPr>
+              <a:t> de otra lista.</a:t>
+            </a:r>
+            <a:endParaRPr lang="es-ES" sz="1600" b="0" i="0" dirty="0">
+              <a:solidFill>
+                <a:srgbClr val="333333"/>
+              </a:solidFill>
+              <a:effectLst/>
+            </a:endParaRPr>
+          </a:p>
+          <a:p>
+            <a:pPr algn="l" rtl="0"/>
+            <a:r>
+              <a:rPr lang="es-ES" sz="1600" b="1" dirty="0">
+                <a:solidFill>
+                  <a:srgbClr val="000000"/>
+                </a:solidFill>
+              </a:rPr>
+              <a:t>base</a:t>
+            </a:r>
+            <a:r>
+              <a:rPr lang="es-ES" sz="1600" b="0" i="0" dirty="0">
+                <a:solidFill>
+                  <a:srgbClr val="000000"/>
+                </a:solidFill>
+                <a:effectLst/>
+              </a:rPr>
+              <a:t> = </a:t>
+            </a:r>
+            <a:r>
+              <a:rPr lang="es-ES" sz="1600" b="0" i="0" dirty="0">
+                <a:solidFill>
+                  <a:srgbClr val="444444"/>
+                </a:solidFill>
+                <a:effectLst/>
+              </a:rPr>
+              <a:t>[</a:t>
+            </a:r>
+            <a:r>
+              <a:rPr lang="es-ES" sz="1600" b="0" i="0" dirty="0">
+                <a:solidFill>
+                  <a:srgbClr val="D53AA9"/>
+                </a:solidFill>
+                <a:effectLst/>
+              </a:rPr>
+              <a:t>1</a:t>
+            </a:r>
+            <a:r>
+              <a:rPr lang="es-ES" sz="1600" b="0" i="0" dirty="0">
+                <a:solidFill>
+                  <a:srgbClr val="000000"/>
+                </a:solidFill>
+                <a:effectLst/>
+              </a:rPr>
+              <a:t>, </a:t>
+            </a:r>
+            <a:r>
+              <a:rPr lang="es-ES" sz="1600" b="0" i="0" dirty="0">
+                <a:solidFill>
+                  <a:srgbClr val="D53AA9"/>
+                </a:solidFill>
+                <a:effectLst/>
+              </a:rPr>
+              <a:t>3</a:t>
+            </a:r>
+            <a:r>
+              <a:rPr lang="es-ES" sz="1600" b="0" i="0" dirty="0">
+                <a:solidFill>
+                  <a:srgbClr val="000000"/>
+                </a:solidFill>
+                <a:effectLst/>
+              </a:rPr>
+              <a:t>,  </a:t>
+            </a:r>
+            <a:r>
+              <a:rPr lang="es-ES" sz="1600" b="0" i="0" dirty="0">
+                <a:solidFill>
+                  <a:srgbClr val="D53AA9"/>
+                </a:solidFill>
+                <a:effectLst/>
+              </a:rPr>
+              <a:t>5</a:t>
+            </a:r>
+            <a:r>
+              <a:rPr lang="es-ES" sz="1600" b="0" i="0" dirty="0">
+                <a:solidFill>
+                  <a:srgbClr val="444444"/>
+                </a:solidFill>
+                <a:effectLst/>
+              </a:rPr>
+              <a:t>]</a:t>
+            </a:r>
+            <a:endParaRPr lang="es-ES" sz="1600" b="0" i="0" dirty="0">
+              <a:solidFill>
+                <a:srgbClr val="AAAAAA"/>
+              </a:solidFill>
+              <a:effectLst/>
+            </a:endParaRPr>
+          </a:p>
+          <a:p>
+            <a:r>
+              <a:rPr lang="es-ES" sz="1600" b="1" dirty="0">
+                <a:solidFill>
+                  <a:srgbClr val="000000"/>
+                </a:solidFill>
+              </a:rPr>
+              <a:t>altura</a:t>
+            </a:r>
+            <a:r>
+              <a:rPr lang="es-ES" sz="1600" b="0" i="0" dirty="0">
+                <a:solidFill>
+                  <a:srgbClr val="000000"/>
+                </a:solidFill>
+                <a:effectLst/>
+              </a:rPr>
+              <a:t> = [2, 4, 6, 8)</a:t>
+            </a:r>
+            <a:endParaRPr lang="es-ES" sz="1600" b="0" i="0" dirty="0">
+              <a:solidFill>
+                <a:srgbClr val="AAAAAA"/>
+              </a:solidFill>
+              <a:effectLst/>
+            </a:endParaRPr>
+          </a:p>
+        </p:txBody>
+      </p:sp>
+      <p:pic>
+        <p:nvPicPr>
+          <p:cNvPr id="3" name="Imagen 2" descr="Gráfico, Gráfico de líneas, Polígono&#10;&#10;Descripción generada automáticamente">
+            <a:extLst>
+              <a:ext uri="{FF2B5EF4-FFF2-40B4-BE49-F238E27FC236}">
+                <a16:creationId xmlns:a16="http://schemas.microsoft.com/office/drawing/2014/main" id="{55C0C842-6F84-43B8-B7DC-B5551E2CFAC6}"/>
+              </a:ext>
+            </a:extLst>
+          </p:cNvPr>
+          <p:cNvPicPr>
+            <a:picLocks noChangeAspect="1"/>
+          </p:cNvPicPr>
+          <p:nvPr/>
+        </p:nvPicPr>
+        <p:blipFill>
+          <a:blip r:embed="rId3">
+            <a:extLst>
+              <a:ext uri="{28A0092B-C50C-407E-A947-70E740481C1C}">
+                <a14:useLocalDpi xmlns:a14="http://schemas.microsoft.com/office/drawing/2010/main" val="0"/>
+              </a:ext>
+            </a:extLst>
+          </a:blip>
+          <a:stretch>
+            <a:fillRect/>
+          </a:stretch>
+        </p:blipFill>
+        <p:spPr>
+          <a:xfrm>
+            <a:off x="7092280" y="2279617"/>
+            <a:ext cx="951640" cy="1149383"/>
+          </a:xfrm>
+          <a:prstGeom prst="rect">
+            <a:avLst/>
+          </a:prstGeom>
+        </p:spPr>
+      </p:pic>
+      <p:pic>
+        <p:nvPicPr>
+          <p:cNvPr id="6" name="Imagen 5">
+            <a:extLst>
+              <a:ext uri="{FF2B5EF4-FFF2-40B4-BE49-F238E27FC236}">
+                <a16:creationId xmlns:a16="http://schemas.microsoft.com/office/drawing/2014/main" id="{704A5C9D-D29A-4C72-AA27-D252E46C1FE9}"/>
+              </a:ext>
+            </a:extLst>
+          </p:cNvPr>
+          <p:cNvPicPr>
+            <a:picLocks noChangeAspect="1"/>
+          </p:cNvPicPr>
+          <p:nvPr/>
+        </p:nvPicPr>
+        <p:blipFill>
+          <a:blip r:embed="rId4"/>
+          <a:stretch>
+            <a:fillRect/>
+          </a:stretch>
+        </p:blipFill>
+        <p:spPr>
+          <a:xfrm>
+            <a:off x="4668302" y="3595879"/>
+            <a:ext cx="3957953" cy="2569425"/>
+          </a:xfrm>
+          <a:prstGeom prst="rect">
+            <a:avLst/>
+          </a:prstGeom>
+        </p:spPr>
+      </p:pic>
+    </p:spTree>
+    <p:extLst>
+      <p:ext uri="{BB962C8B-B14F-4D97-AF65-F5344CB8AC3E}">
+        <p14:creationId xmlns:p14="http://schemas.microsoft.com/office/powerpoint/2010/main" val="2925881851"/>
+      </p:ext>
+    </p:extLst>
+  </p:cSld>
+  <p:clrMapOvr>
+    <a:masterClrMapping/>
+  </p:clrMapOvr>
+</p:sld>
+</file>
+
+<file path=ppt/slides/slide11.xml><?xml version="1.0" encoding="utf-8"?>
+<p:sld xmlns:a="http://schemas.openxmlformats.org/drawingml/2006/main" xmlns:r="http://schemas.openxmlformats.org/officeDocument/2006/relationships" xmlns:p="http://schemas.openxmlformats.org/presentationml/2006/main">
+  <p:cSld>
+    <p:spTree>
+      <p:nvGrpSpPr>
+        <p:cNvPr id="1" name=""/>
+        <p:cNvGrpSpPr/>
+        <p:nvPr/>
+      </p:nvGrpSpPr>
+      <p:grpSpPr>
+        <a:xfrm>
+          <a:off x="0" y="0"/>
+          <a:ext cx="0" cy="0"/>
+          <a:chOff x="0" y="0"/>
+          <a:chExt cx="0" cy="0"/>
+        </a:xfrm>
+      </p:grpSpPr>
+      <p:sp>
+        <p:nvSpPr>
+          <p:cNvPr id="184324" name="Rectangle 4"/>
+          <p:cNvSpPr>
+            <a:spLocks noGrp="1" noChangeArrowheads="1"/>
+          </p:cNvSpPr>
+          <p:nvPr>
+            <p:ph type="title"/>
+          </p:nvPr>
+        </p:nvSpPr>
+        <p:spPr>
+          <a:xfrm>
+            <a:off x="470845" y="23183"/>
+            <a:ext cx="8229600" cy="885537"/>
+          </a:xfrm>
+        </p:spPr>
+        <p:txBody>
+          <a:bodyPr>
+            <a:normAutofit/>
+          </a:bodyPr>
+          <a:lstStyle/>
+          <a:p>
+            <a:pPr eaLnBrk="1" hangingPunct="1">
+              <a:defRPr/>
+            </a:pPr>
+            <a:r>
+              <a:rPr lang="es-MX" sz="3600" b="1" dirty="0">
+                <a:solidFill>
+                  <a:schemeClr val="accent4">
+                    <a:lumMod val="50000"/>
+                  </a:schemeClr>
+                </a:solidFill>
+                <a:effectLst>
+                  <a:outerShdw blurRad="38100" dist="38100" dir="2700000" algn="tl">
+                    <a:srgbClr val="C0C0C0"/>
+                  </a:outerShdw>
+                </a:effectLst>
+                <a:latin typeface="Dom Casual" charset="0"/>
+              </a:rPr>
+              <a:t>Función </a:t>
+            </a:r>
+            <a:r>
+              <a:rPr lang="es-MX" sz="3600" b="1" dirty="0" err="1">
+                <a:solidFill>
+                  <a:schemeClr val="accent4">
+                    <a:lumMod val="50000"/>
+                  </a:schemeClr>
+                </a:solidFill>
+                <a:effectLst>
+                  <a:outerShdw blurRad="38100" dist="38100" dir="2700000" algn="tl">
+                    <a:srgbClr val="C0C0C0"/>
+                  </a:outerShdw>
+                </a:effectLst>
+                <a:latin typeface="Dom Casual" charset="0"/>
+              </a:rPr>
+              <a:t>map</a:t>
+            </a:r>
+            <a:endParaRPr lang="es-MX" sz="3600" b="1" dirty="0">
+              <a:solidFill>
+                <a:schemeClr val="accent4">
+                  <a:lumMod val="50000"/>
+                </a:schemeClr>
+              </a:solidFill>
+              <a:effectLst>
+                <a:outerShdw blurRad="38100" dist="38100" dir="2700000" algn="tl">
+                  <a:srgbClr val="C0C0C0"/>
+                </a:outerShdw>
+              </a:effectLst>
+              <a:latin typeface="Dom Casual" charset="0"/>
+            </a:endParaRPr>
+          </a:p>
+        </p:txBody>
+      </p:sp>
+      <p:sp>
+        <p:nvSpPr>
+          <p:cNvPr id="8" name="CuadroTexto 7">
+            <a:extLst>
+              <a:ext uri="{FF2B5EF4-FFF2-40B4-BE49-F238E27FC236}">
+                <a16:creationId xmlns:a16="http://schemas.microsoft.com/office/drawing/2014/main" id="{44BAF2EA-92D2-4C06-913F-695F25D25C19}"/>
+              </a:ext>
+            </a:extLst>
+          </p:cNvPr>
+          <p:cNvSpPr txBox="1"/>
+          <p:nvPr/>
+        </p:nvSpPr>
+        <p:spPr>
+          <a:xfrm>
+            <a:off x="3253496" y="692696"/>
+            <a:ext cx="2664297" cy="369332"/>
+          </a:xfrm>
+          <a:prstGeom prst="rect">
+            <a:avLst/>
+          </a:prstGeom>
+          <a:noFill/>
+        </p:spPr>
+        <p:txBody>
+          <a:bodyPr wrap="square">
+            <a:spAutoFit/>
+          </a:bodyPr>
+          <a:lstStyle/>
+          <a:p>
+            <a:pPr algn="ctr"/>
+            <a:r>
+              <a:rPr lang="es-ES" b="1" dirty="0" err="1">
+                <a:solidFill>
+                  <a:schemeClr val="accent6">
+                    <a:lumMod val="75000"/>
+                  </a:schemeClr>
+                </a:solidFill>
+                <a:latin typeface="-apple-system"/>
+              </a:rPr>
+              <a:t>m</a:t>
+            </a:r>
+            <a:r>
+              <a:rPr lang="es-ES" b="1" i="0" dirty="0" err="1">
+                <a:solidFill>
+                  <a:schemeClr val="accent6">
+                    <a:lumMod val="75000"/>
+                  </a:schemeClr>
+                </a:solidFill>
+                <a:effectLst/>
+                <a:latin typeface="-apple-system"/>
+              </a:rPr>
+              <a:t>ap</a:t>
+            </a:r>
+            <a:r>
+              <a:rPr lang="es-ES" b="1" i="0" dirty="0">
+                <a:solidFill>
+                  <a:schemeClr val="accent6">
+                    <a:lumMod val="75000"/>
+                  </a:schemeClr>
+                </a:solidFill>
+                <a:effectLst/>
+                <a:latin typeface="-apple-system"/>
+              </a:rPr>
+              <a:t> (</a:t>
+            </a:r>
+            <a:r>
+              <a:rPr lang="es-ES" b="1" i="0" dirty="0" err="1">
+                <a:solidFill>
+                  <a:schemeClr val="accent6">
+                    <a:lumMod val="75000"/>
+                  </a:schemeClr>
+                </a:solidFill>
+                <a:effectLst/>
+                <a:latin typeface="-apple-system"/>
+              </a:rPr>
+              <a:t>function</a:t>
+            </a:r>
+            <a:r>
+              <a:rPr lang="es-ES" b="1" i="0" dirty="0">
+                <a:solidFill>
+                  <a:schemeClr val="accent6">
+                    <a:lumMod val="75000"/>
+                  </a:schemeClr>
+                </a:solidFill>
+                <a:effectLst/>
+                <a:latin typeface="-apple-system"/>
+              </a:rPr>
+              <a:t>, iterables)</a:t>
+            </a:r>
+            <a:endParaRPr lang="es-ES" sz="1600" b="0" i="0" dirty="0">
+              <a:solidFill>
+                <a:schemeClr val="accent6">
+                  <a:lumMod val="75000"/>
+                </a:schemeClr>
+              </a:solidFill>
+              <a:effectLst/>
+            </a:endParaRPr>
+          </a:p>
+        </p:txBody>
+      </p:sp>
+      <p:sp>
+        <p:nvSpPr>
+          <p:cNvPr id="16" name="CuadroTexto 15">
+            <a:extLst>
+              <a:ext uri="{FF2B5EF4-FFF2-40B4-BE49-F238E27FC236}">
+                <a16:creationId xmlns:a16="http://schemas.microsoft.com/office/drawing/2014/main" id="{01F96716-3262-40EC-A5A0-36CC3258E544}"/>
+              </a:ext>
+            </a:extLst>
+          </p:cNvPr>
+          <p:cNvSpPr txBox="1"/>
+          <p:nvPr/>
+        </p:nvSpPr>
+        <p:spPr>
+          <a:xfrm>
+            <a:off x="971600" y="1285845"/>
+            <a:ext cx="7416823" cy="584775"/>
+          </a:xfrm>
+          <a:prstGeom prst="rect">
+            <a:avLst/>
+          </a:prstGeom>
+          <a:noFill/>
+        </p:spPr>
+        <p:txBody>
+          <a:bodyPr wrap="square">
+            <a:spAutoFit/>
+          </a:bodyPr>
+          <a:lstStyle/>
+          <a:p>
+            <a:pPr algn="just">
+              <a:spcAft>
+                <a:spcPts val="1200"/>
+              </a:spcAft>
+            </a:pPr>
+            <a:r>
+              <a:rPr lang="es-ES" sz="1600" b="0" i="0" dirty="0">
+                <a:solidFill>
+                  <a:srgbClr val="3E4349"/>
+                </a:solidFill>
+                <a:effectLst/>
+              </a:rPr>
+              <a:t>Podemos incluir, como iterable un diccionario, pero tengamos en cuenta que la relación se establecerá con las claves (</a:t>
+            </a:r>
+            <a:r>
+              <a:rPr lang="es-ES" sz="1600" b="0" i="0" dirty="0" err="1">
+                <a:solidFill>
+                  <a:srgbClr val="3E4349"/>
+                </a:solidFill>
+                <a:effectLst/>
+              </a:rPr>
+              <a:t>keys</a:t>
+            </a:r>
+            <a:r>
+              <a:rPr lang="es-ES" sz="1600" b="0" i="0" dirty="0">
+                <a:solidFill>
+                  <a:srgbClr val="3E4349"/>
+                </a:solidFill>
+                <a:effectLst/>
+              </a:rPr>
+              <a:t>) no con los valores (</a:t>
+            </a:r>
+            <a:r>
+              <a:rPr lang="es-ES" sz="1600" b="0" i="0" dirty="0" err="1">
+                <a:solidFill>
+                  <a:srgbClr val="3E4349"/>
+                </a:solidFill>
+                <a:effectLst/>
+              </a:rPr>
+              <a:t>values</a:t>
+            </a:r>
+            <a:r>
+              <a:rPr lang="es-ES" sz="1600" b="0" i="0" dirty="0">
+                <a:solidFill>
+                  <a:srgbClr val="3E4349"/>
+                </a:solidFill>
+                <a:effectLst/>
+              </a:rPr>
+              <a:t>).</a:t>
+            </a:r>
+            <a:endParaRPr lang="es-ES" sz="1600" b="0" i="0" dirty="0">
+              <a:solidFill>
+                <a:srgbClr val="AAAAAA"/>
+              </a:solidFill>
+              <a:effectLst/>
+              <a:latin typeface="Source Code Pro" panose="020B0509030403020204" pitchFamily="49" charset="0"/>
+            </a:endParaRPr>
+          </a:p>
+        </p:txBody>
+      </p:sp>
+      <p:sp>
+        <p:nvSpPr>
+          <p:cNvPr id="17" name="CuadroTexto 16">
+            <a:extLst>
+              <a:ext uri="{FF2B5EF4-FFF2-40B4-BE49-F238E27FC236}">
+                <a16:creationId xmlns:a16="http://schemas.microsoft.com/office/drawing/2014/main" id="{C6A87DC9-F3DB-49FC-901C-F97A5E960A3A}"/>
+              </a:ext>
+            </a:extLst>
+          </p:cNvPr>
+          <p:cNvSpPr txBox="1"/>
+          <p:nvPr/>
+        </p:nvSpPr>
+        <p:spPr>
+          <a:xfrm>
+            <a:off x="951386" y="2011572"/>
+            <a:ext cx="7365030" cy="984885"/>
+          </a:xfrm>
+          <a:prstGeom prst="rect">
+            <a:avLst/>
+          </a:prstGeom>
+          <a:noFill/>
+        </p:spPr>
+        <p:txBody>
+          <a:bodyPr wrap="square">
+            <a:spAutoFit/>
+          </a:bodyPr>
+          <a:lstStyle/>
+          <a:p>
+            <a:pPr algn="l">
+              <a:spcAft>
+                <a:spcPts val="1200"/>
+              </a:spcAft>
+            </a:pPr>
+            <a:r>
+              <a:rPr lang="es-ES" sz="1600" b="1" i="0" u="none" strike="noStrike" dirty="0">
+                <a:solidFill>
+                  <a:srgbClr val="111111"/>
+                </a:solidFill>
+                <a:effectLst/>
+              </a:rPr>
+              <a:t>Ejemplo</a:t>
+            </a:r>
+          </a:p>
+          <a:p>
+            <a:pPr algn="just">
+              <a:spcAft>
+                <a:spcPts val="1200"/>
+              </a:spcAft>
+            </a:pPr>
+            <a:r>
+              <a:rPr lang="es-ES" sz="1600" b="0" i="0" dirty="0">
+                <a:solidFill>
+                  <a:srgbClr val="333333"/>
+                </a:solidFill>
+                <a:effectLst/>
+              </a:rPr>
+              <a:t>Se nos pide</a:t>
+            </a:r>
+            <a:r>
+              <a:rPr lang="es-ES" sz="1600" b="0" i="0" dirty="0">
+                <a:solidFill>
+                  <a:srgbClr val="3E4349"/>
+                </a:solidFill>
+                <a:effectLst/>
+              </a:rPr>
+              <a:t> concatenar los valores de las palabras de una </a:t>
+            </a:r>
+            <a:r>
+              <a:rPr lang="es-ES" sz="1600" b="1" i="0" dirty="0">
+                <a:solidFill>
+                  <a:srgbClr val="3E4349"/>
+                </a:solidFill>
+                <a:effectLst/>
+              </a:rPr>
+              <a:t>lista</a:t>
+            </a:r>
+            <a:r>
+              <a:rPr lang="es-ES" sz="1600" b="0" i="0" dirty="0">
+                <a:solidFill>
+                  <a:srgbClr val="3E4349"/>
+                </a:solidFill>
+                <a:effectLst/>
+              </a:rPr>
+              <a:t>, una </a:t>
+            </a:r>
+            <a:r>
+              <a:rPr lang="es-ES" sz="1600" b="1" i="0" dirty="0">
+                <a:solidFill>
+                  <a:srgbClr val="3E4349"/>
+                </a:solidFill>
+                <a:effectLst/>
+              </a:rPr>
+              <a:t>tupla</a:t>
+            </a:r>
+            <a:r>
+              <a:rPr lang="es-ES" sz="1600" b="0" i="0" dirty="0">
+                <a:solidFill>
+                  <a:srgbClr val="3E4349"/>
+                </a:solidFill>
+                <a:effectLst/>
+              </a:rPr>
+              <a:t> y un </a:t>
+            </a:r>
+            <a:r>
+              <a:rPr lang="es-ES" sz="1600" b="1" i="0" dirty="0">
+                <a:solidFill>
+                  <a:srgbClr val="3E4349"/>
+                </a:solidFill>
+                <a:effectLst/>
+              </a:rPr>
+              <a:t>diccionario</a:t>
+            </a:r>
+            <a:r>
+              <a:rPr lang="es-ES" sz="1600" b="0" i="0" dirty="0">
+                <a:solidFill>
+                  <a:srgbClr val="3E4349"/>
+                </a:solidFill>
+                <a:effectLst/>
+              </a:rPr>
+              <a:t> (claves).</a:t>
+            </a:r>
+            <a:endParaRPr lang="es-ES" sz="1600" b="0" i="0" dirty="0">
+              <a:solidFill>
+                <a:srgbClr val="AAAAAA"/>
+              </a:solidFill>
+              <a:effectLst/>
+            </a:endParaRPr>
+          </a:p>
+        </p:txBody>
+      </p:sp>
+      <p:pic>
+        <p:nvPicPr>
+          <p:cNvPr id="4" name="Imagen 3">
+            <a:extLst>
+              <a:ext uri="{FF2B5EF4-FFF2-40B4-BE49-F238E27FC236}">
+                <a16:creationId xmlns:a16="http://schemas.microsoft.com/office/drawing/2014/main" id="{FBB0B4FF-E43D-4C69-BF58-3193A12B6CB8}"/>
+              </a:ext>
+            </a:extLst>
+          </p:cNvPr>
+          <p:cNvPicPr>
+            <a:picLocks noChangeAspect="1"/>
+          </p:cNvPicPr>
+          <p:nvPr/>
+        </p:nvPicPr>
+        <p:blipFill>
+          <a:blip r:embed="rId3"/>
+          <a:stretch>
+            <a:fillRect/>
+          </a:stretch>
+        </p:blipFill>
+        <p:spPr>
+          <a:xfrm>
+            <a:off x="971601" y="3131669"/>
+            <a:ext cx="6408712" cy="3309040"/>
+          </a:xfrm>
+          <a:prstGeom prst="rect">
+            <a:avLst/>
+          </a:prstGeom>
+        </p:spPr>
+      </p:pic>
+      <p:sp>
+        <p:nvSpPr>
+          <p:cNvPr id="18" name="Abrir llave 17">
+            <a:extLst>
+              <a:ext uri="{FF2B5EF4-FFF2-40B4-BE49-F238E27FC236}">
+                <a16:creationId xmlns:a16="http://schemas.microsoft.com/office/drawing/2014/main" id="{A5D45262-83AD-49EF-A4AE-B515116DB123}"/>
+              </a:ext>
+            </a:extLst>
+          </p:cNvPr>
+          <p:cNvSpPr/>
+          <p:nvPr/>
+        </p:nvSpPr>
+        <p:spPr>
+          <a:xfrm rot="16200000">
+            <a:off x="3861290" y="4305717"/>
+            <a:ext cx="265175" cy="2020341"/>
+          </a:xfrm>
+          <a:prstGeom prst="leftBrace">
+            <a:avLst/>
+          </a:prstGeom>
+        </p:spPr>
+        <p:style>
+          <a:lnRef idx="1">
+            <a:schemeClr val="accent1"/>
+          </a:lnRef>
+          <a:fillRef idx="0">
+            <a:schemeClr val="accent1"/>
+          </a:fillRef>
+          <a:effectRef idx="0">
+            <a:schemeClr val="accent1"/>
+          </a:effectRef>
+          <a:fontRef idx="minor">
+            <a:schemeClr val="tx1"/>
+          </a:fontRef>
+        </p:style>
+        <p:txBody>
+          <a:bodyPr rtlCol="0" anchor="ctr"/>
+          <a:lstStyle/>
+          <a:p>
+            <a:pPr algn="ctr"/>
+            <a:endParaRPr lang="es-MX"/>
+          </a:p>
+        </p:txBody>
+      </p:sp>
+      <p:sp>
+        <p:nvSpPr>
+          <p:cNvPr id="19" name="Abrir llave 18">
+            <a:extLst>
+              <a:ext uri="{FF2B5EF4-FFF2-40B4-BE49-F238E27FC236}">
+                <a16:creationId xmlns:a16="http://schemas.microsoft.com/office/drawing/2014/main" id="{24BAFFAA-06CF-4E24-A50F-1A2D6CFD00A1}"/>
+              </a:ext>
+            </a:extLst>
+          </p:cNvPr>
+          <p:cNvSpPr/>
+          <p:nvPr/>
+        </p:nvSpPr>
+        <p:spPr>
+          <a:xfrm rot="16200000">
+            <a:off x="6080502" y="4250860"/>
+            <a:ext cx="223358" cy="2088235"/>
+          </a:xfrm>
+          <a:prstGeom prst="leftBrace">
+            <a:avLst/>
+          </a:prstGeom>
+        </p:spPr>
+        <p:style>
+          <a:lnRef idx="1">
+            <a:schemeClr val="accent1"/>
+          </a:lnRef>
+          <a:fillRef idx="0">
+            <a:schemeClr val="accent1"/>
+          </a:fillRef>
+          <a:effectRef idx="0">
+            <a:schemeClr val="accent1"/>
+          </a:effectRef>
+          <a:fontRef idx="minor">
+            <a:schemeClr val="tx1"/>
+          </a:fontRef>
+        </p:style>
+        <p:txBody>
+          <a:bodyPr rtlCol="0" anchor="ctr"/>
+          <a:lstStyle/>
+          <a:p>
+            <a:pPr algn="ctr"/>
+            <a:endParaRPr lang="es-MX"/>
+          </a:p>
+        </p:txBody>
+      </p:sp>
+      <p:sp>
+        <p:nvSpPr>
+          <p:cNvPr id="20" name="CuadroTexto 19">
+            <a:extLst>
+              <a:ext uri="{FF2B5EF4-FFF2-40B4-BE49-F238E27FC236}">
+                <a16:creationId xmlns:a16="http://schemas.microsoft.com/office/drawing/2014/main" id="{0425CBFA-809E-4277-B07F-5DB986101C5E}"/>
+              </a:ext>
+            </a:extLst>
+          </p:cNvPr>
+          <p:cNvSpPr txBox="1"/>
+          <p:nvPr/>
+        </p:nvSpPr>
+        <p:spPr>
+          <a:xfrm>
+            <a:off x="3059830" y="5435932"/>
+            <a:ext cx="1800200" cy="369332"/>
+          </a:xfrm>
+          <a:prstGeom prst="rect">
+            <a:avLst/>
+          </a:prstGeom>
+          <a:noFill/>
+        </p:spPr>
+        <p:txBody>
+          <a:bodyPr wrap="square">
+            <a:spAutoFit/>
+          </a:bodyPr>
+          <a:lstStyle/>
+          <a:p>
+            <a:pPr algn="ctr"/>
+            <a:r>
+              <a:rPr lang="es-ES" dirty="0">
+                <a:solidFill>
+                  <a:schemeClr val="accent5">
+                    <a:lumMod val="75000"/>
+                  </a:schemeClr>
+                </a:solidFill>
+                <a:latin typeface="-apple-system"/>
+              </a:rPr>
+              <a:t>Función lambda</a:t>
+            </a:r>
+          </a:p>
+        </p:txBody>
+      </p:sp>
+      <p:sp>
+        <p:nvSpPr>
+          <p:cNvPr id="21" name="CuadroTexto 20">
+            <a:extLst>
+              <a:ext uri="{FF2B5EF4-FFF2-40B4-BE49-F238E27FC236}">
+                <a16:creationId xmlns:a16="http://schemas.microsoft.com/office/drawing/2014/main" id="{62F04D42-8788-4F24-813D-5586DAFBC747}"/>
+              </a:ext>
+            </a:extLst>
+          </p:cNvPr>
+          <p:cNvSpPr txBox="1"/>
+          <p:nvPr/>
+        </p:nvSpPr>
+        <p:spPr>
+          <a:xfrm>
+            <a:off x="5148060" y="5402788"/>
+            <a:ext cx="2160243" cy="369332"/>
+          </a:xfrm>
+          <a:prstGeom prst="rect">
+            <a:avLst/>
+          </a:prstGeom>
+          <a:noFill/>
+        </p:spPr>
+        <p:txBody>
+          <a:bodyPr wrap="square">
+            <a:spAutoFit/>
+          </a:bodyPr>
+          <a:lstStyle/>
+          <a:p>
+            <a:pPr algn="ctr"/>
+            <a:r>
+              <a:rPr lang="es-ES" dirty="0">
+                <a:solidFill>
+                  <a:schemeClr val="accent5">
+                    <a:lumMod val="75000"/>
+                  </a:schemeClr>
+                </a:solidFill>
+                <a:latin typeface="-apple-system"/>
+              </a:rPr>
+              <a:t>Objetos iterables</a:t>
+            </a:r>
+          </a:p>
+        </p:txBody>
+      </p:sp>
+      <p:sp>
+        <p:nvSpPr>
+          <p:cNvPr id="22" name="Abrir llave 21">
+            <a:extLst>
+              <a:ext uri="{FF2B5EF4-FFF2-40B4-BE49-F238E27FC236}">
+                <a16:creationId xmlns:a16="http://schemas.microsoft.com/office/drawing/2014/main" id="{A3BEC846-A32C-4F98-8316-CF37446AF0C0}"/>
+              </a:ext>
+            </a:extLst>
+          </p:cNvPr>
+          <p:cNvSpPr/>
+          <p:nvPr/>
+        </p:nvSpPr>
+        <p:spPr>
+          <a:xfrm rot="16200000">
+            <a:off x="3190432" y="4367846"/>
+            <a:ext cx="111681" cy="660912"/>
+          </a:xfrm>
+          <a:prstGeom prst="leftBrace">
+            <a:avLst/>
+          </a:prstGeom>
+        </p:spPr>
+        <p:style>
+          <a:lnRef idx="1">
+            <a:schemeClr val="accent1"/>
+          </a:lnRef>
+          <a:fillRef idx="0">
+            <a:schemeClr val="accent1"/>
+          </a:fillRef>
+          <a:effectRef idx="0">
+            <a:schemeClr val="accent1"/>
+          </a:effectRef>
+          <a:fontRef idx="minor">
+            <a:schemeClr val="tx1"/>
+          </a:fontRef>
+        </p:style>
+        <p:txBody>
+          <a:bodyPr rtlCol="0" anchor="ctr"/>
+          <a:lstStyle/>
+          <a:p>
+            <a:pPr algn="ctr"/>
+            <a:endParaRPr lang="es-MX"/>
+          </a:p>
+        </p:txBody>
+      </p:sp>
+      <p:sp>
+        <p:nvSpPr>
+          <p:cNvPr id="23" name="Abrir llave 22">
+            <a:extLst>
+              <a:ext uri="{FF2B5EF4-FFF2-40B4-BE49-F238E27FC236}">
+                <a16:creationId xmlns:a16="http://schemas.microsoft.com/office/drawing/2014/main" id="{E6516F66-D1AC-4DF2-BAFF-D327C80AEA47}"/>
+              </a:ext>
+            </a:extLst>
+          </p:cNvPr>
+          <p:cNvSpPr/>
+          <p:nvPr/>
+        </p:nvSpPr>
+        <p:spPr>
+          <a:xfrm rot="16200000">
+            <a:off x="4639060" y="3711303"/>
+            <a:ext cx="158027" cy="2020340"/>
+          </a:xfrm>
+          <a:prstGeom prst="leftBrace">
+            <a:avLst/>
+          </a:prstGeom>
+        </p:spPr>
+        <p:style>
+          <a:lnRef idx="1">
+            <a:schemeClr val="accent1"/>
+          </a:lnRef>
+          <a:fillRef idx="0">
+            <a:schemeClr val="accent1"/>
+          </a:fillRef>
+          <a:effectRef idx="0">
+            <a:schemeClr val="accent1"/>
+          </a:effectRef>
+          <a:fontRef idx="minor">
+            <a:schemeClr val="tx1"/>
+          </a:fontRef>
+        </p:style>
+        <p:txBody>
+          <a:bodyPr rtlCol="0" anchor="ctr"/>
+          <a:lstStyle/>
+          <a:p>
+            <a:pPr algn="ctr"/>
+            <a:endParaRPr lang="es-MX"/>
+          </a:p>
+        </p:txBody>
+      </p:sp>
+      <p:sp>
+        <p:nvSpPr>
+          <p:cNvPr id="24" name="CuadroTexto 23">
+            <a:extLst>
+              <a:ext uri="{FF2B5EF4-FFF2-40B4-BE49-F238E27FC236}">
+                <a16:creationId xmlns:a16="http://schemas.microsoft.com/office/drawing/2014/main" id="{3A461BA5-5519-4845-8513-5AE389F3BC82}"/>
+              </a:ext>
+            </a:extLst>
+          </p:cNvPr>
+          <p:cNvSpPr txBox="1"/>
+          <p:nvPr/>
+        </p:nvSpPr>
+        <p:spPr>
+          <a:xfrm>
+            <a:off x="2934147" y="4725144"/>
+            <a:ext cx="701749" cy="276999"/>
+          </a:xfrm>
+          <a:prstGeom prst="rect">
+            <a:avLst/>
+          </a:prstGeom>
+          <a:noFill/>
+        </p:spPr>
+        <p:txBody>
+          <a:bodyPr wrap="square">
+            <a:spAutoFit/>
+          </a:bodyPr>
+          <a:lstStyle/>
+          <a:p>
+            <a:pPr algn="ctr"/>
+            <a:r>
+              <a:rPr lang="es-ES" sz="1200" dirty="0">
+                <a:solidFill>
+                  <a:schemeClr val="accent5">
+                    <a:lumMod val="75000"/>
+                  </a:schemeClr>
+                </a:solidFill>
+                <a:latin typeface="-apple-system"/>
+              </a:rPr>
+              <a:t>Función</a:t>
+            </a:r>
+          </a:p>
+        </p:txBody>
+      </p:sp>
+      <p:sp>
+        <p:nvSpPr>
+          <p:cNvPr id="25" name="CuadroTexto 24">
+            <a:extLst>
+              <a:ext uri="{FF2B5EF4-FFF2-40B4-BE49-F238E27FC236}">
+                <a16:creationId xmlns:a16="http://schemas.microsoft.com/office/drawing/2014/main" id="{E2DFC213-0C9F-4272-BB0A-AD47278AC0F0}"/>
+              </a:ext>
+            </a:extLst>
+          </p:cNvPr>
+          <p:cNvSpPr txBox="1"/>
+          <p:nvPr/>
+        </p:nvSpPr>
+        <p:spPr>
+          <a:xfrm>
+            <a:off x="3991820" y="4736177"/>
+            <a:ext cx="1516284" cy="276999"/>
+          </a:xfrm>
+          <a:prstGeom prst="rect">
+            <a:avLst/>
+          </a:prstGeom>
+          <a:noFill/>
+        </p:spPr>
+        <p:txBody>
+          <a:bodyPr wrap="square">
+            <a:spAutoFit/>
+          </a:bodyPr>
+          <a:lstStyle/>
+          <a:p>
+            <a:pPr algn="ctr"/>
+            <a:r>
+              <a:rPr lang="es-ES" sz="1200" dirty="0">
+                <a:solidFill>
+                  <a:schemeClr val="accent5">
+                    <a:lumMod val="75000"/>
+                  </a:schemeClr>
+                </a:solidFill>
+                <a:latin typeface="-apple-system"/>
+              </a:rPr>
+              <a:t>Objetos iterables</a:t>
+            </a:r>
+          </a:p>
+        </p:txBody>
+      </p:sp>
+    </p:spTree>
+    <p:extLst>
+      <p:ext uri="{BB962C8B-B14F-4D97-AF65-F5344CB8AC3E}">
+        <p14:creationId xmlns:p14="http://schemas.microsoft.com/office/powerpoint/2010/main" val="1586771271"/>
+      </p:ext>
+    </p:extLst>
+  </p:cSld>
+  <p:clrMapOvr>
+    <a:masterClrMapping/>
+  </p:clrMapOvr>
+</p:sld>
+</file>
+
+<file path=ppt/slides/slide12.xml><?xml version="1.0" encoding="utf-8"?>
+<p:sld xmlns:a="http://schemas.openxmlformats.org/drawingml/2006/main" xmlns:r="http://schemas.openxmlformats.org/officeDocument/2006/relationships" xmlns:p="http://schemas.openxmlformats.org/presentationml/2006/main">
+  <p:cSld>
+    <p:spTree>
+      <p:nvGrpSpPr>
+        <p:cNvPr id="1" name=""/>
+        <p:cNvGrpSpPr/>
+        <p:nvPr/>
+      </p:nvGrpSpPr>
+      <p:grpSpPr>
+        <a:xfrm>
+          <a:off x="0" y="0"/>
+          <a:ext cx="0" cy="0"/>
+          <a:chOff x="0" y="0"/>
+          <a:chExt cx="0" cy="0"/>
+        </a:xfrm>
+      </p:grpSpPr>
+      <p:sp>
+        <p:nvSpPr>
+          <p:cNvPr id="184324" name="Rectangle 4"/>
+          <p:cNvSpPr>
+            <a:spLocks noGrp="1" noChangeArrowheads="1"/>
+          </p:cNvSpPr>
+          <p:nvPr>
+            <p:ph type="title"/>
+          </p:nvPr>
+        </p:nvSpPr>
+        <p:spPr>
+          <a:xfrm>
+            <a:off x="470845" y="23183"/>
+            <a:ext cx="8229600" cy="885537"/>
+          </a:xfrm>
+        </p:spPr>
+        <p:txBody>
+          <a:bodyPr>
+            <a:normAutofit/>
+          </a:bodyPr>
+          <a:lstStyle/>
+          <a:p>
+            <a:pPr eaLnBrk="1" hangingPunct="1">
+              <a:defRPr/>
+            </a:pPr>
+            <a:r>
+              <a:rPr lang="es-MX" sz="3600" b="1" dirty="0">
+                <a:solidFill>
+                  <a:schemeClr val="accent4">
+                    <a:lumMod val="50000"/>
+                  </a:schemeClr>
+                </a:solidFill>
+                <a:effectLst>
+                  <a:outerShdw blurRad="38100" dist="38100" dir="2700000" algn="tl">
+                    <a:srgbClr val="C0C0C0"/>
+                  </a:outerShdw>
+                </a:effectLst>
+                <a:latin typeface="Dom Casual" charset="0"/>
+              </a:rPr>
+              <a:t>Función </a:t>
+            </a:r>
+            <a:r>
+              <a:rPr lang="es-MX" sz="3600" b="1" dirty="0" err="1">
+                <a:solidFill>
+                  <a:schemeClr val="accent4">
+                    <a:lumMod val="50000"/>
+                  </a:schemeClr>
+                </a:solidFill>
+                <a:effectLst>
+                  <a:outerShdw blurRad="38100" dist="38100" dir="2700000" algn="tl">
+                    <a:srgbClr val="C0C0C0"/>
+                  </a:outerShdw>
+                </a:effectLst>
+                <a:latin typeface="Dom Casual" charset="0"/>
+              </a:rPr>
+              <a:t>map</a:t>
+            </a:r>
+            <a:endParaRPr lang="es-MX" sz="3600" b="1" dirty="0">
+              <a:solidFill>
+                <a:schemeClr val="accent4">
+                  <a:lumMod val="50000"/>
+                </a:schemeClr>
+              </a:solidFill>
+              <a:effectLst>
+                <a:outerShdw blurRad="38100" dist="38100" dir="2700000" algn="tl">
+                  <a:srgbClr val="C0C0C0"/>
+                </a:outerShdw>
+              </a:effectLst>
+              <a:latin typeface="Dom Casual" charset="0"/>
+            </a:endParaRPr>
+          </a:p>
+        </p:txBody>
+      </p:sp>
+      <p:sp>
+        <p:nvSpPr>
+          <p:cNvPr id="8" name="CuadroTexto 7">
+            <a:extLst>
+              <a:ext uri="{FF2B5EF4-FFF2-40B4-BE49-F238E27FC236}">
+                <a16:creationId xmlns:a16="http://schemas.microsoft.com/office/drawing/2014/main" id="{44BAF2EA-92D2-4C06-913F-695F25D25C19}"/>
+              </a:ext>
+            </a:extLst>
+          </p:cNvPr>
+          <p:cNvSpPr txBox="1"/>
+          <p:nvPr/>
+        </p:nvSpPr>
+        <p:spPr>
+          <a:xfrm>
+            <a:off x="3253496" y="692696"/>
+            <a:ext cx="2664297" cy="369332"/>
+          </a:xfrm>
+          <a:prstGeom prst="rect">
+            <a:avLst/>
+          </a:prstGeom>
+          <a:noFill/>
+        </p:spPr>
+        <p:txBody>
+          <a:bodyPr wrap="square">
+            <a:spAutoFit/>
+          </a:bodyPr>
+          <a:lstStyle/>
+          <a:p>
+            <a:pPr algn="ctr"/>
+            <a:r>
+              <a:rPr lang="es-ES" b="1" dirty="0" err="1">
+                <a:solidFill>
+                  <a:schemeClr val="accent6">
+                    <a:lumMod val="75000"/>
+                  </a:schemeClr>
+                </a:solidFill>
+                <a:latin typeface="-apple-system"/>
+              </a:rPr>
+              <a:t>m</a:t>
+            </a:r>
+            <a:r>
+              <a:rPr lang="es-ES" b="1" i="0" dirty="0" err="1">
+                <a:solidFill>
+                  <a:schemeClr val="accent6">
+                    <a:lumMod val="75000"/>
+                  </a:schemeClr>
+                </a:solidFill>
+                <a:effectLst/>
+                <a:latin typeface="-apple-system"/>
+              </a:rPr>
+              <a:t>ap</a:t>
+            </a:r>
+            <a:r>
+              <a:rPr lang="es-ES" b="1" i="0" dirty="0">
+                <a:solidFill>
+                  <a:schemeClr val="accent6">
+                    <a:lumMod val="75000"/>
+                  </a:schemeClr>
+                </a:solidFill>
+                <a:effectLst/>
+                <a:latin typeface="-apple-system"/>
+              </a:rPr>
+              <a:t> (</a:t>
+            </a:r>
+            <a:r>
+              <a:rPr lang="es-ES" b="1" i="0" dirty="0" err="1">
+                <a:solidFill>
+                  <a:schemeClr val="accent6">
+                    <a:lumMod val="75000"/>
+                  </a:schemeClr>
+                </a:solidFill>
+                <a:effectLst/>
+                <a:latin typeface="-apple-system"/>
+              </a:rPr>
+              <a:t>function</a:t>
+            </a:r>
+            <a:r>
+              <a:rPr lang="es-ES" b="1" i="0" dirty="0">
+                <a:solidFill>
+                  <a:schemeClr val="accent6">
+                    <a:lumMod val="75000"/>
+                  </a:schemeClr>
+                </a:solidFill>
+                <a:effectLst/>
+                <a:latin typeface="-apple-system"/>
+              </a:rPr>
+              <a:t>, iterables)</a:t>
+            </a:r>
+            <a:endParaRPr lang="es-ES" sz="1600" b="0" i="0" dirty="0">
+              <a:solidFill>
+                <a:schemeClr val="accent6">
+                  <a:lumMod val="75000"/>
+                </a:schemeClr>
+              </a:solidFill>
+              <a:effectLst/>
+            </a:endParaRPr>
+          </a:p>
+        </p:txBody>
+      </p:sp>
+      <p:sp>
+        <p:nvSpPr>
+          <p:cNvPr id="7" name="CuadroTexto 6">
+            <a:extLst>
+              <a:ext uri="{FF2B5EF4-FFF2-40B4-BE49-F238E27FC236}">
+                <a16:creationId xmlns:a16="http://schemas.microsoft.com/office/drawing/2014/main" id="{CD329BAA-6040-42E8-A28F-4731E85EABD0}"/>
+              </a:ext>
+            </a:extLst>
+          </p:cNvPr>
+          <p:cNvSpPr txBox="1"/>
+          <p:nvPr/>
+        </p:nvSpPr>
+        <p:spPr>
+          <a:xfrm>
+            <a:off x="724267" y="5183765"/>
+            <a:ext cx="3703717" cy="646331"/>
+          </a:xfrm>
+          <a:prstGeom prst="rect">
+            <a:avLst/>
+          </a:prstGeom>
+          <a:noFill/>
+        </p:spPr>
+        <p:txBody>
+          <a:bodyPr wrap="square">
+            <a:spAutoFit/>
+          </a:bodyPr>
+          <a:lstStyle/>
+          <a:p>
+            <a:pPr algn="l" rtl="0"/>
+            <a:r>
+              <a:rPr lang="es-ES" b="0" i="0" dirty="0">
+                <a:solidFill>
+                  <a:srgbClr val="000000"/>
+                </a:solidFill>
+                <a:effectLst/>
+                <a:latin typeface="inherit"/>
+              </a:rPr>
+              <a:t>c = </a:t>
+            </a:r>
+            <a:r>
+              <a:rPr lang="es-ES" b="0" i="0" dirty="0" err="1">
+                <a:solidFill>
+                  <a:srgbClr val="404247"/>
+                </a:solidFill>
+                <a:effectLst/>
+                <a:latin typeface="inherit"/>
+              </a:rPr>
+              <a:t>list</a:t>
+            </a:r>
+            <a:r>
+              <a:rPr lang="es-ES" b="0" i="0" dirty="0">
+                <a:solidFill>
+                  <a:srgbClr val="444444"/>
+                </a:solidFill>
+                <a:effectLst/>
+                <a:latin typeface="inherit"/>
+              </a:rPr>
+              <a:t>( </a:t>
+            </a:r>
+            <a:r>
+              <a:rPr lang="es-ES" b="0" i="0" dirty="0" err="1">
+                <a:solidFill>
+                  <a:srgbClr val="404247"/>
+                </a:solidFill>
+                <a:effectLst/>
+                <a:latin typeface="inherit"/>
+              </a:rPr>
+              <a:t>map</a:t>
+            </a:r>
+            <a:r>
+              <a:rPr lang="es-ES" b="0" i="0" dirty="0">
+                <a:solidFill>
+                  <a:srgbClr val="444444"/>
+                </a:solidFill>
+                <a:effectLst/>
+                <a:latin typeface="inherit"/>
+              </a:rPr>
+              <a:t>(</a:t>
+            </a:r>
+            <a:r>
+              <a:rPr lang="es-ES" b="1" i="0" dirty="0">
+                <a:solidFill>
+                  <a:srgbClr val="066DA1"/>
+                </a:solidFill>
+                <a:effectLst/>
+                <a:latin typeface="inherit"/>
+              </a:rPr>
+              <a:t>lambda</a:t>
+            </a:r>
+            <a:r>
+              <a:rPr lang="es-ES" b="0" i="0" dirty="0">
+                <a:solidFill>
+                  <a:srgbClr val="000000"/>
+                </a:solidFill>
+                <a:effectLst/>
+                <a:latin typeface="inherit"/>
+              </a:rPr>
+              <a:t> x, y: x*y, </a:t>
+            </a:r>
+            <a:r>
+              <a:rPr lang="es-ES" b="1" i="0" dirty="0">
+                <a:solidFill>
+                  <a:srgbClr val="000000"/>
+                </a:solidFill>
+                <a:effectLst/>
+                <a:latin typeface="inherit"/>
+              </a:rPr>
+              <a:t>a, b</a:t>
+            </a:r>
+            <a:r>
+              <a:rPr lang="es-ES" b="0" i="0" dirty="0">
+                <a:solidFill>
+                  <a:srgbClr val="444444"/>
+                </a:solidFill>
+                <a:effectLst/>
+                <a:latin typeface="inherit"/>
+              </a:rPr>
+              <a:t>))</a:t>
+            </a:r>
+            <a:endParaRPr lang="es-ES" b="0" i="0" dirty="0">
+              <a:solidFill>
+                <a:srgbClr val="AAAAAA"/>
+              </a:solidFill>
+              <a:effectLst/>
+              <a:latin typeface="Source Code Pro" panose="020B0509030403020204" pitchFamily="49" charset="0"/>
+            </a:endParaRPr>
+          </a:p>
+          <a:p>
+            <a:pPr algn="l" rtl="0"/>
+            <a:r>
+              <a:rPr lang="es-ES" b="0" i="0" dirty="0" err="1">
+                <a:solidFill>
+                  <a:srgbClr val="404247"/>
+                </a:solidFill>
+                <a:effectLst/>
+                <a:latin typeface="inherit"/>
+              </a:rPr>
+              <a:t>print</a:t>
+            </a:r>
+            <a:r>
+              <a:rPr lang="es-ES" b="0" i="0" dirty="0">
+                <a:solidFill>
+                  <a:srgbClr val="444444"/>
+                </a:solidFill>
+                <a:effectLst/>
+                <a:latin typeface="inherit"/>
+              </a:rPr>
+              <a:t>(</a:t>
+            </a:r>
+            <a:r>
+              <a:rPr lang="es-ES" b="0" i="0" dirty="0">
+                <a:solidFill>
+                  <a:srgbClr val="000000"/>
+                </a:solidFill>
+                <a:effectLst/>
+                <a:latin typeface="inherit"/>
+              </a:rPr>
+              <a:t>c</a:t>
+            </a:r>
+            <a:r>
+              <a:rPr lang="es-ES" b="0" i="0" dirty="0">
+                <a:solidFill>
+                  <a:srgbClr val="444444"/>
+                </a:solidFill>
+                <a:effectLst/>
+                <a:latin typeface="inherit"/>
+              </a:rPr>
+              <a:t>)</a:t>
+            </a:r>
+            <a:endParaRPr lang="es-ES" b="0" i="0" dirty="0">
+              <a:solidFill>
+                <a:srgbClr val="AAAAAA"/>
+              </a:solidFill>
+              <a:effectLst/>
+              <a:latin typeface="Source Code Pro" panose="020B0509030403020204" pitchFamily="49" charset="0"/>
+            </a:endParaRPr>
+          </a:p>
+        </p:txBody>
+      </p:sp>
+      <p:pic>
+        <p:nvPicPr>
+          <p:cNvPr id="4" name="Imagen 3">
+            <a:extLst>
+              <a:ext uri="{FF2B5EF4-FFF2-40B4-BE49-F238E27FC236}">
+                <a16:creationId xmlns:a16="http://schemas.microsoft.com/office/drawing/2014/main" id="{89DD4558-092D-4F51-ABC6-5F9957054FCF}"/>
+              </a:ext>
+            </a:extLst>
+          </p:cNvPr>
+          <p:cNvPicPr>
+            <a:picLocks noChangeAspect="1"/>
+          </p:cNvPicPr>
+          <p:nvPr/>
+        </p:nvPicPr>
+        <p:blipFill>
+          <a:blip r:embed="rId3"/>
+          <a:stretch>
+            <a:fillRect/>
+          </a:stretch>
+        </p:blipFill>
+        <p:spPr>
+          <a:xfrm>
+            <a:off x="7319827" y="2032705"/>
+            <a:ext cx="1257300" cy="1590675"/>
+          </a:xfrm>
+          <a:prstGeom prst="rect">
+            <a:avLst/>
+          </a:prstGeom>
+        </p:spPr>
+      </p:pic>
+      <p:sp>
+        <p:nvSpPr>
+          <p:cNvPr id="11" name="CuadroTexto 10">
+            <a:extLst>
+              <a:ext uri="{FF2B5EF4-FFF2-40B4-BE49-F238E27FC236}">
+                <a16:creationId xmlns:a16="http://schemas.microsoft.com/office/drawing/2014/main" id="{F14534C0-A07A-4900-AC94-DB6BF3DF9C1D}"/>
+              </a:ext>
+            </a:extLst>
+          </p:cNvPr>
+          <p:cNvSpPr txBox="1"/>
+          <p:nvPr/>
+        </p:nvSpPr>
+        <p:spPr>
+          <a:xfrm>
+            <a:off x="1043608" y="3703055"/>
+            <a:ext cx="2952328" cy="369332"/>
+          </a:xfrm>
+          <a:prstGeom prst="rect">
+            <a:avLst/>
+          </a:prstGeom>
+          <a:noFill/>
+        </p:spPr>
+        <p:txBody>
+          <a:bodyPr wrap="square">
+            <a:spAutoFit/>
+          </a:bodyPr>
+          <a:lstStyle/>
+          <a:p>
+            <a:pPr algn="l" rtl="0"/>
+            <a:r>
+              <a:rPr lang="es-ES" b="1" i="0" dirty="0" err="1">
+                <a:solidFill>
+                  <a:schemeClr val="accent6">
+                    <a:lumMod val="75000"/>
+                  </a:schemeClr>
+                </a:solidFill>
+                <a:effectLst/>
+                <a:latin typeface="inherit"/>
+              </a:rPr>
+              <a:t>map</a:t>
+            </a:r>
+            <a:r>
+              <a:rPr lang="es-ES" b="0" i="0" dirty="0">
+                <a:solidFill>
+                  <a:srgbClr val="444444"/>
+                </a:solidFill>
+                <a:effectLst/>
+                <a:latin typeface="inherit"/>
+              </a:rPr>
+              <a:t>(</a:t>
+            </a:r>
+            <a:r>
+              <a:rPr lang="es-ES" b="1" i="0" dirty="0">
+                <a:solidFill>
+                  <a:srgbClr val="066DA1"/>
+                </a:solidFill>
+                <a:effectLst/>
+                <a:latin typeface="inherit"/>
+              </a:rPr>
+              <a:t>lambda</a:t>
+            </a:r>
+            <a:r>
+              <a:rPr lang="es-ES" b="0" i="0" dirty="0">
+                <a:solidFill>
+                  <a:srgbClr val="000000"/>
+                </a:solidFill>
+                <a:effectLst/>
+                <a:latin typeface="inherit"/>
+              </a:rPr>
+              <a:t> x, y: x*y,  </a:t>
+            </a:r>
+            <a:r>
+              <a:rPr lang="es-ES" b="1" i="0" dirty="0">
+                <a:solidFill>
+                  <a:srgbClr val="00B050"/>
+                </a:solidFill>
+                <a:effectLst/>
+                <a:latin typeface="inherit"/>
+              </a:rPr>
+              <a:t>a, b</a:t>
+            </a:r>
+            <a:r>
+              <a:rPr lang="es-ES" b="0" i="0" dirty="0">
+                <a:solidFill>
+                  <a:srgbClr val="444444"/>
+                </a:solidFill>
+                <a:effectLst/>
+                <a:latin typeface="inherit"/>
+              </a:rPr>
+              <a:t>)</a:t>
+            </a:r>
+          </a:p>
+        </p:txBody>
+      </p:sp>
+      <p:sp>
+        <p:nvSpPr>
+          <p:cNvPr id="12" name="Abrir llave 11">
+            <a:extLst>
+              <a:ext uri="{FF2B5EF4-FFF2-40B4-BE49-F238E27FC236}">
+                <a16:creationId xmlns:a16="http://schemas.microsoft.com/office/drawing/2014/main" id="{3AE2AEE9-CCE8-4E26-8B51-BDAC52A7F842}"/>
+              </a:ext>
+            </a:extLst>
+          </p:cNvPr>
+          <p:cNvSpPr/>
+          <p:nvPr/>
+        </p:nvSpPr>
+        <p:spPr>
+          <a:xfrm rot="16200000">
+            <a:off x="2248409" y="3413557"/>
+            <a:ext cx="246118" cy="1503589"/>
+          </a:xfrm>
+          <a:prstGeom prst="leftBrace">
+            <a:avLst/>
+          </a:prstGeom>
+        </p:spPr>
+        <p:style>
+          <a:lnRef idx="1">
+            <a:schemeClr val="accent1"/>
+          </a:lnRef>
+          <a:fillRef idx="0">
+            <a:schemeClr val="accent1"/>
+          </a:fillRef>
+          <a:effectRef idx="0">
+            <a:schemeClr val="accent1"/>
+          </a:effectRef>
+          <a:fontRef idx="minor">
+            <a:schemeClr val="tx1"/>
+          </a:fontRef>
+        </p:style>
+        <p:txBody>
+          <a:bodyPr rtlCol="0" anchor="ctr"/>
+          <a:lstStyle/>
+          <a:p>
+            <a:pPr algn="ctr"/>
+            <a:endParaRPr lang="es-MX"/>
+          </a:p>
+        </p:txBody>
+      </p:sp>
+      <p:sp>
+        <p:nvSpPr>
+          <p:cNvPr id="13" name="Abrir llave 12">
+            <a:extLst>
+              <a:ext uri="{FF2B5EF4-FFF2-40B4-BE49-F238E27FC236}">
+                <a16:creationId xmlns:a16="http://schemas.microsoft.com/office/drawing/2014/main" id="{054DF6E8-83D2-4A51-BF12-835C25C2E8EB}"/>
+              </a:ext>
+            </a:extLst>
+          </p:cNvPr>
+          <p:cNvSpPr/>
+          <p:nvPr/>
+        </p:nvSpPr>
+        <p:spPr>
+          <a:xfrm rot="16200000">
+            <a:off x="3330654" y="3896432"/>
+            <a:ext cx="265173" cy="518784"/>
+          </a:xfrm>
+          <a:prstGeom prst="leftBrace">
+            <a:avLst/>
+          </a:prstGeom>
+        </p:spPr>
+        <p:style>
+          <a:lnRef idx="1">
+            <a:schemeClr val="accent1"/>
+          </a:lnRef>
+          <a:fillRef idx="0">
+            <a:schemeClr val="accent1"/>
+          </a:fillRef>
+          <a:effectRef idx="0">
+            <a:schemeClr val="accent1"/>
+          </a:effectRef>
+          <a:fontRef idx="minor">
+            <a:schemeClr val="tx1"/>
+          </a:fontRef>
+        </p:style>
+        <p:txBody>
+          <a:bodyPr rtlCol="0" anchor="ctr"/>
+          <a:lstStyle/>
+          <a:p>
+            <a:pPr algn="ctr"/>
+            <a:endParaRPr lang="es-MX"/>
+          </a:p>
+        </p:txBody>
+      </p:sp>
+      <p:sp>
+        <p:nvSpPr>
+          <p:cNvPr id="14" name="CuadroTexto 13">
+            <a:extLst>
+              <a:ext uri="{FF2B5EF4-FFF2-40B4-BE49-F238E27FC236}">
+                <a16:creationId xmlns:a16="http://schemas.microsoft.com/office/drawing/2014/main" id="{7D138997-C337-460F-B57F-91195C7377E4}"/>
+              </a:ext>
+            </a:extLst>
+          </p:cNvPr>
+          <p:cNvSpPr txBox="1"/>
+          <p:nvPr/>
+        </p:nvSpPr>
+        <p:spPr>
+          <a:xfrm>
+            <a:off x="1741328" y="4321410"/>
+            <a:ext cx="1454888" cy="646331"/>
+          </a:xfrm>
+          <a:prstGeom prst="rect">
+            <a:avLst/>
+          </a:prstGeom>
+          <a:noFill/>
+        </p:spPr>
+        <p:txBody>
+          <a:bodyPr wrap="square">
+            <a:spAutoFit/>
+          </a:bodyPr>
+          <a:lstStyle/>
+          <a:p>
+            <a:pPr algn="ctr"/>
+            <a:r>
+              <a:rPr lang="es-ES" dirty="0">
+                <a:solidFill>
+                  <a:schemeClr val="accent5">
+                    <a:lumMod val="75000"/>
+                  </a:schemeClr>
+                </a:solidFill>
+                <a:latin typeface="-apple-system"/>
+              </a:rPr>
+              <a:t>Función lambda</a:t>
+            </a:r>
+          </a:p>
+        </p:txBody>
+      </p:sp>
+      <p:sp>
+        <p:nvSpPr>
+          <p:cNvPr id="15" name="CuadroTexto 14">
+            <a:extLst>
+              <a:ext uri="{FF2B5EF4-FFF2-40B4-BE49-F238E27FC236}">
+                <a16:creationId xmlns:a16="http://schemas.microsoft.com/office/drawing/2014/main" id="{0989A738-D75C-4714-B596-955068D7660A}"/>
+              </a:ext>
+            </a:extLst>
+          </p:cNvPr>
+          <p:cNvSpPr txBox="1"/>
+          <p:nvPr/>
+        </p:nvSpPr>
+        <p:spPr>
+          <a:xfrm>
+            <a:off x="2915816" y="4321410"/>
+            <a:ext cx="1257300" cy="646331"/>
+          </a:xfrm>
+          <a:prstGeom prst="rect">
+            <a:avLst/>
+          </a:prstGeom>
+          <a:noFill/>
+        </p:spPr>
+        <p:txBody>
+          <a:bodyPr wrap="square">
+            <a:spAutoFit/>
+          </a:bodyPr>
+          <a:lstStyle/>
+          <a:p>
+            <a:pPr algn="ctr"/>
+            <a:r>
+              <a:rPr lang="es-ES" dirty="0">
+                <a:solidFill>
+                  <a:schemeClr val="accent5">
+                    <a:lumMod val="75000"/>
+                  </a:schemeClr>
+                </a:solidFill>
+                <a:latin typeface="-apple-system"/>
+              </a:rPr>
+              <a:t>Listas iterables</a:t>
+            </a:r>
+          </a:p>
+        </p:txBody>
+      </p:sp>
+      <p:sp>
+        <p:nvSpPr>
+          <p:cNvPr id="16" name="CuadroTexto 15">
+            <a:extLst>
+              <a:ext uri="{FF2B5EF4-FFF2-40B4-BE49-F238E27FC236}">
+                <a16:creationId xmlns:a16="http://schemas.microsoft.com/office/drawing/2014/main" id="{01F96716-3262-40EC-A5A0-36CC3258E544}"/>
+              </a:ext>
+            </a:extLst>
+          </p:cNvPr>
+          <p:cNvSpPr txBox="1"/>
+          <p:nvPr/>
+        </p:nvSpPr>
+        <p:spPr>
+          <a:xfrm>
+            <a:off x="586397" y="1366044"/>
+            <a:ext cx="8098061" cy="646331"/>
+          </a:xfrm>
+          <a:prstGeom prst="rect">
+            <a:avLst/>
+          </a:prstGeom>
+          <a:noFill/>
+        </p:spPr>
+        <p:txBody>
+          <a:bodyPr wrap="square">
+            <a:spAutoFit/>
+          </a:bodyPr>
+          <a:lstStyle/>
+          <a:p>
+            <a:pPr algn="just">
+              <a:spcAft>
+                <a:spcPts val="1200"/>
+              </a:spcAft>
+            </a:pPr>
+            <a:r>
+              <a:rPr lang="es-ES" b="0" i="0" dirty="0">
+                <a:solidFill>
+                  <a:srgbClr val="3E4349"/>
+                </a:solidFill>
+                <a:effectLst/>
+              </a:rPr>
+              <a:t>Además se puede utilizar la función </a:t>
+            </a:r>
+            <a:r>
+              <a:rPr lang="es-ES" b="1" i="0" dirty="0" err="1">
+                <a:solidFill>
+                  <a:srgbClr val="FF0000"/>
+                </a:solidFill>
+                <a:effectLst/>
+              </a:rPr>
+              <a:t>map</a:t>
+            </a:r>
+            <a:r>
+              <a:rPr lang="es-ES" b="0" i="0" dirty="0">
+                <a:solidFill>
+                  <a:srgbClr val="3E4349"/>
+                </a:solidFill>
+                <a:effectLst/>
+              </a:rPr>
+              <a:t> sobre </a:t>
+            </a:r>
+            <a:r>
+              <a:rPr lang="es-ES" b="1" i="0" dirty="0">
+                <a:solidFill>
+                  <a:schemeClr val="accent6">
+                    <a:lumMod val="75000"/>
+                  </a:schemeClr>
+                </a:solidFill>
+                <a:effectLst/>
+              </a:rPr>
+              <a:t>más de un objeto iterable </a:t>
+            </a:r>
+            <a:r>
+              <a:rPr lang="es-ES" b="0" i="0" dirty="0">
+                <a:solidFill>
+                  <a:srgbClr val="3E4349"/>
+                </a:solidFill>
+                <a:effectLst/>
+              </a:rPr>
+              <a:t>con la condición que tengan la misma longitud. </a:t>
+            </a:r>
+            <a:endParaRPr lang="es-ES" b="0" i="0" dirty="0">
+              <a:solidFill>
+                <a:srgbClr val="AAAAAA"/>
+              </a:solidFill>
+              <a:effectLst/>
+              <a:latin typeface="Source Code Pro" panose="020B0509030403020204" pitchFamily="49" charset="0"/>
+            </a:endParaRPr>
+          </a:p>
+        </p:txBody>
+      </p:sp>
+      <p:sp>
+        <p:nvSpPr>
+          <p:cNvPr id="17" name="CuadroTexto 16">
+            <a:extLst>
+              <a:ext uri="{FF2B5EF4-FFF2-40B4-BE49-F238E27FC236}">
+                <a16:creationId xmlns:a16="http://schemas.microsoft.com/office/drawing/2014/main" id="{C6A87DC9-F3DB-49FC-901C-F97A5E960A3A}"/>
+              </a:ext>
+            </a:extLst>
+          </p:cNvPr>
+          <p:cNvSpPr txBox="1"/>
+          <p:nvPr/>
+        </p:nvSpPr>
+        <p:spPr>
+          <a:xfrm>
+            <a:off x="566873" y="2020741"/>
+            <a:ext cx="8098061" cy="1508105"/>
+          </a:xfrm>
+          <a:prstGeom prst="rect">
+            <a:avLst/>
+          </a:prstGeom>
+          <a:noFill/>
+        </p:spPr>
+        <p:txBody>
+          <a:bodyPr wrap="square">
+            <a:spAutoFit/>
+          </a:bodyPr>
+          <a:lstStyle/>
+          <a:p>
+            <a:pPr algn="l">
+              <a:spcAft>
+                <a:spcPts val="1200"/>
+              </a:spcAft>
+            </a:pPr>
+            <a:r>
+              <a:rPr lang="es-ES" b="1" i="0" u="none" strike="noStrike" dirty="0">
+                <a:solidFill>
+                  <a:srgbClr val="111111"/>
+                </a:solidFill>
+                <a:effectLst/>
+                <a:latin typeface="-apple-system"/>
+              </a:rPr>
+              <a:t>Ejemplo</a:t>
+            </a:r>
+          </a:p>
+          <a:p>
+            <a:pPr algn="just">
+              <a:spcAft>
+                <a:spcPts val="1200"/>
+              </a:spcAft>
+            </a:pPr>
+            <a:r>
+              <a:rPr lang="es-ES" b="0" i="0" dirty="0">
+                <a:solidFill>
+                  <a:srgbClr val="333333"/>
+                </a:solidFill>
+                <a:effectLst/>
+                <a:latin typeface="-apple-system"/>
+              </a:rPr>
+              <a:t>S</a:t>
+            </a:r>
+            <a:r>
+              <a:rPr lang="es-ES" b="0" i="0" dirty="0">
+                <a:solidFill>
+                  <a:srgbClr val="3E4349"/>
+                </a:solidFill>
+                <a:effectLst/>
+                <a:latin typeface="Georgia" panose="02040502050405020303" pitchFamily="18" charset="0"/>
+              </a:rPr>
+              <a:t>i requiere multiplicar los números de dos listas:</a:t>
+            </a:r>
+            <a:endParaRPr lang="es-ES" b="0" i="0" dirty="0">
+              <a:solidFill>
+                <a:srgbClr val="333333"/>
+              </a:solidFill>
+              <a:effectLst/>
+              <a:latin typeface="-apple-system"/>
+            </a:endParaRPr>
+          </a:p>
+          <a:p>
+            <a:pPr algn="l" rtl="0"/>
+            <a:r>
+              <a:rPr lang="es-ES" b="1" dirty="0">
+                <a:solidFill>
+                  <a:srgbClr val="000000"/>
+                </a:solidFill>
+                <a:latin typeface="inherit"/>
+              </a:rPr>
+              <a:t>a</a:t>
+            </a:r>
+            <a:r>
+              <a:rPr lang="es-ES" b="0" i="0" dirty="0">
+                <a:solidFill>
+                  <a:srgbClr val="000000"/>
+                </a:solidFill>
+                <a:effectLst/>
+                <a:latin typeface="inherit"/>
+              </a:rPr>
+              <a:t> = </a:t>
+            </a:r>
+            <a:r>
+              <a:rPr lang="es-ES" b="0" i="0" dirty="0">
+                <a:solidFill>
+                  <a:srgbClr val="444444"/>
+                </a:solidFill>
+                <a:effectLst/>
+                <a:latin typeface="inherit"/>
+              </a:rPr>
+              <a:t>[</a:t>
+            </a:r>
+            <a:r>
+              <a:rPr lang="es-ES" b="0" i="0" dirty="0">
+                <a:solidFill>
+                  <a:srgbClr val="D53AA9"/>
+                </a:solidFill>
+                <a:effectLst/>
+                <a:latin typeface="inherit"/>
+              </a:rPr>
+              <a:t>1</a:t>
+            </a:r>
+            <a:r>
+              <a:rPr lang="es-ES" b="0" i="0" dirty="0">
+                <a:solidFill>
+                  <a:srgbClr val="000000"/>
+                </a:solidFill>
+                <a:effectLst/>
+                <a:latin typeface="inherit"/>
+              </a:rPr>
+              <a:t>, </a:t>
+            </a:r>
+            <a:r>
+              <a:rPr lang="es-ES" b="0" i="0" dirty="0">
+                <a:solidFill>
+                  <a:srgbClr val="D53AA9"/>
+                </a:solidFill>
+                <a:effectLst/>
+                <a:latin typeface="inherit"/>
+              </a:rPr>
+              <a:t>2</a:t>
+            </a:r>
+            <a:r>
+              <a:rPr lang="es-ES" b="0" i="0" dirty="0">
+                <a:solidFill>
+                  <a:srgbClr val="000000"/>
+                </a:solidFill>
+                <a:effectLst/>
+                <a:latin typeface="inherit"/>
+              </a:rPr>
+              <a:t>, </a:t>
+            </a:r>
+            <a:r>
+              <a:rPr lang="es-ES" b="0" i="0" dirty="0">
+                <a:solidFill>
+                  <a:srgbClr val="D53AA9"/>
+                </a:solidFill>
+                <a:effectLst/>
+                <a:latin typeface="inherit"/>
+              </a:rPr>
+              <a:t>3</a:t>
+            </a:r>
+            <a:r>
+              <a:rPr lang="es-ES" b="0" i="0" dirty="0">
+                <a:solidFill>
+                  <a:srgbClr val="000000"/>
+                </a:solidFill>
+                <a:effectLst/>
+                <a:latin typeface="inherit"/>
+              </a:rPr>
+              <a:t>, </a:t>
+            </a:r>
+            <a:r>
+              <a:rPr lang="es-ES" b="0" i="0" dirty="0">
+                <a:solidFill>
+                  <a:srgbClr val="D53AA9"/>
+                </a:solidFill>
+                <a:effectLst/>
+                <a:latin typeface="inherit"/>
+              </a:rPr>
+              <a:t>4</a:t>
+            </a:r>
+            <a:r>
+              <a:rPr lang="es-ES" b="0" i="0" dirty="0">
+                <a:solidFill>
+                  <a:srgbClr val="000000"/>
+                </a:solidFill>
+                <a:effectLst/>
+                <a:latin typeface="inherit"/>
+              </a:rPr>
+              <a:t>, </a:t>
+            </a:r>
+            <a:r>
+              <a:rPr lang="es-ES" b="0" i="0" dirty="0">
+                <a:solidFill>
+                  <a:srgbClr val="D53AA9"/>
+                </a:solidFill>
+                <a:effectLst/>
+                <a:latin typeface="inherit"/>
+              </a:rPr>
+              <a:t>5</a:t>
+            </a:r>
+            <a:r>
+              <a:rPr lang="es-ES" b="0" i="0" dirty="0">
+                <a:solidFill>
+                  <a:srgbClr val="000000"/>
+                </a:solidFill>
+                <a:effectLst/>
+                <a:latin typeface="inherit"/>
+              </a:rPr>
+              <a:t>, </a:t>
+            </a:r>
+            <a:r>
+              <a:rPr lang="es-ES" b="0" i="0" dirty="0">
+                <a:solidFill>
+                  <a:srgbClr val="D53AA9"/>
+                </a:solidFill>
+                <a:effectLst/>
+                <a:latin typeface="inherit"/>
+              </a:rPr>
+              <a:t>6</a:t>
+            </a:r>
+            <a:r>
+              <a:rPr lang="es-ES" b="0" i="0" dirty="0">
+                <a:solidFill>
+                  <a:srgbClr val="444444"/>
+                </a:solidFill>
+                <a:effectLst/>
+                <a:latin typeface="inherit"/>
+              </a:rPr>
+              <a:t>]</a:t>
+            </a:r>
+            <a:endParaRPr lang="es-ES" b="0" i="0" dirty="0">
+              <a:solidFill>
+                <a:srgbClr val="AAAAAA"/>
+              </a:solidFill>
+              <a:effectLst/>
+              <a:latin typeface="Source Code Pro" panose="020B0509030403020204" pitchFamily="49" charset="0"/>
+            </a:endParaRPr>
+          </a:p>
+          <a:p>
+            <a:r>
+              <a:rPr lang="es-ES" b="1" dirty="0">
+                <a:solidFill>
+                  <a:srgbClr val="000000"/>
+                </a:solidFill>
+                <a:latin typeface="inherit"/>
+              </a:rPr>
+              <a:t>b</a:t>
+            </a:r>
+            <a:r>
+              <a:rPr lang="es-ES" b="0" i="0" dirty="0">
+                <a:solidFill>
+                  <a:srgbClr val="000000"/>
+                </a:solidFill>
+                <a:effectLst/>
+                <a:latin typeface="inherit"/>
+              </a:rPr>
+              <a:t> = </a:t>
+            </a:r>
+            <a:r>
+              <a:rPr lang="es-ES" b="0" i="0" dirty="0">
+                <a:solidFill>
+                  <a:srgbClr val="444444"/>
+                </a:solidFill>
+                <a:effectLst/>
+                <a:latin typeface="inherit"/>
+              </a:rPr>
+              <a:t>[</a:t>
+            </a:r>
+            <a:r>
+              <a:rPr lang="es-ES" b="0" i="0" dirty="0">
+                <a:solidFill>
+                  <a:srgbClr val="D53AA9"/>
+                </a:solidFill>
+                <a:effectLst/>
+                <a:latin typeface="inherit"/>
+              </a:rPr>
+              <a:t>6</a:t>
+            </a:r>
+            <a:r>
+              <a:rPr lang="es-ES" b="0" i="0" dirty="0">
+                <a:solidFill>
+                  <a:srgbClr val="000000"/>
+                </a:solidFill>
+                <a:effectLst/>
+                <a:latin typeface="inherit"/>
+              </a:rPr>
+              <a:t>, </a:t>
+            </a:r>
+            <a:r>
+              <a:rPr lang="es-ES" b="0" i="0" dirty="0">
+                <a:solidFill>
+                  <a:srgbClr val="D53AA9"/>
+                </a:solidFill>
+                <a:effectLst/>
+                <a:latin typeface="inherit"/>
+              </a:rPr>
+              <a:t>7</a:t>
+            </a:r>
+            <a:r>
+              <a:rPr lang="es-ES" b="0" i="0" dirty="0">
+                <a:solidFill>
+                  <a:srgbClr val="000000"/>
+                </a:solidFill>
+                <a:effectLst/>
+                <a:latin typeface="inherit"/>
+              </a:rPr>
+              <a:t>, </a:t>
+            </a:r>
+            <a:r>
+              <a:rPr lang="es-ES" b="0" i="0" dirty="0">
+                <a:solidFill>
+                  <a:srgbClr val="D53AA9"/>
+                </a:solidFill>
+                <a:effectLst/>
+                <a:latin typeface="inherit"/>
+              </a:rPr>
+              <a:t>8</a:t>
+            </a:r>
+            <a:r>
+              <a:rPr lang="es-ES" b="0" i="0" dirty="0">
+                <a:solidFill>
+                  <a:srgbClr val="000000"/>
+                </a:solidFill>
+                <a:effectLst/>
+                <a:latin typeface="inherit"/>
+              </a:rPr>
+              <a:t>, </a:t>
+            </a:r>
+            <a:r>
+              <a:rPr lang="es-ES" b="0" i="0" dirty="0">
+                <a:solidFill>
+                  <a:srgbClr val="D53AA9"/>
+                </a:solidFill>
+                <a:effectLst/>
+                <a:latin typeface="inherit"/>
+              </a:rPr>
+              <a:t>9</a:t>
+            </a:r>
+            <a:r>
+              <a:rPr lang="es-ES" b="0" i="0" dirty="0">
+                <a:solidFill>
+                  <a:srgbClr val="000000"/>
+                </a:solidFill>
+                <a:effectLst/>
+                <a:latin typeface="inherit"/>
+              </a:rPr>
+              <a:t>, </a:t>
+            </a:r>
+            <a:r>
+              <a:rPr lang="es-ES" b="0" i="0" dirty="0">
+                <a:solidFill>
+                  <a:srgbClr val="D53AA9"/>
+                </a:solidFill>
+                <a:effectLst/>
+                <a:latin typeface="inherit"/>
+              </a:rPr>
+              <a:t>10</a:t>
+            </a:r>
+            <a:r>
+              <a:rPr lang="es-ES" b="0" i="0" dirty="0">
+                <a:solidFill>
+                  <a:srgbClr val="444444"/>
+                </a:solidFill>
+                <a:effectLst/>
+                <a:latin typeface="inherit"/>
+              </a:rPr>
+              <a:t>]</a:t>
+            </a:r>
+            <a:endParaRPr lang="es-ES" b="0" i="0" dirty="0">
+              <a:solidFill>
+                <a:srgbClr val="AAAAAA"/>
+              </a:solidFill>
+              <a:effectLst/>
+              <a:latin typeface="Source Code Pro" panose="020B0509030403020204" pitchFamily="49" charset="0"/>
+            </a:endParaRPr>
+          </a:p>
+        </p:txBody>
+      </p:sp>
+      <p:pic>
+        <p:nvPicPr>
+          <p:cNvPr id="3" name="Imagen 2">
+            <a:extLst>
+              <a:ext uri="{FF2B5EF4-FFF2-40B4-BE49-F238E27FC236}">
+                <a16:creationId xmlns:a16="http://schemas.microsoft.com/office/drawing/2014/main" id="{ACBE5278-3604-4213-B2C3-D57A915286DF}"/>
+              </a:ext>
+            </a:extLst>
+          </p:cNvPr>
+          <p:cNvPicPr>
+            <a:picLocks noChangeAspect="1"/>
+          </p:cNvPicPr>
+          <p:nvPr/>
+        </p:nvPicPr>
+        <p:blipFill>
+          <a:blip r:embed="rId4"/>
+          <a:stretch>
+            <a:fillRect/>
+          </a:stretch>
+        </p:blipFill>
+        <p:spPr>
+          <a:xfrm>
+            <a:off x="4575912" y="4072387"/>
+            <a:ext cx="4128445" cy="1983331"/>
+          </a:xfrm>
+          <a:prstGeom prst="rect">
+            <a:avLst/>
+          </a:prstGeom>
+        </p:spPr>
+      </p:pic>
+    </p:spTree>
+    <p:extLst>
+      <p:ext uri="{BB962C8B-B14F-4D97-AF65-F5344CB8AC3E}">
+        <p14:creationId xmlns:p14="http://schemas.microsoft.com/office/powerpoint/2010/main" val="578612192"/>
+      </p:ext>
+    </p:extLst>
+  </p:cSld>
+  <p:clrMapOvr>
+    <a:masterClrMapping/>
+  </p:clrMapOvr>
+</p:sld>
+</file>
+
+<file path=ppt/slides/slide13.xml><?xml version="1.0" encoding="utf-8"?>
+<p:sld xmlns:a="http://schemas.openxmlformats.org/drawingml/2006/main" xmlns:r="http://schemas.openxmlformats.org/officeDocument/2006/relationships" xmlns:p="http://schemas.openxmlformats.org/presentationml/2006/main">
+  <p:cSld>
+    <p:spTree>
+      <p:nvGrpSpPr>
+        <p:cNvPr id="1" name=""/>
+        <p:cNvGrpSpPr/>
+        <p:nvPr/>
+      </p:nvGrpSpPr>
+      <p:grpSpPr>
+        <a:xfrm>
+          <a:off x="0" y="0"/>
+          <a:ext cx="0" cy="0"/>
+          <a:chOff x="0" y="0"/>
+          <a:chExt cx="0" cy="0"/>
+        </a:xfrm>
+      </p:grpSpPr>
+      <p:sp>
+        <p:nvSpPr>
+          <p:cNvPr id="184324" name="Rectangle 4"/>
+          <p:cNvSpPr>
+            <a:spLocks noGrp="1" noChangeArrowheads="1"/>
+          </p:cNvSpPr>
+          <p:nvPr>
+            <p:ph type="title"/>
+          </p:nvPr>
+        </p:nvSpPr>
+        <p:spPr>
+          <a:xfrm>
+            <a:off x="470845" y="23183"/>
+            <a:ext cx="8229600" cy="885537"/>
+          </a:xfrm>
+        </p:spPr>
+        <p:txBody>
+          <a:bodyPr>
+            <a:normAutofit/>
+          </a:bodyPr>
+          <a:lstStyle/>
+          <a:p>
+            <a:pPr eaLnBrk="1" hangingPunct="1">
+              <a:defRPr/>
+            </a:pPr>
+            <a:r>
+              <a:rPr lang="es-MX" sz="3600" b="1" dirty="0">
+                <a:solidFill>
+                  <a:schemeClr val="accent4">
+                    <a:lumMod val="50000"/>
+                  </a:schemeClr>
+                </a:solidFill>
+                <a:effectLst>
+                  <a:outerShdw blurRad="38100" dist="38100" dir="2700000" algn="tl">
+                    <a:srgbClr val="C0C0C0"/>
+                  </a:outerShdw>
+                </a:effectLst>
+                <a:latin typeface="Dom Casual" charset="0"/>
+              </a:rPr>
+              <a:t>Función reduce</a:t>
+            </a:r>
+          </a:p>
+        </p:txBody>
+      </p:sp>
+      <p:sp>
+        <p:nvSpPr>
+          <p:cNvPr id="10" name="CuadroTexto 9">
+            <a:extLst>
+              <a:ext uri="{FF2B5EF4-FFF2-40B4-BE49-F238E27FC236}">
+                <a16:creationId xmlns:a16="http://schemas.microsoft.com/office/drawing/2014/main" id="{28D7FAFF-9722-4D6A-9DE5-55FC738D0886}"/>
+              </a:ext>
+            </a:extLst>
+          </p:cNvPr>
+          <p:cNvSpPr txBox="1"/>
+          <p:nvPr/>
+        </p:nvSpPr>
+        <p:spPr>
+          <a:xfrm>
+            <a:off x="769221" y="766445"/>
+            <a:ext cx="7632848" cy="646331"/>
+          </a:xfrm>
+          <a:prstGeom prst="rect">
+            <a:avLst/>
+          </a:prstGeom>
+          <a:noFill/>
+        </p:spPr>
+        <p:txBody>
+          <a:bodyPr wrap="square">
+            <a:spAutoFit/>
+          </a:bodyPr>
+          <a:lstStyle/>
+          <a:p>
+            <a:pPr algn="ctr"/>
+            <a:r>
+              <a:rPr lang="es-ES" b="1" i="0" dirty="0">
+                <a:solidFill>
+                  <a:schemeClr val="accent6">
+                    <a:lumMod val="75000"/>
+                  </a:schemeClr>
+                </a:solidFill>
+                <a:effectLst/>
+                <a:latin typeface="-apple-system"/>
+              </a:rPr>
+              <a:t>La función reduce()  acepta una función y una secuencia y devuelve un único valor calculado.</a:t>
+            </a:r>
+            <a:endParaRPr lang="es-ES" sz="1600" b="0" i="0" dirty="0">
+              <a:solidFill>
+                <a:schemeClr val="tx1">
+                  <a:lumMod val="95000"/>
+                  <a:lumOff val="5000"/>
+                </a:schemeClr>
+              </a:solidFill>
+              <a:effectLst/>
+            </a:endParaRPr>
+          </a:p>
+        </p:txBody>
+      </p:sp>
+      <p:sp>
+        <p:nvSpPr>
+          <p:cNvPr id="8" name="CuadroTexto 7">
+            <a:extLst>
+              <a:ext uri="{FF2B5EF4-FFF2-40B4-BE49-F238E27FC236}">
+                <a16:creationId xmlns:a16="http://schemas.microsoft.com/office/drawing/2014/main" id="{44BAF2EA-92D2-4C06-913F-695F25D25C19}"/>
+              </a:ext>
+            </a:extLst>
+          </p:cNvPr>
+          <p:cNvSpPr txBox="1"/>
+          <p:nvPr/>
+        </p:nvSpPr>
+        <p:spPr>
+          <a:xfrm>
+            <a:off x="661209" y="3430463"/>
+            <a:ext cx="7848871" cy="2769989"/>
+          </a:xfrm>
+          <a:prstGeom prst="rect">
+            <a:avLst/>
+          </a:prstGeom>
+          <a:noFill/>
+        </p:spPr>
+        <p:txBody>
+          <a:bodyPr wrap="square">
+            <a:spAutoFit/>
+          </a:bodyPr>
+          <a:lstStyle/>
+          <a:p>
+            <a:pPr algn="l"/>
+            <a:r>
+              <a:rPr lang="es-ES" b="0" i="0" dirty="0">
+                <a:solidFill>
+                  <a:srgbClr val="333333"/>
+                </a:solidFill>
+                <a:effectLst/>
+                <a:latin typeface="-apple-system"/>
+              </a:rPr>
+              <a:t>Su sintaxis es:</a:t>
+            </a:r>
+          </a:p>
+          <a:p>
+            <a:pPr algn="l"/>
+            <a:endParaRPr lang="es-ES" sz="1200" b="0" i="0" dirty="0">
+              <a:solidFill>
+                <a:srgbClr val="333333"/>
+              </a:solidFill>
+              <a:effectLst/>
+              <a:latin typeface="-apple-system"/>
+            </a:endParaRPr>
+          </a:p>
+          <a:p>
+            <a:pPr algn="l"/>
+            <a:r>
+              <a:rPr lang="en-US" b="1" dirty="0">
+                <a:solidFill>
+                  <a:schemeClr val="accent5">
+                    <a:lumMod val="75000"/>
+                  </a:schemeClr>
+                </a:solidFill>
+                <a:latin typeface="-apple-system"/>
+              </a:rPr>
+              <a:t>from </a:t>
+            </a:r>
+            <a:r>
+              <a:rPr lang="en-US" b="1" dirty="0" err="1">
+                <a:solidFill>
+                  <a:schemeClr val="accent5">
+                    <a:lumMod val="75000"/>
+                  </a:schemeClr>
+                </a:solidFill>
+                <a:latin typeface="-apple-system"/>
+              </a:rPr>
+              <a:t>functools</a:t>
+            </a:r>
+            <a:r>
+              <a:rPr lang="en-US" b="1" dirty="0">
+                <a:solidFill>
+                  <a:schemeClr val="accent5">
+                    <a:lumMod val="75000"/>
+                  </a:schemeClr>
+                </a:solidFill>
+                <a:latin typeface="-apple-system"/>
+              </a:rPr>
+              <a:t> import reduce </a:t>
+            </a:r>
+          </a:p>
+          <a:p>
+            <a:pPr algn="l"/>
+            <a:r>
+              <a:rPr lang="en-US" b="1" dirty="0">
+                <a:solidFill>
+                  <a:srgbClr val="FF0000"/>
+                </a:solidFill>
+                <a:latin typeface="-apple-system"/>
+              </a:rPr>
+              <a:t>reduce(function, </a:t>
+            </a:r>
+            <a:r>
+              <a:rPr lang="en-US" b="1" dirty="0" err="1">
+                <a:solidFill>
+                  <a:srgbClr val="FF0000"/>
+                </a:solidFill>
+                <a:latin typeface="-apple-system"/>
+              </a:rPr>
+              <a:t>iterables</a:t>
+            </a:r>
+            <a:r>
+              <a:rPr lang="en-US" b="1" dirty="0">
+                <a:solidFill>
+                  <a:srgbClr val="FF0000"/>
+                </a:solidFill>
+                <a:latin typeface="-apple-system"/>
+              </a:rPr>
+              <a:t>)</a:t>
+            </a:r>
+            <a:endParaRPr lang="es-ES" b="1" dirty="0">
+              <a:solidFill>
+                <a:srgbClr val="FF0000"/>
+              </a:solidFill>
+              <a:latin typeface="-apple-system"/>
+            </a:endParaRPr>
+          </a:p>
+          <a:p>
+            <a:pPr algn="l"/>
+            <a:endParaRPr lang="es-ES" sz="1200" b="0" i="0" dirty="0">
+              <a:solidFill>
+                <a:srgbClr val="333333"/>
+              </a:solidFill>
+              <a:effectLst/>
+              <a:latin typeface="-apple-system"/>
+            </a:endParaRPr>
+          </a:p>
+          <a:p>
+            <a:pPr marL="342900" indent="-342900" algn="just">
+              <a:buFont typeface="+mj-lt"/>
+              <a:buAutoNum type="arabicPeriod"/>
+            </a:pPr>
+            <a:r>
+              <a:rPr lang="es-ES" sz="1600" b="0" i="0" dirty="0">
+                <a:solidFill>
+                  <a:srgbClr val="333333"/>
+                </a:solidFill>
+                <a:effectLst/>
+                <a:latin typeface="-apple-system"/>
+              </a:rPr>
+              <a:t>Inicialmente, se llama a la función con los </a:t>
+            </a:r>
+            <a:r>
+              <a:rPr lang="es-ES" sz="1600" b="1" i="0" dirty="0">
+                <a:solidFill>
+                  <a:srgbClr val="333333"/>
+                </a:solidFill>
+                <a:effectLst/>
+                <a:latin typeface="-apple-system"/>
+              </a:rPr>
+              <a:t>dos primeros elementos </a:t>
+            </a:r>
+            <a:r>
+              <a:rPr lang="es-ES" sz="1600" b="0" i="0" dirty="0">
+                <a:solidFill>
+                  <a:srgbClr val="333333"/>
+                </a:solidFill>
+                <a:effectLst/>
+                <a:latin typeface="-apple-system"/>
+              </a:rPr>
+              <a:t>de la secuencia y se devuelve el resultado.</a:t>
+            </a:r>
+          </a:p>
+          <a:p>
+            <a:pPr marL="342900" indent="-342900" algn="just">
+              <a:buFont typeface="+mj-lt"/>
+              <a:buAutoNum type="arabicPeriod"/>
+            </a:pPr>
+            <a:r>
+              <a:rPr lang="es-ES" sz="1600" b="0" i="0" dirty="0">
+                <a:solidFill>
+                  <a:srgbClr val="333333"/>
+                </a:solidFill>
+                <a:effectLst/>
+                <a:latin typeface="-apple-system"/>
+              </a:rPr>
+              <a:t>A continuación, se vuelve a llamar a la función con el resultado obtenido en el paso 1 y el siguiente valor de la secuencia. Este proceso se repite hasta que hay elementos en la secuencia.</a:t>
+            </a:r>
+          </a:p>
+          <a:p>
+            <a:pPr marL="285750" indent="-285750" algn="just">
+              <a:buFont typeface="Arial" panose="020B0604020202020204" pitchFamily="34" charset="0"/>
+              <a:buChar char="•"/>
+            </a:pPr>
+            <a:endParaRPr lang="es-ES" sz="1600" b="0" i="0" dirty="0">
+              <a:solidFill>
+                <a:schemeClr val="tx1">
+                  <a:lumMod val="95000"/>
+                  <a:lumOff val="5000"/>
+                </a:schemeClr>
+              </a:solidFill>
+              <a:effectLst/>
+            </a:endParaRPr>
+          </a:p>
+        </p:txBody>
+      </p:sp>
+      <p:sp>
+        <p:nvSpPr>
+          <p:cNvPr id="9" name="CuadroTexto 8">
+            <a:extLst>
+              <a:ext uri="{FF2B5EF4-FFF2-40B4-BE49-F238E27FC236}">
+                <a16:creationId xmlns:a16="http://schemas.microsoft.com/office/drawing/2014/main" id="{A239008A-9C38-4889-8923-335098B91318}"/>
+              </a:ext>
+            </a:extLst>
+          </p:cNvPr>
+          <p:cNvSpPr txBox="1"/>
+          <p:nvPr/>
+        </p:nvSpPr>
+        <p:spPr>
+          <a:xfrm>
+            <a:off x="4572000" y="3395910"/>
+            <a:ext cx="4572000" cy="1077218"/>
+          </a:xfrm>
+          <a:prstGeom prst="rect">
+            <a:avLst/>
+          </a:prstGeom>
+          <a:noFill/>
+        </p:spPr>
+        <p:txBody>
+          <a:bodyPr wrap="square">
+            <a:spAutoFit/>
+          </a:bodyPr>
+          <a:lstStyle/>
+          <a:p>
+            <a:pPr algn="l" rtl="0"/>
+            <a:endParaRPr lang="es-ES" sz="1600" b="0" i="0" dirty="0">
+              <a:solidFill>
+                <a:srgbClr val="AAAAAA"/>
+              </a:solidFill>
+              <a:effectLst/>
+              <a:latin typeface="Source Code Pro" panose="020B0509030403020204" pitchFamily="49" charset="0"/>
+            </a:endParaRPr>
+          </a:p>
+          <a:p>
+            <a:pPr algn="l" rtl="0"/>
+            <a:r>
+              <a:rPr lang="es-ES" sz="1600" b="1" i="0" dirty="0">
+                <a:solidFill>
+                  <a:srgbClr val="000000"/>
+                </a:solidFill>
+                <a:effectLst/>
+                <a:latin typeface="inherit"/>
+              </a:rPr>
+              <a:t>enteros </a:t>
+            </a:r>
+            <a:r>
+              <a:rPr lang="es-ES" sz="1600" b="0" i="0" dirty="0">
+                <a:solidFill>
+                  <a:srgbClr val="000000"/>
+                </a:solidFill>
+                <a:effectLst/>
+                <a:latin typeface="inherit"/>
+              </a:rPr>
+              <a:t>= </a:t>
+            </a:r>
+            <a:r>
+              <a:rPr lang="es-ES" sz="1600" b="0" i="0" dirty="0">
+                <a:solidFill>
+                  <a:srgbClr val="444444"/>
+                </a:solidFill>
+                <a:effectLst/>
+                <a:latin typeface="inherit"/>
+              </a:rPr>
+              <a:t>[</a:t>
+            </a:r>
+            <a:r>
+              <a:rPr lang="es-ES" sz="1600" b="0" i="0" dirty="0">
+                <a:solidFill>
+                  <a:srgbClr val="D53AA9"/>
+                </a:solidFill>
+                <a:effectLst/>
+                <a:latin typeface="inherit"/>
+              </a:rPr>
+              <a:t>1</a:t>
+            </a:r>
+            <a:r>
+              <a:rPr lang="es-ES" sz="1600" b="0" i="0" dirty="0">
+                <a:solidFill>
+                  <a:srgbClr val="000000"/>
+                </a:solidFill>
+                <a:effectLst/>
+                <a:latin typeface="inherit"/>
+              </a:rPr>
+              <a:t>, </a:t>
+            </a:r>
+            <a:r>
+              <a:rPr lang="es-ES" sz="1600" b="0" i="0" dirty="0">
+                <a:solidFill>
+                  <a:srgbClr val="D53AA9"/>
+                </a:solidFill>
+                <a:effectLst/>
+                <a:latin typeface="inherit"/>
+              </a:rPr>
+              <a:t>2</a:t>
+            </a:r>
+            <a:r>
+              <a:rPr lang="es-ES" sz="1600" b="0" i="0" dirty="0">
+                <a:solidFill>
+                  <a:srgbClr val="000000"/>
+                </a:solidFill>
+                <a:effectLst/>
+                <a:latin typeface="inherit"/>
+              </a:rPr>
+              <a:t>, </a:t>
+            </a:r>
+            <a:r>
+              <a:rPr lang="es-ES" sz="1600" b="0" i="0" dirty="0">
+                <a:solidFill>
+                  <a:srgbClr val="D53AA9"/>
+                </a:solidFill>
+                <a:effectLst/>
+                <a:latin typeface="inherit"/>
+              </a:rPr>
+              <a:t>3</a:t>
+            </a:r>
+            <a:r>
+              <a:rPr lang="es-ES" sz="1600" b="0" i="0" dirty="0">
+                <a:solidFill>
+                  <a:srgbClr val="000000"/>
+                </a:solidFill>
+                <a:effectLst/>
+                <a:latin typeface="inherit"/>
+              </a:rPr>
+              <a:t>, </a:t>
+            </a:r>
+            <a:r>
+              <a:rPr lang="es-ES" sz="1600" b="0" i="0" dirty="0">
+                <a:solidFill>
+                  <a:srgbClr val="D53AA9"/>
+                </a:solidFill>
+                <a:effectLst/>
+                <a:latin typeface="inherit"/>
+              </a:rPr>
+              <a:t>4</a:t>
+            </a:r>
+            <a:r>
+              <a:rPr lang="es-ES" sz="1600" b="0" i="0" dirty="0">
+                <a:solidFill>
+                  <a:srgbClr val="000000"/>
+                </a:solidFill>
+                <a:effectLst/>
+                <a:latin typeface="inherit"/>
+              </a:rPr>
+              <a:t>, </a:t>
+            </a:r>
+            <a:r>
+              <a:rPr lang="es-ES" sz="1600" b="0" i="0" dirty="0">
+                <a:solidFill>
+                  <a:srgbClr val="D53AA9"/>
+                </a:solidFill>
+                <a:effectLst/>
+                <a:latin typeface="inherit"/>
+              </a:rPr>
+              <a:t>5</a:t>
+            </a:r>
+            <a:r>
+              <a:rPr lang="es-ES" sz="1600" b="0" i="0" dirty="0">
+                <a:solidFill>
+                  <a:srgbClr val="444444"/>
+                </a:solidFill>
+                <a:effectLst/>
+                <a:latin typeface="inherit"/>
+              </a:rPr>
+              <a:t>]</a:t>
+            </a:r>
+            <a:endParaRPr lang="es-ES" sz="1600" b="0" i="0" dirty="0">
+              <a:solidFill>
+                <a:srgbClr val="AAAAAA"/>
+              </a:solidFill>
+              <a:effectLst/>
+              <a:latin typeface="Source Code Pro" panose="020B0509030403020204" pitchFamily="49" charset="0"/>
+            </a:endParaRPr>
+          </a:p>
+          <a:p>
+            <a:pPr algn="l" rtl="0"/>
+            <a:r>
+              <a:rPr lang="es-ES" sz="1600" b="0" i="0" dirty="0" err="1">
+                <a:solidFill>
+                  <a:srgbClr val="000000"/>
+                </a:solidFill>
+                <a:effectLst/>
+                <a:latin typeface="inherit"/>
+              </a:rPr>
+              <a:t>sumcum</a:t>
+            </a:r>
+            <a:r>
+              <a:rPr lang="es-ES" sz="1600" b="0" i="0" dirty="0">
+                <a:solidFill>
+                  <a:srgbClr val="000000"/>
+                </a:solidFill>
+                <a:effectLst/>
+                <a:latin typeface="inherit"/>
+              </a:rPr>
+              <a:t> = </a:t>
+            </a:r>
+            <a:r>
+              <a:rPr lang="es-ES" sz="1600" b="0" i="0" dirty="0">
+                <a:solidFill>
+                  <a:srgbClr val="404247"/>
+                </a:solidFill>
+                <a:effectLst/>
+                <a:latin typeface="inherit"/>
+              </a:rPr>
+              <a:t>reduce</a:t>
+            </a:r>
+            <a:r>
+              <a:rPr lang="es-ES" sz="1600" b="0" i="0" dirty="0">
+                <a:solidFill>
+                  <a:srgbClr val="444444"/>
+                </a:solidFill>
+                <a:effectLst/>
+                <a:latin typeface="inherit"/>
+              </a:rPr>
+              <a:t>(</a:t>
+            </a:r>
+            <a:r>
+              <a:rPr lang="es-ES" sz="1600" b="1" i="0" dirty="0">
+                <a:solidFill>
+                  <a:srgbClr val="066DA1"/>
+                </a:solidFill>
+                <a:effectLst/>
+                <a:latin typeface="inherit"/>
+              </a:rPr>
+              <a:t>lambda</a:t>
+            </a:r>
+            <a:r>
+              <a:rPr lang="es-ES" sz="1600" b="0" i="0" dirty="0">
+                <a:solidFill>
+                  <a:srgbClr val="000000"/>
+                </a:solidFill>
+                <a:effectLst/>
+                <a:latin typeface="inherit"/>
+              </a:rPr>
+              <a:t> a, b: </a:t>
+            </a:r>
+            <a:r>
+              <a:rPr lang="es-ES" sz="1600" b="0" i="0" dirty="0" err="1">
+                <a:solidFill>
+                  <a:srgbClr val="000000"/>
+                </a:solidFill>
+                <a:effectLst/>
+                <a:latin typeface="inherit"/>
+              </a:rPr>
+              <a:t>a+b</a:t>
+            </a:r>
+            <a:r>
+              <a:rPr lang="es-ES" sz="1600" b="0" i="0" dirty="0">
+                <a:solidFill>
+                  <a:srgbClr val="000000"/>
+                </a:solidFill>
+                <a:effectLst/>
+                <a:latin typeface="inherit"/>
+              </a:rPr>
+              <a:t>, </a:t>
+            </a:r>
+            <a:r>
+              <a:rPr lang="es-ES" sz="1600" b="1" i="0" dirty="0">
+                <a:solidFill>
+                  <a:srgbClr val="000000"/>
+                </a:solidFill>
+                <a:effectLst/>
+                <a:latin typeface="inherit"/>
+              </a:rPr>
+              <a:t>enteros</a:t>
+            </a:r>
+            <a:r>
+              <a:rPr lang="es-ES" sz="1600" b="0" i="0" dirty="0">
+                <a:solidFill>
+                  <a:srgbClr val="444444"/>
+                </a:solidFill>
+                <a:effectLst/>
+                <a:latin typeface="inherit"/>
+              </a:rPr>
+              <a:t>)</a:t>
+            </a:r>
+            <a:endParaRPr lang="es-ES" sz="1600" b="0" i="0" dirty="0">
+              <a:solidFill>
+                <a:srgbClr val="AAAAAA"/>
+              </a:solidFill>
+              <a:effectLst/>
+              <a:latin typeface="Source Code Pro" panose="020B0509030403020204" pitchFamily="49" charset="0"/>
+            </a:endParaRPr>
+          </a:p>
+          <a:p>
+            <a:pPr algn="l" rtl="0"/>
+            <a:r>
+              <a:rPr lang="es-ES" sz="1600" b="0" i="0" dirty="0" err="1">
+                <a:solidFill>
+                  <a:srgbClr val="404247"/>
+                </a:solidFill>
+                <a:effectLst/>
+                <a:latin typeface="inherit"/>
+              </a:rPr>
+              <a:t>print</a:t>
+            </a:r>
+            <a:r>
+              <a:rPr lang="es-ES" sz="1600" b="0" i="0" dirty="0">
+                <a:solidFill>
+                  <a:srgbClr val="444444"/>
+                </a:solidFill>
+                <a:effectLst/>
+                <a:latin typeface="inherit"/>
+              </a:rPr>
+              <a:t>(</a:t>
+            </a:r>
+            <a:r>
+              <a:rPr lang="es-ES" sz="1600" b="0" i="0" dirty="0" err="1">
+                <a:solidFill>
+                  <a:srgbClr val="000000"/>
+                </a:solidFill>
+                <a:effectLst/>
+                <a:latin typeface="inherit"/>
+              </a:rPr>
+              <a:t>sumcum</a:t>
+            </a:r>
+            <a:r>
+              <a:rPr lang="es-ES" sz="1600" b="0" i="0" dirty="0">
+                <a:solidFill>
+                  <a:srgbClr val="444444"/>
+                </a:solidFill>
+                <a:effectLst/>
+                <a:latin typeface="inherit"/>
+              </a:rPr>
+              <a:t>)</a:t>
+            </a:r>
+            <a:endParaRPr lang="es-ES" sz="1600" b="0" i="0" dirty="0">
+              <a:solidFill>
+                <a:srgbClr val="333333"/>
+              </a:solidFill>
+              <a:effectLst/>
+              <a:latin typeface="-apple-system"/>
+            </a:endParaRPr>
+          </a:p>
+        </p:txBody>
+      </p:sp>
+      <p:pic>
+        <p:nvPicPr>
+          <p:cNvPr id="4" name="Imagen 3">
+            <a:extLst>
+              <a:ext uri="{FF2B5EF4-FFF2-40B4-BE49-F238E27FC236}">
+                <a16:creationId xmlns:a16="http://schemas.microsoft.com/office/drawing/2014/main" id="{103C2CB2-E1F1-4C85-A75B-E6F91E84F7F1}"/>
+              </a:ext>
+            </a:extLst>
+          </p:cNvPr>
+          <p:cNvPicPr>
+            <a:picLocks noChangeAspect="1"/>
+          </p:cNvPicPr>
+          <p:nvPr/>
+        </p:nvPicPr>
+        <p:blipFill>
+          <a:blip r:embed="rId3"/>
+          <a:stretch>
+            <a:fillRect/>
+          </a:stretch>
+        </p:blipFill>
+        <p:spPr>
+          <a:xfrm>
+            <a:off x="7529249" y="1766011"/>
+            <a:ext cx="929555" cy="1203377"/>
+          </a:xfrm>
+          <a:prstGeom prst="rect">
+            <a:avLst/>
+          </a:prstGeom>
+        </p:spPr>
+      </p:pic>
+      <p:sp>
+        <p:nvSpPr>
+          <p:cNvPr id="11" name="CuadroTexto 10">
+            <a:extLst>
+              <a:ext uri="{FF2B5EF4-FFF2-40B4-BE49-F238E27FC236}">
+                <a16:creationId xmlns:a16="http://schemas.microsoft.com/office/drawing/2014/main" id="{BEB3E6D9-E325-468C-8A7B-3A77FC5D2E9F}"/>
+              </a:ext>
+            </a:extLst>
+          </p:cNvPr>
+          <p:cNvSpPr txBox="1"/>
+          <p:nvPr/>
+        </p:nvSpPr>
+        <p:spPr>
+          <a:xfrm>
+            <a:off x="652817" y="1705981"/>
+            <a:ext cx="6727495" cy="1569660"/>
+          </a:xfrm>
+          <a:prstGeom prst="rect">
+            <a:avLst/>
+          </a:prstGeom>
+          <a:noFill/>
+        </p:spPr>
+        <p:txBody>
+          <a:bodyPr wrap="square">
+            <a:spAutoFit/>
+          </a:bodyPr>
+          <a:lstStyle/>
+          <a:p>
+            <a:pPr algn="just"/>
+            <a:r>
+              <a:rPr lang="es-ES" sz="1600" dirty="0">
+                <a:solidFill>
+                  <a:srgbClr val="333333"/>
+                </a:solidFill>
+                <a:latin typeface="-apple-system"/>
+              </a:rPr>
+              <a:t>La función </a:t>
+            </a:r>
+            <a:r>
+              <a:rPr lang="es-ES" sz="1600" b="1" dirty="0">
+                <a:solidFill>
+                  <a:srgbClr val="FF0000"/>
+                </a:solidFill>
+                <a:latin typeface="-apple-system"/>
+              </a:rPr>
+              <a:t>reduce() </a:t>
+            </a:r>
+            <a:r>
+              <a:rPr lang="es-ES" sz="1600" dirty="0">
+                <a:solidFill>
+                  <a:srgbClr val="333333"/>
+                </a:solidFill>
+                <a:latin typeface="-apple-system"/>
+              </a:rPr>
+              <a:t>aplica una función a un iterable, ejecutándose de manera reiterada y de izquierda a derecha, sobre </a:t>
+            </a:r>
+            <a:r>
+              <a:rPr lang="es-ES" sz="1600" b="1" dirty="0">
+                <a:solidFill>
+                  <a:srgbClr val="333333"/>
+                </a:solidFill>
+                <a:latin typeface="-apple-system"/>
+              </a:rPr>
+              <a:t>pares de elementos </a:t>
+            </a:r>
+            <a:r>
+              <a:rPr lang="es-ES" sz="1600" dirty="0">
+                <a:solidFill>
+                  <a:srgbClr val="333333"/>
+                </a:solidFill>
+                <a:latin typeface="-apple-system"/>
+              </a:rPr>
+              <a:t>hasta mostrar un único valor. Actúa ejecutando la función con los dos primeros valores del iterable (iterable[0] e iterable[1]) y, a partir de aquí, el resultado con el tercero; el resultado de lo anterior con el cuarto; el resultado de lo anterior con el quinto; y así sucesivamente hasta conseguir un único valor.</a:t>
+            </a:r>
+            <a:endParaRPr lang="es-MX" sz="1600" dirty="0">
+              <a:solidFill>
+                <a:srgbClr val="333333"/>
+              </a:solidFill>
+              <a:latin typeface="-apple-system"/>
+            </a:endParaRPr>
+          </a:p>
+        </p:txBody>
+      </p:sp>
+    </p:spTree>
+    <p:extLst>
+      <p:ext uri="{BB962C8B-B14F-4D97-AF65-F5344CB8AC3E}">
+        <p14:creationId xmlns:p14="http://schemas.microsoft.com/office/powerpoint/2010/main" val="3363412543"/>
+      </p:ext>
+    </p:extLst>
+  </p:cSld>
+  <p:clrMapOvr>
+    <a:masterClrMapping/>
+  </p:clrMapOvr>
+</p:sld>
+</file>
+
+<file path=ppt/slides/slide14.xml><?xml version="1.0" encoding="utf-8"?>
+<p:sld xmlns:a="http://schemas.openxmlformats.org/drawingml/2006/main" xmlns:r="http://schemas.openxmlformats.org/officeDocument/2006/relationships" xmlns:p="http://schemas.openxmlformats.org/presentationml/2006/main">
+  <p:cSld>
+    <p:spTree>
+      <p:nvGrpSpPr>
+        <p:cNvPr id="1" name=""/>
+        <p:cNvGrpSpPr/>
+        <p:nvPr/>
+      </p:nvGrpSpPr>
+      <p:grpSpPr>
+        <a:xfrm>
+          <a:off x="0" y="0"/>
+          <a:ext cx="0" cy="0"/>
+          <a:chOff x="0" y="0"/>
+          <a:chExt cx="0" cy="0"/>
+        </a:xfrm>
+      </p:grpSpPr>
+      <p:sp>
+        <p:nvSpPr>
+          <p:cNvPr id="184324" name="Rectangle 4"/>
+          <p:cNvSpPr>
+            <a:spLocks noGrp="1" noChangeArrowheads="1"/>
+          </p:cNvSpPr>
+          <p:nvPr>
+            <p:ph type="title"/>
+          </p:nvPr>
+        </p:nvSpPr>
+        <p:spPr>
+          <a:xfrm>
+            <a:off x="470845" y="23183"/>
+            <a:ext cx="8229600" cy="885537"/>
+          </a:xfrm>
+        </p:spPr>
+        <p:txBody>
+          <a:bodyPr>
+            <a:normAutofit/>
+          </a:bodyPr>
+          <a:lstStyle/>
+          <a:p>
+            <a:pPr eaLnBrk="1" hangingPunct="1">
+              <a:defRPr/>
+            </a:pPr>
+            <a:r>
+              <a:rPr lang="es-MX" sz="3600" b="1" dirty="0">
+                <a:solidFill>
+                  <a:schemeClr val="accent4">
+                    <a:lumMod val="50000"/>
+                  </a:schemeClr>
+                </a:solidFill>
+                <a:effectLst>
+                  <a:outerShdw blurRad="38100" dist="38100" dir="2700000" algn="tl">
+                    <a:srgbClr val="C0C0C0"/>
+                  </a:outerShdw>
+                </a:effectLst>
+                <a:latin typeface="Dom Casual" charset="0"/>
+              </a:rPr>
               <a:t>Función reduce</a:t>
             </a:r>
           </a:p>
@@ -4718,7 +8820,7 @@
         </p:nvSpPr>
         <p:spPr>
           <a:xfrm>
-            <a:off x="769221" y="1196752"/>
+            <a:off x="654217" y="1069482"/>
             <a:ext cx="7752875" cy="2492990"/>
           </a:xfrm>
           <a:prstGeom prst="rect">
@@ -4790,7 +8892,7 @@
                 <a:effectLst/>
                 <a:latin typeface="-apple-system"/>
               </a:rPr>
-              <a:t>.</a:t>
+              <a:t>. </a:t>
             </a:r>
           </a:p>
           <a:p>
@@ -5254,7 +9356,7 @@
         </p:nvSpPr>
         <p:spPr>
           <a:xfrm>
-            <a:off x="2195736" y="3790687"/>
+            <a:off x="576627" y="3697196"/>
             <a:ext cx="3888432" cy="400110"/>
           </a:xfrm>
           <a:prstGeom prst="rect">
@@ -5375,7 +9477,7 @@
         </p:nvSpPr>
         <p:spPr>
           <a:xfrm rot="16200000">
-            <a:off x="3923771" y="3459935"/>
+            <a:off x="2304662" y="3366444"/>
             <a:ext cx="235802" cy="1658485"/>
           </a:xfrm>
           <a:prstGeom prst="leftBrace">
@@ -5419,7 +9521,7 @@
         </p:nvSpPr>
         <p:spPr>
           <a:xfrm rot="16200000">
-            <a:off x="5287913" y="3923979"/>
+            <a:off x="3668804" y="3830488"/>
             <a:ext cx="246119" cy="720080"/>
           </a:xfrm>
           <a:prstGeom prst="leftBrace">
@@ -5463,7 +9565,7 @@
         </p:nvSpPr>
         <p:spPr>
           <a:xfrm>
-            <a:off x="3059832" y="4484796"/>
+            <a:off x="1440723" y="4391305"/>
             <a:ext cx="1800202" cy="369332"/>
           </a:xfrm>
           <a:prstGeom prst="rect">
@@ -5506,7 +9608,7 @@
         </p:nvSpPr>
         <p:spPr>
           <a:xfrm>
-            <a:off x="4788024" y="4493533"/>
+            <a:off x="3168915" y="4400042"/>
             <a:ext cx="1584178" cy="369332"/>
           </a:xfrm>
           <a:prstGeom prst="rect">
@@ -5557,7 +9659,7 @@
         </p:blipFill>
         <p:spPr>
           <a:xfrm>
-            <a:off x="790411" y="5148127"/>
+            <a:off x="654217" y="4917783"/>
             <a:ext cx="3194836" cy="1360847"/>
           </a:xfrm>
           <a:prstGeom prst="rect">
@@ -5587,7 +9689,7 @@
         </p:blipFill>
         <p:spPr>
           <a:xfrm>
-            <a:off x="7173344" y="4669462"/>
+            <a:off x="7009206" y="4917783"/>
             <a:ext cx="1228725" cy="1590675"/>
           </a:xfrm>
           <a:prstGeom prst="rect">
@@ -5595,6 +9697,191 @@
           </a:prstGeom>
         </p:spPr>
       </p:pic>
+      <p:sp>
+        <p:nvSpPr>
+          <p:cNvPr id="14" name="CuadroTexto 13">
+            <a:extLst>
+              <a:ext uri="{FF2B5EF4-FFF2-40B4-BE49-F238E27FC236}">
+                <a16:creationId xmlns:a16="http://schemas.microsoft.com/office/drawing/2014/main" id="{47448E24-1592-46E0-9BA8-673762ED9BCC}"/>
+              </a:ext>
+            </a:extLst>
+          </p:cNvPr>
+          <p:cNvSpPr txBox="1"/>
+          <p:nvPr/>
+        </p:nvSpPr>
+        <p:spPr>
+          <a:xfrm>
+            <a:off x="5078476" y="4035104"/>
+            <a:ext cx="3302024" cy="998607"/>
+          </a:xfrm>
+          <a:prstGeom prst="rect">
+            <a:avLst/>
+          </a:prstGeom>
+          <a:noFill/>
+        </p:spPr>
+        <p:txBody>
+          <a:bodyPr wrap="square">
+            <a:spAutoFit/>
+          </a:bodyPr>
+          <a:lstStyle/>
+          <a:p>
+            <a:pPr algn="just">
+              <a:lnSpc>
+                <a:spcPts val="1800"/>
+              </a:lnSpc>
+              <a:spcAft>
+                <a:spcPts val="1200"/>
+              </a:spcAft>
+            </a:pPr>
+            <a:r>
+              <a:rPr lang="es-ES" sz="1200" b="0" i="0" dirty="0">
+                <a:solidFill>
+                  <a:srgbClr val="333333"/>
+                </a:solidFill>
+                <a:effectLst/>
+              </a:rPr>
+              <a:t>La función calcula </a:t>
+            </a:r>
+            <a:r>
+              <a:rPr lang="es-ES" sz="1200" b="1" i="0" dirty="0">
+                <a:solidFill>
+                  <a:srgbClr val="333333"/>
+                </a:solidFill>
+                <a:effectLst/>
+              </a:rPr>
+              <a:t>(((((((1+2)+3)+4)+5)+6)+7)+8)</a:t>
+            </a:r>
+            <a:r>
+              <a:rPr lang="es-ES" sz="1200" b="0" i="0" dirty="0">
+                <a:solidFill>
+                  <a:srgbClr val="333333"/>
+                </a:solidFill>
+                <a:effectLst/>
+              </a:rPr>
+              <a:t>. El argumento de la izquierda: </a:t>
+            </a:r>
+            <a:r>
+              <a:rPr lang="es-ES" sz="1200" b="1" i="0" dirty="0">
+                <a:solidFill>
+                  <a:srgbClr val="333333"/>
+                </a:solidFill>
+                <a:effectLst/>
+              </a:rPr>
+              <a:t>a</a:t>
+            </a:r>
+            <a:r>
+              <a:rPr lang="es-ES" sz="1200" b="0" i="0" dirty="0">
+                <a:solidFill>
+                  <a:srgbClr val="333333"/>
+                </a:solidFill>
+                <a:effectLst/>
+              </a:rPr>
+              <a:t>, es el valor </a:t>
+            </a:r>
+            <a:r>
+              <a:rPr lang="es-ES" sz="1200" b="1" i="0" dirty="0">
+                <a:solidFill>
+                  <a:srgbClr val="333333"/>
+                </a:solidFill>
+                <a:effectLst/>
+              </a:rPr>
+              <a:t>acumulado</a:t>
+            </a:r>
+            <a:r>
+              <a:rPr lang="es-ES" sz="1200" b="0" i="0" dirty="0">
+                <a:solidFill>
+                  <a:srgbClr val="333333"/>
+                </a:solidFill>
+                <a:effectLst/>
+              </a:rPr>
+              <a:t> y el de la derecha, </a:t>
+            </a:r>
+            <a:r>
+              <a:rPr lang="es-ES" sz="1200" b="1" i="0" dirty="0">
+                <a:solidFill>
+                  <a:srgbClr val="333333"/>
+                </a:solidFill>
+                <a:effectLst/>
+              </a:rPr>
+              <a:t>b</a:t>
+            </a:r>
+            <a:r>
+              <a:rPr lang="es-ES" sz="1200" b="0" i="0" dirty="0">
+                <a:solidFill>
+                  <a:srgbClr val="333333"/>
+                </a:solidFill>
+                <a:effectLst/>
+              </a:rPr>
+              <a:t>, es el valor de actualización del iterable. </a:t>
+            </a:r>
+          </a:p>
+        </p:txBody>
+      </p:sp>
+      <p:sp>
+        <p:nvSpPr>
+          <p:cNvPr id="15" name="CuadroTexto 14">
+            <a:extLst>
+              <a:ext uri="{FF2B5EF4-FFF2-40B4-BE49-F238E27FC236}">
+                <a16:creationId xmlns:a16="http://schemas.microsoft.com/office/drawing/2014/main" id="{35A7C6B3-573A-4827-9EA1-8ACFDCAB0376}"/>
+              </a:ext>
+            </a:extLst>
+          </p:cNvPr>
+          <p:cNvSpPr txBox="1"/>
+          <p:nvPr/>
+        </p:nvSpPr>
+        <p:spPr>
+          <a:xfrm>
+            <a:off x="5094565" y="2294977"/>
+            <a:ext cx="3285935" cy="1691104"/>
+          </a:xfrm>
+          <a:prstGeom prst="rect">
+            <a:avLst/>
+          </a:prstGeom>
+          <a:noFill/>
+        </p:spPr>
+        <p:txBody>
+          <a:bodyPr wrap="square">
+            <a:spAutoFit/>
+          </a:bodyPr>
+          <a:lstStyle/>
+          <a:p>
+            <a:pPr algn="just">
+              <a:lnSpc>
+                <a:spcPts val="1800"/>
+              </a:lnSpc>
+            </a:pPr>
+            <a:r>
+              <a:rPr lang="es-ES" sz="1200" dirty="0">
+                <a:solidFill>
+                  <a:srgbClr val="333333"/>
+                </a:solidFill>
+              </a:rPr>
+              <a:t>La función </a:t>
+            </a:r>
+            <a:r>
+              <a:rPr lang="es-ES" sz="1200" b="1" dirty="0">
+                <a:solidFill>
+                  <a:srgbClr val="FF0000"/>
+                </a:solidFill>
+              </a:rPr>
+              <a:t>reduce() </a:t>
+            </a:r>
+            <a:r>
+              <a:rPr lang="es-ES" sz="1200" dirty="0">
+                <a:solidFill>
+                  <a:srgbClr val="333333"/>
+                </a:solidFill>
+              </a:rPr>
+              <a:t>actúa ejecutando la función con los dos primeros valores del iterable (iterable[0] e iterable[1]) y, a partir de aquí, el resultado con el tercero; el resultado de lo anterior con el cuarto; el resultado de lo anterior con el quinto; y así sucesivamente hasta conseguir un único valor.</a:t>
+            </a:r>
+            <a:endParaRPr lang="es-MX" sz="1200" dirty="0">
+              <a:solidFill>
+                <a:srgbClr val="333333"/>
+              </a:solidFill>
+            </a:endParaRPr>
+          </a:p>
+        </p:txBody>
+      </p:sp>
     </p:spTree>
     <p:extLst>
       <p:ext uri="{BB962C8B-B14F-4D97-AF65-F5344CB8AC3E}">
@@ -5608,7 +9895,7 @@
 </p:sld>
 </file>
 
-<file path=ppt/slides/slide11.xml><?xml version="1.0" encoding="utf-8"?>
+<file path=ppt/slides/slide15.xml><?xml version="1.0" encoding="utf-8"?>
 <p:sld xmlns:a="http://schemas.openxmlformats.org/drawingml/2006/main" xmlns:r="http://schemas.openxmlformats.org/officeDocument/2006/relationships" xmlns:p="http://schemas.openxmlformats.org/presentationml/2006/main">
   <p:cSld>
     <p:spTree>
@@ -6832,7 +11119,7 @@
                 <a:cs typeface="Calibri"/>
               </a:rPr>
               <a:pPr marL="25400"/>
-              <a:t>11</a:t>
+              <a:t>15</a:t>
             </a:fld>
             <a:endParaRPr dirty="0">
               <a:latin typeface="Calibri"/>
@@ -8302,7 +12589,7 @@
         <p:spPr>
           <a:xfrm>
             <a:off x="755576" y="2060848"/>
-            <a:ext cx="7632848" cy="2277547"/>
+            <a:ext cx="7632848" cy="1754326"/>
           </a:xfrm>
           <a:prstGeom prst="rect">
             <a:avLst/>
@@ -8342,7 +12629,7 @@
             <a:r>
               <a:rPr lang="es-ES" b="1" i="0" dirty="0" err="1">
                 <a:solidFill>
-                  <a:srgbClr val="333333"/>
+                  <a:srgbClr val="FF0000"/>
                 </a:solidFill>
                 <a:effectLst/>
                 <a:latin typeface="-apple-system"/>
@@ -8352,7 +12639,7 @@
             <a:r>
               <a:rPr lang="es-ES" b="1" i="0" dirty="0">
                 <a:solidFill>
-                  <a:srgbClr val="333333"/>
+                  <a:srgbClr val="FF0000"/>
                 </a:solidFill>
                 <a:effectLst/>
                 <a:latin typeface="-apple-system"/>
@@ -8362,7 +12649,7 @@
             <a:r>
               <a:rPr lang="es-ES" b="1" i="0" dirty="0" err="1">
                 <a:solidFill>
-                  <a:srgbClr val="333333"/>
+                  <a:srgbClr val="FF0000"/>
                 </a:solidFill>
                 <a:effectLst/>
                 <a:latin typeface="-apple-system"/>
@@ -8372,7 +12659,7 @@
             <a:r>
               <a:rPr lang="es-ES" b="1" i="0" dirty="0">
                 <a:solidFill>
-                  <a:srgbClr val="333333"/>
+                  <a:srgbClr val="FF0000"/>
                 </a:solidFill>
                 <a:effectLst/>
                 <a:latin typeface="-apple-system"/>
@@ -8444,18 +12731,6 @@
               </a:rPr>
               <a:t> de Python</a:t>
             </a:r>
-          </a:p>
-          <a:p>
-            <a:pPr algn="l"/>
-            <a:endParaRPr lang="es-ES" u="none" strike="noStrike" dirty="0">
-              <a:solidFill>
-                <a:srgbClr val="333333"/>
-              </a:solidFill>
-              <a:latin typeface="-apple-system"/>
-            </a:endParaRPr>
-          </a:p>
-          <a:p>
-            <a:pPr algn="l"/>
             <a:endParaRPr lang="es-ES" sz="1600" b="0" i="0" dirty="0">
               <a:solidFill>
                 <a:schemeClr val="tx1">
@@ -8929,9 +13204,9 @@
               <a:t>(</a:t>
             </a:r>
             <a:r>
-              <a:rPr lang="es-ES" b="0" i="0" dirty="0" err="1">
-                <a:solidFill>
-                  <a:srgbClr val="404247"/>
+              <a:rPr lang="es-ES" b="1" i="0" dirty="0" err="1">
+                <a:solidFill>
+                  <a:srgbClr val="FF0000"/>
                 </a:solidFill>
                 <a:effectLst/>
                 <a:latin typeface="inherit"/>
@@ -10051,7 +14326,7 @@
             <a:r>
               <a:rPr lang="es-ES" b="1" i="0" dirty="0" err="1">
                 <a:solidFill>
-                  <a:srgbClr val="333333"/>
+                  <a:srgbClr val="FF0000"/>
                 </a:solidFill>
                 <a:effectLst/>
                 <a:latin typeface="-apple-system"/>
@@ -10061,7 +14336,7 @@
             <a:r>
               <a:rPr lang="es-ES" b="1" i="0" dirty="0">
                 <a:solidFill>
-                  <a:srgbClr val="333333"/>
+                  <a:srgbClr val="FF0000"/>
                 </a:solidFill>
                 <a:effectLst/>
                 <a:latin typeface="-apple-system"/>
@@ -10071,7 +14346,7 @@
             <a:r>
               <a:rPr lang="es-ES" b="1" i="0" dirty="0" err="1">
                 <a:solidFill>
-                  <a:srgbClr val="333333"/>
+                  <a:srgbClr val="FF0000"/>
                 </a:solidFill>
                 <a:effectLst/>
                 <a:latin typeface="-apple-system"/>
@@ -10081,7 +14356,7 @@
             <a:r>
               <a:rPr lang="es-ES" b="1" i="0" dirty="0">
                 <a:solidFill>
-                  <a:srgbClr val="333333"/>
+                  <a:srgbClr val="FF0000"/>
                 </a:solidFill>
                 <a:effectLst/>
                 <a:latin typeface="-apple-system"/>
@@ -10537,7 +14812,27 @@
                 <a:effectLst/>
                 <a:latin typeface="-apple-system"/>
               </a:rPr>
-              <a:t>A partir de una lista de números enteros, transformar dicha lista creando un objeto nuevo, que contenga todos los elementos de la misma elevados al cubo.</a:t>
+              <a:t>A partir de una lista de números enteros, </a:t>
+            </a:r>
+            <a:r>
+              <a:rPr lang="es-ES" b="1" i="0" dirty="0">
+                <a:solidFill>
+                  <a:srgbClr val="FF0000"/>
+                </a:solidFill>
+                <a:effectLst/>
+                <a:latin typeface="-apple-system"/>
+              </a:rPr>
+              <a:t>transformar dicha lista </a:t>
+            </a:r>
+            <a:r>
+              <a:rPr lang="es-ES" b="0" i="0" dirty="0">
+                <a:solidFill>
+                  <a:srgbClr val="333333"/>
+                </a:solidFill>
+                <a:effectLst/>
+                <a:latin typeface="-apple-system"/>
+              </a:rPr>
+              <a:t>creando un objeto nuevo, que contenga todos los elementos de la misma elevados al cubo.</a:t>
             </a:r>
           </a:p>
           <a:p>
@@ -11298,60 +15593,36 @@
                 </a:effectLst>
                 <a:latin typeface="Dom Casual" charset="0"/>
               </a:rPr>
-              <a:t>Función reduce</a:t>
-            </a:r>
-          </a:p>
-        </p:txBody>
-      </p:sp>
-      <p:sp>
-        <p:nvSpPr>
-          <p:cNvPr id="10" name="CuadroTexto 9">
-            <a:extLst>
-              <a:ext uri="{FF2B5EF4-FFF2-40B4-BE49-F238E27FC236}">
-                <a16:creationId xmlns:a16="http://schemas.microsoft.com/office/drawing/2014/main" id="{28D7FAFF-9722-4D6A-9DE5-55FC738D0886}"/>
-              </a:ext>
-            </a:extLst>
-          </p:cNvPr>
-          <p:cNvSpPr txBox="1"/>
-          <p:nvPr/>
-        </p:nvSpPr>
-        <p:spPr>
-          <a:xfrm>
-            <a:off x="769221" y="766445"/>
-            <a:ext cx="7632848" cy="646331"/>
-          </a:xfrm>
-          <a:prstGeom prst="rect">
-            <a:avLst/>
-          </a:prstGeom>
-          <a:noFill/>
-        </p:spPr>
-        <p:txBody>
-          <a:bodyPr wrap="square">
-            <a:spAutoFit/>
-          </a:bodyPr>
-          <a:lstStyle/>
-          <a:p>
-            <a:pPr algn="ctr"/>
-            <a:r>
-              <a:rPr lang="es-ES" b="1" i="0" dirty="0">
-                <a:solidFill>
-                  <a:schemeClr val="accent6">
-                    <a:lumMod val="75000"/>
+              <a:t>Función </a:t>
+            </a:r>
+            <a:r>
+              <a:rPr lang="es-MX" sz="3600" b="1" dirty="0" err="1">
+                <a:solidFill>
+                  <a:schemeClr val="accent4">
+                    <a:lumMod val="50000"/>
                   </a:schemeClr>
                 </a:solidFill>
-                <a:effectLst/>
-                <a:latin typeface="-apple-system"/>
-              </a:rPr>
-              <a:t>La función reduce()  acepta una función y una secuencia y devuelve un único valor calculado.</a:t>
-            </a:r>
-            <a:endParaRPr lang="es-ES" sz="1600" b="0" i="0" dirty="0">
+                <a:effectLst>
+                  <a:outerShdw blurRad="38100" dist="38100" dir="2700000" algn="tl">
+                    <a:srgbClr val="C0C0C0"/>
+                  </a:outerShdw>
+                </a:effectLst>
+                <a:latin typeface="Dom Casual" charset="0"/>
+              </a:rPr>
+              <a:t>map</a:t>
+            </a:r>
+            <a:endParaRPr lang="es-MX" sz="3600" b="1" dirty="0">
               <a:solidFill>
-                <a:schemeClr val="tx1">
-                  <a:lumMod val="95000"/>
-                  <a:lumOff val="5000"/>
+                <a:schemeClr val="accent4">
+                  <a:lumMod val="50000"/>
                 </a:schemeClr>
               </a:solidFill>
-              <a:effectLst/>
+              <a:effectLst>
+                <a:outerShdw blurRad="38100" dist="38100" dir="2700000" algn="tl">
+                  <a:srgbClr val="C0C0C0"/>
+                </a:outerShdw>
+              </a:effectLst>
+              <a:latin typeface="Dom Casual" charset="0"/>
             </a:endParaRPr>
           </a:p>
         </p:txBody>
@@ -11370,8 +15641,8 @@
         </p:nvSpPr>
         <p:spPr>
           <a:xfrm>
-            <a:off x="683567" y="1412776"/>
-            <a:ext cx="7848871" cy="2769989"/>
+            <a:off x="3253496" y="692696"/>
+            <a:ext cx="2664297" cy="369332"/>
           </a:xfrm>
           <a:prstGeom prst="rect">
             <a:avLst/>
@@ -11384,146 +15655,70 @@
           </a:bodyPr>
           <a:lstStyle/>
           <a:p>
-            <a:pPr algn="l"/>
-            <a:r>
-              <a:rPr lang="es-ES" b="0" i="0" dirty="0">
-                <a:solidFill>
-                  <a:srgbClr val="333333"/>
-                </a:solidFill>
-                <a:effectLst/>
+            <a:pPr algn="ctr"/>
+            <a:r>
+              <a:rPr lang="es-ES" b="1" dirty="0" err="1">
+                <a:solidFill>
+                  <a:schemeClr val="accent6">
+                    <a:lumMod val="75000"/>
+                  </a:schemeClr>
+                </a:solidFill>
                 <a:latin typeface="-apple-system"/>
               </a:rPr>
-              <a:t>Su sintaxis es:</a:t>
-            </a:r>
-          </a:p>
-          <a:p>
-            <a:pPr algn="l"/>
-            <a:endParaRPr lang="es-ES" sz="1200" b="0" i="0" dirty="0">
-              <a:solidFill>
-                <a:srgbClr val="333333"/>
-              </a:solidFill>
-              <a:effectLst/>
-              <a:latin typeface="-apple-system"/>
-            </a:endParaRPr>
-          </a:p>
-          <a:p>
-            <a:pPr algn="l"/>
-            <a:r>
-              <a:rPr lang="en-US" b="1" dirty="0">
-                <a:solidFill>
-                  <a:srgbClr val="333333"/>
-                </a:solidFill>
+              <a:t>m</a:t>
+            </a:r>
+            <a:r>
+              <a:rPr lang="es-ES" b="1" i="0" dirty="0" err="1">
+                <a:solidFill>
+                  <a:schemeClr val="accent6">
+                    <a:lumMod val="75000"/>
+                  </a:schemeClr>
+                </a:solidFill>
+                <a:effectLst/>
                 <a:latin typeface="-apple-system"/>
               </a:rPr>
-              <a:t>from </a:t>
-            </a:r>
-            <a:r>
-              <a:rPr lang="en-US" b="1" dirty="0" err="1">
-                <a:solidFill>
-                  <a:srgbClr val="333333"/>
-                </a:solidFill>
+              <a:t>ap</a:t>
+            </a:r>
+            <a:r>
+              <a:rPr lang="es-ES" b="1" i="0" dirty="0">
+                <a:solidFill>
+                  <a:schemeClr val="accent6">
+                    <a:lumMod val="75000"/>
+                  </a:schemeClr>
+                </a:solidFill>
+                <a:effectLst/>
                 <a:latin typeface="-apple-system"/>
               </a:rPr>
-              <a:t>functools</a:t>
-            </a:r>
-            <a:r>
-              <a:rPr lang="en-US" b="1" dirty="0">
-                <a:solidFill>
-                  <a:srgbClr val="333333"/>
-                </a:solidFill>
+              <a:t> (</a:t>
+            </a:r>
+            <a:r>
+              <a:rPr lang="es-ES" b="1" i="0" dirty="0" err="1">
+                <a:solidFill>
+                  <a:schemeClr val="accent6">
+                    <a:lumMod val="75000"/>
+                  </a:schemeClr>
+                </a:solidFill>
+                <a:effectLst/>
                 <a:latin typeface="-apple-system"/>
               </a:rPr>
-              <a:t> import reduce </a:t>
-            </a:r>
-          </a:p>
-          <a:p>
-            <a:pPr algn="l"/>
-            <a:r>
-              <a:rPr lang="en-US" b="1" dirty="0">
-                <a:solidFill>
-                  <a:srgbClr val="333333"/>
-                </a:solidFill>
+              <a:t>function</a:t>
+            </a:r>
+            <a:r>
+              <a:rPr lang="es-ES" b="1" i="0" dirty="0">
+                <a:solidFill>
+                  <a:schemeClr val="accent6">
+                    <a:lumMod val="75000"/>
+                  </a:schemeClr>
+                </a:solidFill>
+                <a:effectLst/>
                 <a:latin typeface="-apple-system"/>
               </a:rPr>
-              <a:t>reduce(function, </a:t>
-            </a:r>
-            <a:r>
-              <a:rPr lang="en-US" b="1" dirty="0" err="1">
-                <a:solidFill>
-                  <a:srgbClr val="333333"/>
-                </a:solidFill>
-                <a:latin typeface="-apple-system"/>
-              </a:rPr>
-              <a:t>iterables</a:t>
-            </a:r>
-            <a:r>
-              <a:rPr lang="en-US" b="1" dirty="0">
-                <a:solidFill>
-                  <a:srgbClr val="333333"/>
-                </a:solidFill>
-                <a:latin typeface="-apple-system"/>
-              </a:rPr>
-              <a:t>)</a:t>
-            </a:r>
-            <a:endParaRPr lang="es-ES" b="1" dirty="0">
-              <a:solidFill>
-                <a:srgbClr val="333333"/>
-              </a:solidFill>
-              <a:latin typeface="-apple-system"/>
-            </a:endParaRPr>
-          </a:p>
-          <a:p>
-            <a:pPr algn="l"/>
-            <a:endParaRPr lang="es-ES" sz="1200" b="0" i="0" dirty="0">
-              <a:solidFill>
-                <a:srgbClr val="333333"/>
-              </a:solidFill>
-              <a:effectLst/>
-              <a:latin typeface="-apple-system"/>
-            </a:endParaRPr>
-          </a:p>
-          <a:p>
-            <a:pPr marL="342900" indent="-342900" algn="just">
-              <a:buFont typeface="+mj-lt"/>
-              <a:buAutoNum type="arabicPeriod"/>
-            </a:pPr>
-            <a:r>
-              <a:rPr lang="es-ES" sz="1600" b="0" i="0" dirty="0">
-                <a:solidFill>
-                  <a:srgbClr val="333333"/>
-                </a:solidFill>
-                <a:effectLst/>
-                <a:latin typeface="-apple-system"/>
-              </a:rPr>
-              <a:t>Inicialmente, se llama a la función con los dos primeros elementos de la secuencia y se devuelve el resultado.</a:t>
-            </a:r>
-          </a:p>
-          <a:p>
-            <a:pPr marL="342900" indent="-342900" algn="just">
-              <a:buFont typeface="+mj-lt"/>
-              <a:buAutoNum type="arabicPeriod"/>
-            </a:pPr>
-            <a:r>
-              <a:rPr lang="es-ES" sz="1600" b="0" i="0" dirty="0">
-                <a:solidFill>
-                  <a:srgbClr val="333333"/>
-                </a:solidFill>
-                <a:effectLst/>
-                <a:latin typeface="-apple-system"/>
-              </a:rPr>
-              <a:t>A continuación, se vuelve a llamar a la función con el resultado obtenido en el paso 1 y el siguiente valor de la secuencia. Este proceso se repite hasta que hay elementos en la secuencia.</a:t>
-            </a:r>
-          </a:p>
-          <a:p>
-            <a:pPr marL="285750" indent="-285750" algn="just">
-              <a:buFont typeface="Arial" panose="020B0604020202020204" pitchFamily="34" charset="0"/>
-              <a:buChar char="•"/>
-            </a:pPr>
+              <a:t>, iterables)</a:t>
+            </a:r>
             <a:endParaRPr lang="es-ES" sz="1600" b="0" i="0" dirty="0">
               <a:solidFill>
-                <a:schemeClr val="tx1">
-                  <a:lumMod val="95000"/>
-                  <a:lumOff val="5000"/>
+                <a:schemeClr val="accent6">
+                  <a:lumMod val="75000"/>
                 </a:schemeClr>
               </a:solidFill>
               <a:effectLst/>
@@ -11533,10 +15728,10 @@
       </p:sp>
       <p:sp>
         <p:nvSpPr>
-          <p:cNvPr id="9" name="CuadroTexto 8">
+          <p:cNvPr id="7" name="CuadroTexto 6">
             <a:extLst>
               <a:ext uri="{FF2B5EF4-FFF2-40B4-BE49-F238E27FC236}">
-                <a16:creationId xmlns:a16="http://schemas.microsoft.com/office/drawing/2014/main" id="{A239008A-9C38-4889-8923-335098B91318}"/>
+                <a16:creationId xmlns:a16="http://schemas.microsoft.com/office/drawing/2014/main" id="{CD329BAA-6040-42E8-A28F-4731E85EABD0}"/>
               </a:ext>
             </a:extLst>
           </p:cNvPr>
@@ -11545,8 +15740,8 @@
         </p:nvSpPr>
         <p:spPr>
           <a:xfrm>
-            <a:off x="647564" y="4011595"/>
-            <a:ext cx="7848872" cy="2492990"/>
+            <a:off x="603115" y="5242041"/>
+            <a:ext cx="5359901" cy="646331"/>
           </a:xfrm>
           <a:prstGeom prst="rect">
             <a:avLst/>
@@ -11559,143 +15754,98 @@
           </a:bodyPr>
           <a:lstStyle/>
           <a:p>
-            <a:pPr algn="l">
-              <a:spcAft>
-                <a:spcPts val="1200"/>
-              </a:spcAft>
-            </a:pPr>
-            <a:r>
-              <a:rPr lang="es-ES" b="1" i="0" u="none" strike="noStrike" dirty="0">
-                <a:solidFill>
-                  <a:srgbClr val="111111"/>
-                </a:solidFill>
-                <a:effectLst/>
-                <a:latin typeface="-apple-system"/>
-              </a:rPr>
-              <a:t>Ejemplo:</a:t>
-            </a:r>
-          </a:p>
-          <a:p>
-            <a:pPr algn="just"/>
-            <a:r>
-              <a:rPr lang="es-ES" sz="1600" b="0" i="0" dirty="0">
-                <a:solidFill>
-                  <a:srgbClr val="333333"/>
-                </a:solidFill>
-                <a:effectLst/>
-                <a:latin typeface="-apple-system"/>
-              </a:rPr>
-              <a:t>A partir de una lista de números enteros realizar la suma acumulada de cada uno de los elementos que componen la lista usando la </a:t>
-            </a:r>
-            <a:r>
-              <a:rPr lang="es-ES" sz="1600" b="1" i="0" dirty="0">
-                <a:solidFill>
-                  <a:srgbClr val="333333"/>
-                </a:solidFill>
-                <a:effectLst/>
-                <a:latin typeface="-apple-system"/>
-              </a:rPr>
-              <a:t>función de orden superior </a:t>
-            </a:r>
-            <a:r>
-              <a:rPr lang="es-ES" sz="1600" b="1" i="0" dirty="0">
-                <a:solidFill>
-                  <a:schemeClr val="accent6">
-                    <a:lumMod val="75000"/>
-                  </a:schemeClr>
-                </a:solidFill>
-                <a:effectLst/>
-                <a:latin typeface="-apple-system"/>
-              </a:rPr>
-              <a:t>reduce()</a:t>
-            </a:r>
-            <a:r>
-              <a:rPr lang="es-ES" sz="1600" b="0" i="0" dirty="0">
-                <a:solidFill>
-                  <a:srgbClr val="333333"/>
-                </a:solidFill>
-                <a:effectLst/>
-                <a:latin typeface="-apple-system"/>
-              </a:rPr>
-              <a:t>.</a:t>
-            </a:r>
-          </a:p>
-          <a:p>
-            <a:pPr algn="just"/>
-            <a:endParaRPr lang="es-ES" sz="1600" b="0" i="0" dirty="0">
-              <a:solidFill>
-                <a:srgbClr val="333333"/>
-              </a:solidFill>
-              <a:effectLst/>
-              <a:latin typeface="-apple-system"/>
-            </a:endParaRPr>
-          </a:p>
-          <a:p>
             <a:pPr algn="l" rtl="0"/>
             <a:r>
-              <a:rPr lang="es-ES" sz="1600" b="1" i="0" dirty="0">
+              <a:rPr lang="es-ES" b="0" i="0" dirty="0">
+                <a:solidFill>
+                  <a:srgbClr val="000000"/>
+                </a:solidFill>
+                <a:effectLst/>
+                <a:latin typeface="inherit"/>
+              </a:rPr>
+              <a:t>lista2 = </a:t>
+            </a:r>
+            <a:r>
+              <a:rPr lang="es-ES" b="0" i="0" dirty="0" err="1">
+                <a:solidFill>
+                  <a:srgbClr val="404247"/>
+                </a:solidFill>
+                <a:effectLst/>
+                <a:latin typeface="inherit"/>
+              </a:rPr>
+              <a:t>list</a:t>
+            </a:r>
+            <a:r>
+              <a:rPr lang="es-ES" b="0" i="0" dirty="0">
+                <a:solidFill>
+                  <a:srgbClr val="444444"/>
+                </a:solidFill>
+                <a:effectLst/>
+                <a:latin typeface="inherit"/>
+              </a:rPr>
+              <a:t>( </a:t>
+            </a:r>
+            <a:r>
+              <a:rPr lang="es-ES" b="0" i="0" dirty="0" err="1">
+                <a:solidFill>
+                  <a:srgbClr val="404247"/>
+                </a:solidFill>
+                <a:effectLst/>
+                <a:latin typeface="inherit"/>
+              </a:rPr>
+              <a:t>map</a:t>
+            </a:r>
+            <a:r>
+              <a:rPr lang="es-ES" b="0" i="0" dirty="0">
+                <a:solidFill>
+                  <a:srgbClr val="444444"/>
+                </a:solidFill>
+                <a:effectLst/>
+                <a:latin typeface="inherit"/>
+              </a:rPr>
+              <a:t>(</a:t>
+            </a:r>
+            <a:r>
+              <a:rPr lang="es-ES" b="1" i="0" dirty="0">
                 <a:solidFill>
                   <a:srgbClr val="066DA1"/>
                 </a:solidFill>
                 <a:effectLst/>
                 <a:latin typeface="inherit"/>
               </a:rPr>
-              <a:t>from</a:t>
-            </a:r>
-            <a:r>
-              <a:rPr lang="es-ES" sz="1600" b="0" i="0" dirty="0">
+              <a:t>lambda</a:t>
+            </a:r>
+            <a:r>
+              <a:rPr lang="es-ES" b="0" i="0" dirty="0">
                 <a:solidFill>
                   <a:srgbClr val="000000"/>
                 </a:solidFill>
                 <a:effectLst/>
                 <a:latin typeface="inherit"/>
               </a:rPr>
-              <a:t> </a:t>
-            </a:r>
-            <a:r>
-              <a:rPr lang="es-ES" sz="1600" b="0" i="0" dirty="0" err="1">
+              <a:t> x, y: x*y, </a:t>
+            </a:r>
+            <a:r>
+              <a:rPr lang="es-ES" b="1" i="0" dirty="0">
                 <a:solidFill>
                   <a:srgbClr val="000000"/>
                 </a:solidFill>
                 <a:effectLst/>
                 <a:latin typeface="inherit"/>
               </a:rPr>
-              <a:t>functools</a:t>
-            </a:r>
-            <a:r>
-              <a:rPr lang="es-ES" sz="1600" b="0" i="0" dirty="0">
-                <a:solidFill>
-                  <a:srgbClr val="000000"/>
-                </a:solidFill>
-                <a:effectLst/>
-                <a:latin typeface="inherit"/>
-              </a:rPr>
-              <a:t> </a:t>
-            </a:r>
-            <a:r>
-              <a:rPr lang="es-ES" sz="1600" b="1" i="0" dirty="0" err="1">
-                <a:solidFill>
-                  <a:srgbClr val="066DA1"/>
-                </a:solidFill>
-                <a:effectLst/>
-                <a:latin typeface="inherit"/>
-              </a:rPr>
-              <a:t>import</a:t>
-            </a:r>
-            <a:r>
-              <a:rPr lang="es-ES" sz="1600" b="0" i="0" dirty="0">
-                <a:solidFill>
-                  <a:srgbClr val="000000"/>
-                </a:solidFill>
-                <a:effectLst/>
-                <a:latin typeface="inherit"/>
-              </a:rPr>
-              <a:t> reduce</a:t>
-            </a:r>
-          </a:p>
-          <a:p>
-            <a:pPr algn="l" rtl="0"/>
-            <a:endParaRPr lang="es-ES" sz="1600" b="0" i="0" dirty="0">
+              <a:t>lista, tupla</a:t>
+            </a:r>
+            <a:r>
+              <a:rPr lang="es-ES" b="0" i="0" dirty="0">
+                <a:solidFill>
+                  <a:srgbClr val="444444"/>
+                </a:solidFill>
+                <a:effectLst/>
+                <a:latin typeface="inherit"/>
+              </a:rPr>
+              <a:t>))</a:t>
+            </a:r>
+            <a:endParaRPr lang="es-ES" b="0" i="0" dirty="0">
               <a:solidFill>
                 <a:srgbClr val="AAAAAA"/>
               </a:solidFill>
@@ -11706,276 +15856,26 @@
           <a:p>
             <a:pPr algn="l" rtl="0"/>
             <a:r>
-              <a:rPr lang="es-ES" sz="1600" b="1" i="0" dirty="0">
-                <a:solidFill>
-                  <a:srgbClr val="000000"/>
-                </a:solidFill>
-                <a:effectLst/>
-                <a:latin typeface="inherit"/>
-              </a:rPr>
-              <a:t>enteros </a:t>
-            </a:r>
-            <a:r>
-              <a:rPr lang="es-ES" sz="1600" b="0" i="0" dirty="0">
-                <a:solidFill>
-                  <a:srgbClr val="000000"/>
-                </a:solidFill>
-                <a:effectLst/>
-                <a:latin typeface="inherit"/>
-              </a:rPr>
-              <a:t>= </a:t>
-            </a:r>
-            <a:r>
-              <a:rPr lang="es-ES" sz="1600" b="0" i="0" dirty="0">
+              <a:rPr lang="es-ES" b="0" i="0" dirty="0" err="1">
+                <a:solidFill>
+                  <a:srgbClr val="404247"/>
+                </a:solidFill>
+                <a:effectLst/>
+                <a:latin typeface="inherit"/>
+              </a:rPr>
+              <a:t>print</a:t>
+            </a:r>
+            <a:r>
+              <a:rPr lang="es-ES" b="0" i="0" dirty="0">
                 <a:solidFill>
                   <a:srgbClr val="444444"/>
                 </a:solidFill>
                 <a:effectLst/>
                 <a:latin typeface="inherit"/>
               </a:rPr>
-              <a:t>[</a:t>
-            </a:r>
-            <a:r>
-              <a:rPr lang="es-ES" sz="1600" b="0" i="0" dirty="0">
-                <a:solidFill>
-                  <a:srgbClr val="D53AA9"/>
-                </a:solidFill>
-                <a:effectLst/>
-                <a:latin typeface="inherit"/>
-              </a:rPr>
-              <a:t>1</a:t>
-            </a:r>
-            <a:r>
-              <a:rPr lang="es-ES" sz="1600" b="0" i="0" dirty="0">
-                <a:solidFill>
-                  <a:srgbClr val="000000"/>
-                </a:solidFill>
-                <a:effectLst/>
-                <a:latin typeface="inherit"/>
-              </a:rPr>
-              <a:t>, </a:t>
-            </a:r>
-            <a:r>
-              <a:rPr lang="es-ES" sz="1600" b="0" i="0" dirty="0">
-                <a:solidFill>
-                  <a:srgbClr val="D53AA9"/>
-                </a:solidFill>
-                <a:effectLst/>
-                <a:latin typeface="inherit"/>
-              </a:rPr>
-              <a:t>2</a:t>
-            </a:r>
-            <a:r>
-              <a:rPr lang="es-ES" sz="1600" b="0" i="0" dirty="0">
-                <a:solidFill>
-                  <a:srgbClr val="000000"/>
-                </a:solidFill>
-                <a:effectLst/>
-                <a:latin typeface="inherit"/>
-              </a:rPr>
-              <a:t>, </a:t>
-            </a:r>
-            <a:r>
-              <a:rPr lang="es-ES" sz="1600" b="0" i="0" dirty="0">
-                <a:solidFill>
-                  <a:srgbClr val="D53AA9"/>
-                </a:solidFill>
-                <a:effectLst/>
-                <a:latin typeface="inherit"/>
-              </a:rPr>
-              <a:t>3</a:t>
-            </a:r>
-            <a:r>
-              <a:rPr lang="es-ES" sz="1600" b="0" i="0" dirty="0">
-                <a:solidFill>
-                  <a:srgbClr val="000000"/>
-                </a:solidFill>
-                <a:effectLst/>
-                <a:latin typeface="inherit"/>
-              </a:rPr>
-              <a:t>, </a:t>
-            </a:r>
-            <a:r>
-              <a:rPr lang="es-ES" sz="1600" b="0" i="0" dirty="0">
-                <a:solidFill>
-                  <a:srgbClr val="D53AA9"/>
-                </a:solidFill>
-                <a:effectLst/>
-                <a:latin typeface="inherit"/>
-              </a:rPr>
-              <a:t>4</a:t>
-            </a:r>
-            <a:r>
-              <a:rPr lang="es-ES" sz="1600" b="0" i="0" dirty="0">
-                <a:solidFill>
-                  <a:srgbClr val="000000"/>
-                </a:solidFill>
-                <a:effectLst/>
-                <a:latin typeface="inherit"/>
-              </a:rPr>
-              <a:t>, </a:t>
-            </a:r>
-            <a:r>
-              <a:rPr lang="es-ES" sz="1600" b="0" i="0" dirty="0">
-                <a:solidFill>
-                  <a:srgbClr val="D53AA9"/>
-                </a:solidFill>
-                <a:effectLst/>
-                <a:latin typeface="inherit"/>
-              </a:rPr>
-              <a:t>5</a:t>
-            </a:r>
-            <a:r>
-              <a:rPr lang="es-ES" sz="1600" b="0" i="0" dirty="0">
-                <a:solidFill>
-                  <a:srgbClr val="000000"/>
-                </a:solidFill>
-                <a:effectLst/>
-                <a:latin typeface="inherit"/>
-              </a:rPr>
-              <a:t>, </a:t>
-            </a:r>
-            <a:r>
-              <a:rPr lang="es-ES" sz="1600" b="0" i="0" dirty="0">
-                <a:solidFill>
-                  <a:srgbClr val="D53AA9"/>
-                </a:solidFill>
-                <a:effectLst/>
-                <a:latin typeface="inherit"/>
-              </a:rPr>
-              <a:t>6</a:t>
-            </a:r>
-            <a:r>
-              <a:rPr lang="es-ES" sz="1600" b="0" i="0" dirty="0">
-                <a:solidFill>
-                  <a:srgbClr val="000000"/>
-                </a:solidFill>
-                <a:effectLst/>
-                <a:latin typeface="inherit"/>
-              </a:rPr>
-              <a:t>, </a:t>
-            </a:r>
-            <a:r>
-              <a:rPr lang="es-ES" sz="1600" b="0" i="0" dirty="0">
-                <a:solidFill>
-                  <a:srgbClr val="D53AA9"/>
-                </a:solidFill>
-                <a:effectLst/>
-                <a:latin typeface="inherit"/>
-              </a:rPr>
-              <a:t>7</a:t>
-            </a:r>
-            <a:r>
-              <a:rPr lang="es-ES" sz="1600" b="0" i="0" dirty="0">
-                <a:solidFill>
-                  <a:srgbClr val="000000"/>
-                </a:solidFill>
-                <a:effectLst/>
-                <a:latin typeface="inherit"/>
-              </a:rPr>
-              <a:t>, </a:t>
-            </a:r>
-            <a:r>
-              <a:rPr lang="es-ES" sz="1600" b="0" i="0" dirty="0">
-                <a:solidFill>
-                  <a:srgbClr val="D53AA9"/>
-                </a:solidFill>
-                <a:effectLst/>
-                <a:latin typeface="inherit"/>
-              </a:rPr>
-              <a:t>8</a:t>
-            </a:r>
-            <a:r>
-              <a:rPr lang="es-ES" sz="1600" b="0" i="0" dirty="0">
-                <a:solidFill>
-                  <a:srgbClr val="000000"/>
-                </a:solidFill>
-                <a:effectLst/>
-                <a:latin typeface="inherit"/>
-              </a:rPr>
-              <a:t>, </a:t>
-            </a:r>
-            <a:r>
-              <a:rPr lang="es-ES" sz="1600" b="0" i="0" dirty="0">
-                <a:solidFill>
-                  <a:srgbClr val="D53AA9"/>
-                </a:solidFill>
-                <a:effectLst/>
-                <a:latin typeface="inherit"/>
-              </a:rPr>
-              <a:t>9</a:t>
-            </a:r>
-            <a:r>
-              <a:rPr lang="es-ES" sz="1600" b="0" i="0" dirty="0">
-                <a:solidFill>
-                  <a:srgbClr val="000000"/>
-                </a:solidFill>
-                <a:effectLst/>
-                <a:latin typeface="inherit"/>
-              </a:rPr>
-              <a:t>, </a:t>
-            </a:r>
-            <a:r>
-              <a:rPr lang="es-ES" sz="1600" b="0" i="0" dirty="0">
-                <a:solidFill>
-                  <a:srgbClr val="D53AA9"/>
-                </a:solidFill>
-                <a:effectLst/>
-                <a:latin typeface="inherit"/>
-              </a:rPr>
-              <a:t>10</a:t>
-            </a:r>
-            <a:r>
-              <a:rPr lang="es-ES" sz="1600" b="0" i="0" dirty="0">
-                <a:solidFill>
-                  <a:srgbClr val="000000"/>
-                </a:solidFill>
-                <a:effectLst/>
-                <a:latin typeface="inherit"/>
-              </a:rPr>
-              <a:t>, </a:t>
-            </a:r>
-            <a:r>
-              <a:rPr lang="es-ES" sz="1600" b="0" i="0" dirty="0">
-                <a:solidFill>
-                  <a:srgbClr val="D53AA9"/>
-                </a:solidFill>
-                <a:effectLst/>
-                <a:latin typeface="inherit"/>
-              </a:rPr>
-              <a:t>11</a:t>
-            </a:r>
-            <a:r>
-              <a:rPr lang="es-ES" sz="1600" b="0" i="0" dirty="0">
-                <a:solidFill>
-                  <a:srgbClr val="000000"/>
-                </a:solidFill>
-                <a:effectLst/>
-                <a:latin typeface="inherit"/>
-              </a:rPr>
-              <a:t>, </a:t>
-            </a:r>
-            <a:r>
-              <a:rPr lang="es-ES" sz="1600" b="0" i="0" dirty="0">
-                <a:solidFill>
-                  <a:srgbClr val="D53AA9"/>
-                </a:solidFill>
-                <a:effectLst/>
-                <a:latin typeface="inherit"/>
-              </a:rPr>
-              <a:t>12</a:t>
-            </a:r>
-            <a:r>
-              <a:rPr lang="es-ES" sz="1600" b="0" i="0" dirty="0">
-                <a:solidFill>
-                  <a:srgbClr val="444444"/>
-                </a:solidFill>
-                <a:effectLst/>
-                <a:latin typeface="inherit"/>
-              </a:rPr>
-              <a:t>]</a:t>
-            </a:r>
-            <a:endParaRPr lang="es-ES" sz="1600" b="0" i="0" dirty="0">
+              <a:t>(lista2)</a:t>
+            </a:r>
+            <a:endParaRPr lang="es-ES" b="0" i="0" dirty="0">
               <a:solidFill>
                 <a:srgbClr val="AAAAAA"/>
               </a:solidFill>
@@ -11983,109 +15883,357 @@
               <a:latin typeface="Source Code Pro" panose="020B0509030403020204" pitchFamily="49" charset="0"/>
             </a:endParaRPr>
           </a:p>
+        </p:txBody>
+      </p:sp>
+      <p:sp>
+        <p:nvSpPr>
+          <p:cNvPr id="11" name="CuadroTexto 10">
+            <a:extLst>
+              <a:ext uri="{FF2B5EF4-FFF2-40B4-BE49-F238E27FC236}">
+                <a16:creationId xmlns:a16="http://schemas.microsoft.com/office/drawing/2014/main" id="{F14534C0-A07A-4900-AC94-DB6BF3DF9C1D}"/>
+              </a:ext>
+            </a:extLst>
+          </p:cNvPr>
+          <p:cNvSpPr txBox="1"/>
+          <p:nvPr/>
+        </p:nvSpPr>
+        <p:spPr>
+          <a:xfrm>
+            <a:off x="1043608" y="3703055"/>
+            <a:ext cx="3703716" cy="369332"/>
+          </a:xfrm>
+          <a:prstGeom prst="rect">
+            <a:avLst/>
+          </a:prstGeom>
+          <a:noFill/>
+        </p:spPr>
+        <p:txBody>
+          <a:bodyPr wrap="square">
+            <a:spAutoFit/>
+          </a:bodyPr>
+          <a:lstStyle/>
           <a:p>
             <a:pPr algn="l" rtl="0"/>
             <a:r>
-              <a:rPr lang="es-ES" sz="1600" b="0" i="0" dirty="0" err="1">
+              <a:rPr lang="es-ES" b="1" i="0" dirty="0" err="1">
+                <a:solidFill>
+                  <a:schemeClr val="accent6">
+                    <a:lumMod val="75000"/>
+                  </a:schemeClr>
+                </a:solidFill>
+                <a:effectLst/>
+                <a:latin typeface="inherit"/>
+              </a:rPr>
+              <a:t>map</a:t>
+            </a:r>
+            <a:r>
+              <a:rPr lang="es-ES" b="0" i="0" dirty="0">
+                <a:solidFill>
+                  <a:srgbClr val="444444"/>
+                </a:solidFill>
+                <a:effectLst/>
+                <a:latin typeface="inherit"/>
+              </a:rPr>
+              <a:t>(</a:t>
+            </a:r>
+            <a:r>
+              <a:rPr lang="es-ES" b="1" i="0" dirty="0">
+                <a:solidFill>
+                  <a:srgbClr val="066DA1"/>
+                </a:solidFill>
+                <a:effectLst/>
+                <a:latin typeface="inherit"/>
+              </a:rPr>
+              <a:t>lambda</a:t>
+            </a:r>
+            <a:r>
+              <a:rPr lang="es-ES" b="0" i="0" dirty="0">
                 <a:solidFill>
                   <a:srgbClr val="000000"/>
                 </a:solidFill>
                 <a:effectLst/>
                 <a:latin typeface="inherit"/>
               </a:rPr>
-              <a:t>sumcum</a:t>
-            </a:r>
-            <a:r>
-              <a:rPr lang="es-ES" sz="1600" b="0" i="0" dirty="0">
-                <a:solidFill>
-                  <a:srgbClr val="000000"/>
-                </a:solidFill>
-                <a:effectLst/>
-                <a:latin typeface="inherit"/>
-              </a:rPr>
-              <a:t> = </a:t>
-            </a:r>
-            <a:r>
-              <a:rPr lang="es-ES" sz="1600" b="0" i="0" dirty="0">
-                <a:solidFill>
-                  <a:srgbClr val="404247"/>
-                </a:solidFill>
-                <a:effectLst/>
-                <a:latin typeface="inherit"/>
-              </a:rPr>
-              <a:t>reduce</a:t>
-            </a:r>
-            <a:r>
-              <a:rPr lang="es-ES" sz="1600" b="0" i="0" dirty="0">
+              <a:t> x, y: x**y,  </a:t>
+            </a:r>
+            <a:r>
+              <a:rPr lang="es-ES" b="1" i="0" dirty="0">
+                <a:solidFill>
+                  <a:srgbClr val="00B050"/>
+                </a:solidFill>
+                <a:effectLst/>
+                <a:latin typeface="inherit"/>
+              </a:rPr>
+              <a:t>lista, tupla</a:t>
+            </a:r>
+            <a:r>
+              <a:rPr lang="es-ES" b="0" i="0" dirty="0">
                 <a:solidFill>
                   <a:srgbClr val="444444"/>
                 </a:solidFill>
                 <a:effectLst/>
                 <a:latin typeface="inherit"/>
               </a:rPr>
-              <a:t>(</a:t>
-            </a:r>
-            <a:r>
-              <a:rPr lang="es-ES" sz="1600" b="1" i="0" dirty="0">
-                <a:solidFill>
-                  <a:srgbClr val="066DA1"/>
-                </a:solidFill>
-                <a:effectLst/>
-                <a:latin typeface="inherit"/>
-              </a:rPr>
-              <a:t>lambda</a:t>
-            </a:r>
-            <a:r>
-              <a:rPr lang="es-ES" sz="1600" b="0" i="0" dirty="0">
-                <a:solidFill>
-                  <a:srgbClr val="000000"/>
-                </a:solidFill>
-                <a:effectLst/>
-                <a:latin typeface="inherit"/>
-              </a:rPr>
-              <a:t> a, b: </a:t>
-            </a:r>
-            <a:r>
-              <a:rPr lang="es-ES" sz="1600" b="0" i="0" dirty="0" err="1">
-                <a:solidFill>
-                  <a:srgbClr val="000000"/>
-                </a:solidFill>
-                <a:effectLst/>
-                <a:latin typeface="inherit"/>
-              </a:rPr>
-              <a:t>a+b</a:t>
-            </a:r>
-            <a:r>
-              <a:rPr lang="es-ES" sz="1600" b="0" i="0" dirty="0">
-                <a:solidFill>
-                  <a:srgbClr val="000000"/>
-                </a:solidFill>
-                <a:effectLst/>
-                <a:latin typeface="inherit"/>
-              </a:rPr>
-              <a:t>, </a:t>
-            </a:r>
-            <a:r>
-              <a:rPr lang="es-ES" sz="1600" b="1" i="0" dirty="0">
-                <a:solidFill>
-                  <a:srgbClr val="000000"/>
-                </a:solidFill>
-                <a:effectLst/>
-                <a:latin typeface="inherit"/>
-              </a:rPr>
-              <a:t>enteros</a:t>
-            </a:r>
-            <a:r>
-              <a:rPr lang="es-ES" sz="1600" b="0" i="0" dirty="0">
-                <a:solidFill>
-                  <a:srgbClr val="444444"/>
-                </a:solidFill>
-                <a:effectLst/>
-                <a:latin typeface="inherit"/>
-              </a:rPr>
               <a:t>)</a:t>
             </a:r>
-            <a:endParaRPr lang="es-ES" sz="1600" b="0" i="0" dirty="0">
+          </a:p>
+        </p:txBody>
+      </p:sp>
+      <p:sp>
+        <p:nvSpPr>
+          <p:cNvPr id="12" name="Abrir llave 11">
+            <a:extLst>
+              <a:ext uri="{FF2B5EF4-FFF2-40B4-BE49-F238E27FC236}">
+                <a16:creationId xmlns:a16="http://schemas.microsoft.com/office/drawing/2014/main" id="{3AE2AEE9-CCE8-4E26-8B51-BDAC52A7F842}"/>
+              </a:ext>
+            </a:extLst>
+          </p:cNvPr>
+          <p:cNvSpPr/>
+          <p:nvPr/>
+        </p:nvSpPr>
+        <p:spPr>
+          <a:xfrm rot="16200000">
+            <a:off x="2303998" y="3357968"/>
+            <a:ext cx="265175" cy="1633824"/>
+          </a:xfrm>
+          <a:prstGeom prst="leftBrace">
+            <a:avLst/>
+          </a:prstGeom>
+        </p:spPr>
+        <p:style>
+          <a:lnRef idx="1">
+            <a:schemeClr val="accent1"/>
+          </a:lnRef>
+          <a:fillRef idx="0">
+            <a:schemeClr val="accent1"/>
+          </a:fillRef>
+          <a:effectRef idx="0">
+            <a:schemeClr val="accent1"/>
+          </a:effectRef>
+          <a:fontRef idx="minor">
+            <a:schemeClr val="tx1"/>
+          </a:fontRef>
+        </p:style>
+        <p:txBody>
+          <a:bodyPr rtlCol="0" anchor="ctr"/>
+          <a:lstStyle/>
+          <a:p>
+            <a:pPr algn="ctr"/>
+            <a:endParaRPr lang="es-MX"/>
+          </a:p>
+        </p:txBody>
+      </p:sp>
+      <p:sp>
+        <p:nvSpPr>
+          <p:cNvPr id="13" name="Abrir llave 12">
+            <a:extLst>
+              <a:ext uri="{FF2B5EF4-FFF2-40B4-BE49-F238E27FC236}">
+                <a16:creationId xmlns:a16="http://schemas.microsoft.com/office/drawing/2014/main" id="{054DF6E8-83D2-4A51-BF12-835C25C2E8EB}"/>
+              </a:ext>
+            </a:extLst>
+          </p:cNvPr>
+          <p:cNvSpPr/>
+          <p:nvPr/>
+        </p:nvSpPr>
+        <p:spPr>
+          <a:xfrm rot="16200000">
+            <a:off x="3776247" y="3594856"/>
+            <a:ext cx="223358" cy="1080121"/>
+          </a:xfrm>
+          <a:prstGeom prst="leftBrace">
+            <a:avLst/>
+          </a:prstGeom>
+        </p:spPr>
+        <p:style>
+          <a:lnRef idx="1">
+            <a:schemeClr val="accent1"/>
+          </a:lnRef>
+          <a:fillRef idx="0">
+            <a:schemeClr val="accent1"/>
+          </a:fillRef>
+          <a:effectRef idx="0">
+            <a:schemeClr val="accent1"/>
+          </a:effectRef>
+          <a:fontRef idx="minor">
+            <a:schemeClr val="tx1"/>
+          </a:fontRef>
+        </p:style>
+        <p:txBody>
+          <a:bodyPr rtlCol="0" anchor="ctr"/>
+          <a:lstStyle/>
+          <a:p>
+            <a:pPr algn="ctr"/>
+            <a:endParaRPr lang="es-MX"/>
+          </a:p>
+        </p:txBody>
+      </p:sp>
+      <p:sp>
+        <p:nvSpPr>
+          <p:cNvPr id="14" name="CuadroTexto 13">
+            <a:extLst>
+              <a:ext uri="{FF2B5EF4-FFF2-40B4-BE49-F238E27FC236}">
+                <a16:creationId xmlns:a16="http://schemas.microsoft.com/office/drawing/2014/main" id="{7D138997-C337-460F-B57F-91195C7377E4}"/>
+              </a:ext>
+            </a:extLst>
+          </p:cNvPr>
+          <p:cNvSpPr txBox="1"/>
+          <p:nvPr/>
+        </p:nvSpPr>
+        <p:spPr>
+          <a:xfrm>
+            <a:off x="1741328" y="4321410"/>
+            <a:ext cx="1454888" cy="646331"/>
+          </a:xfrm>
+          <a:prstGeom prst="rect">
+            <a:avLst/>
+          </a:prstGeom>
+          <a:noFill/>
+        </p:spPr>
+        <p:txBody>
+          <a:bodyPr wrap="square">
+            <a:spAutoFit/>
+          </a:bodyPr>
+          <a:lstStyle/>
+          <a:p>
+            <a:pPr algn="ctr"/>
+            <a:r>
+              <a:rPr lang="es-ES" dirty="0">
+                <a:solidFill>
+                  <a:schemeClr val="accent5">
+                    <a:lumMod val="75000"/>
+                  </a:schemeClr>
+                </a:solidFill>
+                <a:latin typeface="-apple-system"/>
+              </a:rPr>
+              <a:t>Función lambda</a:t>
+            </a:r>
+          </a:p>
+        </p:txBody>
+      </p:sp>
+      <p:sp>
+        <p:nvSpPr>
+          <p:cNvPr id="15" name="CuadroTexto 14">
+            <a:extLst>
+              <a:ext uri="{FF2B5EF4-FFF2-40B4-BE49-F238E27FC236}">
+                <a16:creationId xmlns:a16="http://schemas.microsoft.com/office/drawing/2014/main" id="{0989A738-D75C-4714-B596-955068D7660A}"/>
+              </a:ext>
+            </a:extLst>
+          </p:cNvPr>
+          <p:cNvSpPr txBox="1"/>
+          <p:nvPr/>
+        </p:nvSpPr>
+        <p:spPr>
+          <a:xfrm>
+            <a:off x="3059832" y="4321410"/>
+            <a:ext cx="1633825" cy="646331"/>
+          </a:xfrm>
+          <a:prstGeom prst="rect">
+            <a:avLst/>
+          </a:prstGeom>
+          <a:noFill/>
+        </p:spPr>
+        <p:txBody>
+          <a:bodyPr wrap="square">
+            <a:spAutoFit/>
+          </a:bodyPr>
+          <a:lstStyle/>
+          <a:p>
+            <a:pPr algn="ctr"/>
+            <a:r>
+              <a:rPr lang="es-ES" dirty="0">
+                <a:solidFill>
+                  <a:schemeClr val="accent5">
+                    <a:lumMod val="75000"/>
+                  </a:schemeClr>
+                </a:solidFill>
+                <a:latin typeface="-apple-system"/>
+              </a:rPr>
+              <a:t>Objetos iterables</a:t>
+            </a:r>
+          </a:p>
+        </p:txBody>
+      </p:sp>
+      <p:sp>
+        <p:nvSpPr>
+          <p:cNvPr id="16" name="CuadroTexto 15">
+            <a:extLst>
+              <a:ext uri="{FF2B5EF4-FFF2-40B4-BE49-F238E27FC236}">
+                <a16:creationId xmlns:a16="http://schemas.microsoft.com/office/drawing/2014/main" id="{01F96716-3262-40EC-A5A0-36CC3258E544}"/>
+              </a:ext>
+            </a:extLst>
+          </p:cNvPr>
+          <p:cNvSpPr txBox="1"/>
+          <p:nvPr/>
+        </p:nvSpPr>
+        <p:spPr>
+          <a:xfrm>
+            <a:off x="586397" y="1366044"/>
+            <a:ext cx="8098061" cy="646331"/>
+          </a:xfrm>
+          <a:prstGeom prst="rect">
+            <a:avLst/>
+          </a:prstGeom>
+          <a:noFill/>
+        </p:spPr>
+        <p:txBody>
+          <a:bodyPr wrap="square">
+            <a:spAutoFit/>
+          </a:bodyPr>
+          <a:lstStyle/>
+          <a:p>
+            <a:pPr algn="just">
+              <a:spcAft>
+                <a:spcPts val="1200"/>
+              </a:spcAft>
+            </a:pPr>
+            <a:r>
+              <a:rPr lang="es-ES" b="0" i="0" dirty="0">
+                <a:solidFill>
+                  <a:srgbClr val="3E4349"/>
+                </a:solidFill>
+                <a:effectLst/>
+              </a:rPr>
+              <a:t>Además se puede utilizar la función </a:t>
+            </a:r>
+            <a:r>
+              <a:rPr lang="es-ES" b="1" i="0" dirty="0" err="1">
+                <a:solidFill>
+                  <a:srgbClr val="FF0000"/>
+                </a:solidFill>
+                <a:effectLst/>
+              </a:rPr>
+              <a:t>map</a:t>
+            </a:r>
+            <a:r>
+              <a:rPr lang="es-ES" b="0" i="0" dirty="0">
+                <a:solidFill>
+                  <a:srgbClr val="3E4349"/>
+                </a:solidFill>
+                <a:effectLst/>
+              </a:rPr>
+              <a:t> sobre </a:t>
+            </a:r>
+            <a:r>
+              <a:rPr lang="es-ES" b="1" i="0" dirty="0">
+                <a:solidFill>
+                  <a:schemeClr val="accent6">
+                    <a:lumMod val="75000"/>
+                  </a:schemeClr>
+                </a:solidFill>
+                <a:effectLst/>
+              </a:rPr>
+              <a:t>más de un objeto iterable </a:t>
+            </a:r>
+            <a:r>
+              <a:rPr lang="es-ES" b="0" i="0" dirty="0">
+                <a:solidFill>
+                  <a:srgbClr val="3E4349"/>
+                </a:solidFill>
+                <a:effectLst/>
+              </a:rPr>
+              <a:t>con la condición que tengan la misma longitud. </a:t>
+            </a:r>
+            <a:endParaRPr lang="es-ES" b="0" i="0" dirty="0">
               <a:solidFill>
                 <a:srgbClr val="AAAAAA"/>
               </a:solidFill>
@@ -12093,64 +16241,275 @@
               <a:latin typeface="Source Code Pro" panose="020B0509030403020204" pitchFamily="49" charset="0"/>
             </a:endParaRPr>
           </a:p>
-          <a:p>
-            <a:pPr algn="l" rtl="0"/>
-            <a:r>
-              <a:rPr lang="es-ES" sz="1600" b="0" i="0" dirty="0" err="1">
-                <a:solidFill>
-                  <a:srgbClr val="404247"/>
-                </a:solidFill>
-                <a:effectLst/>
-                <a:latin typeface="inherit"/>
-              </a:rPr>
-              <a:t>print</a:t>
-            </a:r>
-            <a:r>
-              <a:rPr lang="es-ES" sz="1600" b="0" i="0" dirty="0">
-                <a:solidFill>
-                  <a:srgbClr val="444444"/>
-                </a:solidFill>
-                <a:effectLst/>
-                <a:latin typeface="inherit"/>
-              </a:rPr>
-              <a:t>(</a:t>
-            </a:r>
-            <a:r>
-              <a:rPr lang="es-ES" sz="1600" b="0" i="0" dirty="0" err="1">
-                <a:solidFill>
-                  <a:srgbClr val="000000"/>
-                </a:solidFill>
-                <a:effectLst/>
-                <a:latin typeface="inherit"/>
-              </a:rPr>
-              <a:t>sumcum</a:t>
-            </a:r>
-            <a:r>
-              <a:rPr lang="es-ES" sz="1600" b="0" i="0" dirty="0">
-                <a:solidFill>
-                  <a:srgbClr val="444444"/>
-                </a:solidFill>
-                <a:effectLst/>
-                <a:latin typeface="inherit"/>
-              </a:rPr>
-              <a:t>)</a:t>
-            </a:r>
-            <a:endParaRPr lang="es-ES" sz="1600" b="0" i="0" dirty="0">
+        </p:txBody>
+      </p:sp>
+      <p:sp>
+        <p:nvSpPr>
+          <p:cNvPr id="17" name="CuadroTexto 16">
+            <a:extLst>
+              <a:ext uri="{FF2B5EF4-FFF2-40B4-BE49-F238E27FC236}">
+                <a16:creationId xmlns:a16="http://schemas.microsoft.com/office/drawing/2014/main" id="{C6A87DC9-F3DB-49FC-901C-F97A5E960A3A}"/>
+              </a:ext>
+            </a:extLst>
+          </p:cNvPr>
+          <p:cNvSpPr txBox="1"/>
+          <p:nvPr/>
+        </p:nvSpPr>
+        <p:spPr>
+          <a:xfrm>
+            <a:off x="566872" y="2020741"/>
+            <a:ext cx="8117585" cy="1508105"/>
+          </a:xfrm>
+          <a:prstGeom prst="rect">
+            <a:avLst/>
+          </a:prstGeom>
+          <a:noFill/>
+        </p:spPr>
+        <p:txBody>
+          <a:bodyPr wrap="square">
+            <a:spAutoFit/>
+          </a:bodyPr>
+          <a:lstStyle/>
+          <a:p>
+            <a:pPr algn="l">
+              <a:spcAft>
+                <a:spcPts val="1200"/>
+              </a:spcAft>
+            </a:pPr>
+            <a:r>
+              <a:rPr lang="es-ES" b="1" i="0" u="none" strike="noStrike" dirty="0">
+                <a:solidFill>
+                  <a:srgbClr val="111111"/>
+                </a:solidFill>
+                <a:effectLst/>
+                <a:latin typeface="-apple-system"/>
+              </a:rPr>
+              <a:t>Ejemplo</a:t>
+            </a:r>
+          </a:p>
+          <a:p>
+            <a:pPr algn="l">
+              <a:spcAft>
+                <a:spcPts val="1200"/>
+              </a:spcAft>
+            </a:pPr>
+            <a:r>
+              <a:rPr lang="es-ES" b="0" i="0" dirty="0">
+                <a:solidFill>
+                  <a:srgbClr val="333333"/>
+                </a:solidFill>
+                <a:effectLst/>
+              </a:rPr>
+              <a:t>Se nos pide</a:t>
+            </a:r>
+            <a:r>
+              <a:rPr lang="es-ES" b="0" i="0" dirty="0">
+                <a:solidFill>
+                  <a:srgbClr val="3E4349"/>
+                </a:solidFill>
+                <a:effectLst/>
+              </a:rPr>
+              <a:t> elevar </a:t>
+            </a:r>
+            <a:r>
+              <a:rPr lang="es-ES" dirty="0">
+                <a:solidFill>
+                  <a:srgbClr val="3E4349"/>
+                </a:solidFill>
+              </a:rPr>
+              <a:t>los números  de la lista a la potencia de los números de la tupla</a:t>
+            </a:r>
+            <a:r>
+              <a:rPr lang="es-ES" b="0" i="0" dirty="0">
+                <a:solidFill>
+                  <a:srgbClr val="3E4349"/>
+                </a:solidFill>
+                <a:effectLst/>
+              </a:rPr>
+              <a:t>:</a:t>
+            </a:r>
+            <a:endParaRPr lang="es-ES" b="0" i="0" dirty="0">
               <a:solidFill>
                 <a:srgbClr val="333333"/>
               </a:solidFill>
               <a:effectLst/>
-              <a:latin typeface="-apple-system"/>
+            </a:endParaRPr>
+          </a:p>
+          <a:p>
+            <a:pPr algn="l" rtl="0"/>
+            <a:r>
+              <a:rPr lang="es-ES" b="1" dirty="0">
+                <a:solidFill>
+                  <a:srgbClr val="000000"/>
+                </a:solidFill>
+                <a:latin typeface="inherit"/>
+              </a:rPr>
+              <a:t>lista</a:t>
+            </a:r>
+            <a:r>
+              <a:rPr lang="es-ES" b="0" i="0" dirty="0">
+                <a:solidFill>
+                  <a:srgbClr val="000000"/>
+                </a:solidFill>
+                <a:effectLst/>
+                <a:latin typeface="inherit"/>
+              </a:rPr>
+              <a:t> = </a:t>
+            </a:r>
+            <a:r>
+              <a:rPr lang="es-ES" b="0" i="0" dirty="0">
+                <a:solidFill>
+                  <a:srgbClr val="444444"/>
+                </a:solidFill>
+                <a:effectLst/>
+                <a:latin typeface="inherit"/>
+              </a:rPr>
+              <a:t>[</a:t>
+            </a:r>
+            <a:r>
+              <a:rPr lang="es-ES" b="0" i="0" dirty="0">
+                <a:solidFill>
+                  <a:srgbClr val="D53AA9"/>
+                </a:solidFill>
+                <a:effectLst/>
+                <a:latin typeface="inherit"/>
+              </a:rPr>
+              <a:t>1</a:t>
+            </a:r>
+            <a:r>
+              <a:rPr lang="es-ES" b="0" i="0" dirty="0">
+                <a:solidFill>
+                  <a:srgbClr val="000000"/>
+                </a:solidFill>
+                <a:effectLst/>
+                <a:latin typeface="inherit"/>
+              </a:rPr>
+              <a:t>, </a:t>
+            </a:r>
+            <a:r>
+              <a:rPr lang="es-ES" b="0" i="0" dirty="0">
+                <a:solidFill>
+                  <a:srgbClr val="D53AA9"/>
+                </a:solidFill>
+                <a:effectLst/>
+                <a:latin typeface="inherit"/>
+              </a:rPr>
+              <a:t>2</a:t>
+            </a:r>
+            <a:r>
+              <a:rPr lang="es-ES" b="0" i="0" dirty="0">
+                <a:solidFill>
+                  <a:srgbClr val="000000"/>
+                </a:solidFill>
+                <a:effectLst/>
+                <a:latin typeface="inherit"/>
+              </a:rPr>
+              <a:t>, </a:t>
+            </a:r>
+            <a:r>
+              <a:rPr lang="es-ES" b="0" i="0" dirty="0">
+                <a:solidFill>
+                  <a:srgbClr val="D53AA9"/>
+                </a:solidFill>
+                <a:effectLst/>
+                <a:latin typeface="inherit"/>
+              </a:rPr>
+              <a:t>3</a:t>
+            </a:r>
+            <a:r>
+              <a:rPr lang="es-ES" b="0" i="0" dirty="0">
+                <a:solidFill>
+                  <a:srgbClr val="000000"/>
+                </a:solidFill>
+                <a:effectLst/>
+                <a:latin typeface="inherit"/>
+              </a:rPr>
+              <a:t>, </a:t>
+            </a:r>
+            <a:r>
+              <a:rPr lang="es-ES" b="0" i="0" dirty="0">
+                <a:solidFill>
+                  <a:srgbClr val="D53AA9"/>
+                </a:solidFill>
+                <a:effectLst/>
+                <a:latin typeface="inherit"/>
+              </a:rPr>
+              <a:t>4</a:t>
+            </a:r>
+            <a:r>
+              <a:rPr lang="es-ES" b="0" i="0" dirty="0">
+                <a:solidFill>
+                  <a:srgbClr val="000000"/>
+                </a:solidFill>
+                <a:effectLst/>
+                <a:latin typeface="inherit"/>
+              </a:rPr>
+              <a:t>, </a:t>
+            </a:r>
+            <a:r>
+              <a:rPr lang="es-ES" b="0" i="0" dirty="0">
+                <a:solidFill>
+                  <a:srgbClr val="D53AA9"/>
+                </a:solidFill>
+                <a:effectLst/>
+                <a:latin typeface="inherit"/>
+              </a:rPr>
+              <a:t>5</a:t>
+            </a:r>
+            <a:r>
+              <a:rPr lang="es-ES" b="0" i="0" dirty="0">
+                <a:solidFill>
+                  <a:srgbClr val="444444"/>
+                </a:solidFill>
+                <a:effectLst/>
+                <a:latin typeface="inherit"/>
+              </a:rPr>
+              <a:t>]</a:t>
+            </a:r>
+            <a:endParaRPr lang="es-ES" b="0" i="0" dirty="0">
+              <a:solidFill>
+                <a:srgbClr val="AAAAAA"/>
+              </a:solidFill>
+              <a:effectLst/>
+              <a:latin typeface="Source Code Pro" panose="020B0509030403020204" pitchFamily="49" charset="0"/>
+            </a:endParaRPr>
+          </a:p>
+          <a:p>
+            <a:r>
+              <a:rPr lang="es-ES" b="1" dirty="0">
+                <a:solidFill>
+                  <a:srgbClr val="000000"/>
+                </a:solidFill>
+                <a:latin typeface="inherit"/>
+              </a:rPr>
+              <a:t>tupla</a:t>
+            </a:r>
+            <a:r>
+              <a:rPr lang="es-ES" b="0" i="0" dirty="0">
+                <a:solidFill>
+                  <a:srgbClr val="000000"/>
+                </a:solidFill>
+                <a:effectLst/>
+                <a:latin typeface="inherit"/>
+              </a:rPr>
+              <a:t> = (1, 2, 3, 4, 5)</a:t>
+            </a:r>
+            <a:endParaRPr lang="es-ES" b="0" i="0" dirty="0">
+              <a:solidFill>
+                <a:srgbClr val="AAAAAA"/>
+              </a:solidFill>
+              <a:effectLst/>
+              <a:latin typeface="Source Code Pro" panose="020B0509030403020204" pitchFamily="49" charset="0"/>
             </a:endParaRPr>
           </a:p>
         </p:txBody>
       </p:sp>
       <p:pic>
         <p:nvPicPr>
-          <p:cNvPr id="4" name="Imagen 3">
+          <p:cNvPr id="5" name="Imagen 4">
             <a:extLst>
               <a:ext uri="{FF2B5EF4-FFF2-40B4-BE49-F238E27FC236}">
-                <a16:creationId xmlns:a16="http://schemas.microsoft.com/office/drawing/2014/main" id="{103C2CB2-E1F1-4C85-A75B-E6F91E84F7F1}"/>
+                <a16:creationId xmlns:a16="http://schemas.microsoft.com/office/drawing/2014/main" id="{67BDF8E8-7AC7-4D80-B889-BD448B9F90C5}"/>
               </a:ext>
             </a:extLst>
           </p:cNvPr>
@@ -12167,8 +16526,8 @@
         </p:blipFill>
         <p:spPr>
           <a:xfrm>
-            <a:off x="7488229" y="5253040"/>
-            <a:ext cx="929555" cy="1203377"/>
+            <a:off x="5220072" y="3441651"/>
+            <a:ext cx="3823998" cy="2511719"/>
           </a:xfrm>
           <a:prstGeom prst="rect">
             <a:avLst/>
@@ -12178,7 +16537,7 @@
     </p:spTree>
     <p:extLst>
       <p:ext uri="{BB962C8B-B14F-4D97-AF65-F5344CB8AC3E}">
-        <p14:creationId xmlns:p14="http://schemas.microsoft.com/office/powerpoint/2010/main" val="3363412543"/>
+        <p14:creationId xmlns:p14="http://schemas.microsoft.com/office/powerpoint/2010/main" val="1517084051"/>
       </p:ext>
     </p:extLst>
   </p:cSld>
